--- a/Presentation.pptx
+++ b/Presentation.pptx
@@ -5,10 +5,10 @@
     <p:sldMasterId id="2147483650" r:id="rId1"/>
   </p:sldMasterIdLst>
   <p:notesMasterIdLst>
-    <p:notesMasterId r:id="rId12"/>
+    <p:notesMasterId r:id="rId13"/>
   </p:notesMasterIdLst>
   <p:handoutMasterIdLst>
-    <p:handoutMasterId r:id="rId13"/>
+    <p:handoutMasterId r:id="rId14"/>
   </p:handoutMasterIdLst>
   <p:sldIdLst>
     <p:sldId id="256" r:id="rId2"/>
@@ -16,11 +16,12 @@
     <p:sldId id="258" r:id="rId4"/>
     <p:sldId id="259" r:id="rId5"/>
     <p:sldId id="262" r:id="rId6"/>
-    <p:sldId id="260" r:id="rId7"/>
-    <p:sldId id="263" r:id="rId8"/>
-    <p:sldId id="264" r:id="rId9"/>
-    <p:sldId id="266" r:id="rId10"/>
-    <p:sldId id="261" r:id="rId11"/>
+    <p:sldId id="267" r:id="rId7"/>
+    <p:sldId id="260" r:id="rId8"/>
+    <p:sldId id="263" r:id="rId9"/>
+    <p:sldId id="264" r:id="rId10"/>
+    <p:sldId id="266" r:id="rId11"/>
+    <p:sldId id="261" r:id="rId12"/>
   </p:sldIdLst>
   <p:sldSz cx="9144000" cy="6858000" type="screen4x3"/>
   <p:notesSz cx="6858000" cy="9144000"/>
@@ -502,6 +503,11 @@
         </p:txBody>
       </p:sp>
     </p:spTree>
+    <p:extLst>
+      <p:ext uri="{BB962C8B-B14F-4D97-AF65-F5344CB8AC3E}">
+        <p14:creationId xmlns:p14="http://schemas.microsoft.com/office/powerpoint/2010/main" val="1068006568"/>
+      </p:ext>
+    </p:extLst>
   </p:cSld>
   <p:clrMap bg1="lt1" tx1="dk1" bg2="lt2" tx2="dk2" accent1="accent1" accent2="accent2" accent3="accent3" accent4="accent4" accent5="accent5" accent6="accent6" hlink="hlink" folHlink="folHlink"/>
 </p:handoutMaster>
@@ -978,6 +984,11 @@
         </p:txBody>
       </p:sp>
     </p:spTree>
+    <p:extLst>
+      <p:ext uri="{BB962C8B-B14F-4D97-AF65-F5344CB8AC3E}">
+        <p14:creationId xmlns:p14="http://schemas.microsoft.com/office/powerpoint/2010/main" val="2873816658"/>
+      </p:ext>
+    </p:extLst>
   </p:cSld>
   <p:clrMap bg1="lt1" tx1="dk1" bg2="lt2" tx2="dk2" accent1="accent1" accent2="accent2" accent3="accent3" accent4="accent4" accent5="accent5" accent6="accent6" hlink="hlink" folHlink="folHlink"/>
   <p:notesStyle>
@@ -1286,6 +1297,95 @@
     <p:extLst>
       <p:ext uri="{BB962C8B-B14F-4D97-AF65-F5344CB8AC3E}">
         <p14:creationId xmlns:p14="http://schemas.microsoft.com/office/powerpoint/2010/main" val="1288972976"/>
+      </p:ext>
+    </p:extLst>
+  </p:cSld>
+  <p:clrMapOvr>
+    <a:masterClrMapping/>
+  </p:clrMapOvr>
+</p:notes>
+</file>
+
+<file path=ppt/notesSlides/notesSlide3.xml><?xml version="1.0" encoding="utf-8"?>
+<p:notes xmlns:a="http://schemas.openxmlformats.org/drawingml/2006/main" xmlns:r="http://schemas.openxmlformats.org/officeDocument/2006/relationships" xmlns:p="http://schemas.openxmlformats.org/presentationml/2006/main">
+  <p:cSld>
+    <p:spTree>
+      <p:nvGrpSpPr>
+        <p:cNvPr id="1" name=""/>
+        <p:cNvGrpSpPr/>
+        <p:nvPr/>
+      </p:nvGrpSpPr>
+      <p:grpSpPr>
+        <a:xfrm>
+          <a:off x="0" y="0"/>
+          <a:ext cx="0" cy="0"/>
+          <a:chOff x="0" y="0"/>
+          <a:chExt cx="0" cy="0"/>
+        </a:xfrm>
+      </p:grpSpPr>
+      <p:sp>
+        <p:nvSpPr>
+          <p:cNvPr id="2" name="Slide Image Placeholder 1"/>
+          <p:cNvSpPr>
+            <a:spLocks noGrp="1" noRot="1" noChangeAspect="1"/>
+          </p:cNvSpPr>
+          <p:nvPr>
+            <p:ph type="sldImg"/>
+          </p:nvPr>
+        </p:nvSpPr>
+        <p:spPr/>
+      </p:sp>
+      <p:sp>
+        <p:nvSpPr>
+          <p:cNvPr id="3" name="Notes Placeholder 2"/>
+          <p:cNvSpPr>
+            <a:spLocks noGrp="1"/>
+          </p:cNvSpPr>
+          <p:nvPr>
+            <p:ph type="body" idx="1"/>
+          </p:nvPr>
+        </p:nvSpPr>
+        <p:spPr/>
+        <p:txBody>
+          <a:bodyPr/>
+          <a:lstStyle/>
+          <a:p>
+            <a:r>
+              <a:rPr lang="en-GB" dirty="0" smtClean="0"/>
+              <a:t>Add pictures from pdf</a:t>
+            </a:r>
+            <a:endParaRPr lang="en-GB" dirty="0"/>
+          </a:p>
+        </p:txBody>
+      </p:sp>
+      <p:sp>
+        <p:nvSpPr>
+          <p:cNvPr id="4" name="Slide Number Placeholder 3"/>
+          <p:cNvSpPr>
+            <a:spLocks noGrp="1"/>
+          </p:cNvSpPr>
+          <p:nvPr>
+            <p:ph type="sldNum" sz="quarter" idx="10"/>
+          </p:nvPr>
+        </p:nvSpPr>
+        <p:spPr/>
+        <p:txBody>
+          <a:bodyPr/>
+          <a:lstStyle/>
+          <a:p>
+            <a:fld id="{40023F21-9FC3-4A9C-B997-65C4C5BF9AFD}" type="slidenum">
+              <a:rPr lang="en-GB" altLang="en-US" smtClean="0"/>
+              <a:pPr/>
+              <a:t>6</a:t>
+            </a:fld>
+            <a:endParaRPr lang="en-GB" altLang="en-US"/>
+          </a:p>
+        </p:txBody>
+      </p:sp>
+    </p:spTree>
+    <p:extLst>
+      <p:ext uri="{BB962C8B-B14F-4D97-AF65-F5344CB8AC3E}">
+        <p14:creationId xmlns:p14="http://schemas.microsoft.com/office/powerpoint/2010/main" val="1070749739"/>
       </p:ext>
     </p:extLst>
   </p:cSld>
@@ -4680,7 +4780,7 @@
           <a:lstStyle/>
           <a:p>
             <a:r>
-              <a:rPr lang="en-US" altLang="en-US" dirty="0" smtClean="0"/>
+              <a:rPr lang="en-US" altLang="en-US" sz="2400" dirty="0" smtClean="0"/>
               <a:t>Text Mining and Semantic Technologies (ICT3)</a:t>
             </a:r>
           </a:p>
@@ -4701,7 +4801,6 @@
               <a:rPr lang="en-US" altLang="en-US" dirty="0" smtClean="0"/>
               <a:t> &amp; Miha Torkar</a:t>
             </a:r>
-            <a:endParaRPr lang="en-US" altLang="en-US" dirty="0" smtClean="0"/>
           </a:p>
           <a:p>
             <a:endParaRPr lang="en-US" altLang="en-US" dirty="0"/>
@@ -4757,20 +4856,79 @@
           <a:p>
             <a:r>
               <a:rPr lang="en-GB" dirty="0" smtClean="0"/>
-              <a:t>Conclusion and Future Work</a:t>
+              <a:t>Evaluation of Results</a:t>
             </a:r>
             <a:endParaRPr lang="en-GB" dirty="0"/>
           </a:p>
         </p:txBody>
       </p:sp>
-      <p:sp>
-        <p:nvSpPr>
-          <p:cNvPr id="3" name="Content Placeholder 2"/>
+      <p:pic>
+        <p:nvPicPr>
+          <p:cNvPr id="4" name="Content Placeholder 3" descr="Screen Clipping"/>
+          <p:cNvPicPr>
+            <a:picLocks noGrp="1" noChangeAspect="1"/>
+          </p:cNvPicPr>
+          <p:nvPr>
+            <p:ph idx="1"/>
+          </p:nvPr>
+        </p:nvPicPr>
+        <p:blipFill>
+          <a:blip r:embed="rId2">
+            <a:extLst>
+              <a:ext uri="{28A0092B-C50C-407E-A947-70E740481C1C}">
+                <a14:useLocalDpi xmlns:a14="http://schemas.microsoft.com/office/drawing/2010/main" val="0"/>
+              </a:ext>
+            </a:extLst>
+          </a:blip>
+          <a:stretch>
+            <a:fillRect/>
+          </a:stretch>
+        </p:blipFill>
+        <p:spPr>
+          <a:xfrm>
+            <a:off x="611560" y="2132856"/>
+            <a:ext cx="7643813" cy="3001094"/>
+          </a:xfrm>
+        </p:spPr>
+      </p:pic>
+    </p:spTree>
+    <p:extLst>
+      <p:ext uri="{BB962C8B-B14F-4D97-AF65-F5344CB8AC3E}">
+        <p14:creationId xmlns:p14="http://schemas.microsoft.com/office/powerpoint/2010/main" val="2066402308"/>
+      </p:ext>
+    </p:extLst>
+  </p:cSld>
+  <p:clrMapOvr>
+    <a:masterClrMapping/>
+  </p:clrMapOvr>
+</p:sld>
+</file>
+
+<file path=ppt/slides/slide11.xml><?xml version="1.0" encoding="utf-8"?>
+<p:sld xmlns:a="http://schemas.openxmlformats.org/drawingml/2006/main" xmlns:r="http://schemas.openxmlformats.org/officeDocument/2006/relationships" xmlns:p="http://schemas.openxmlformats.org/presentationml/2006/main">
+  <p:cSld>
+    <p:spTree>
+      <p:nvGrpSpPr>
+        <p:cNvPr id="1" name=""/>
+        <p:cNvGrpSpPr/>
+        <p:nvPr/>
+      </p:nvGrpSpPr>
+      <p:grpSpPr>
+        <a:xfrm>
+          <a:off x="0" y="0"/>
+          <a:ext cx="0" cy="0"/>
+          <a:chOff x="0" y="0"/>
+          <a:chExt cx="0" cy="0"/>
+        </a:xfrm>
+      </p:grpSpPr>
+      <p:sp>
+        <p:nvSpPr>
+          <p:cNvPr id="2" name="Title 1"/>
           <p:cNvSpPr>
             <a:spLocks noGrp="1"/>
           </p:cNvSpPr>
           <p:nvPr>
-            <p:ph idx="1"/>
+            <p:ph type="title"/>
           </p:nvPr>
         </p:nvSpPr>
         <p:spPr/>
@@ -4780,27 +4938,105 @@
           <a:p>
             <a:r>
               <a:rPr lang="en-GB" dirty="0" smtClean="0"/>
+              <a:t>Conclusion and Future Work</a:t>
+            </a:r>
+            <a:endParaRPr lang="en-GB" dirty="0"/>
+          </a:p>
+        </p:txBody>
+      </p:sp>
+      <p:sp>
+        <p:nvSpPr>
+          <p:cNvPr id="3" name="Content Placeholder 2"/>
+          <p:cNvSpPr>
+            <a:spLocks noGrp="1"/>
+          </p:cNvSpPr>
+          <p:nvPr>
+            <p:ph idx="1"/>
+          </p:nvPr>
+        </p:nvSpPr>
+        <p:spPr/>
+        <p:txBody>
+          <a:bodyPr/>
+          <a:lstStyle/>
+          <a:p>
+            <a:pPr>
+              <a:lnSpc>
+                <a:spcPct val="150000"/>
+              </a:lnSpc>
+            </a:pPr>
+            <a:r>
+              <a:rPr lang="en-GB" sz="2600" dirty="0" smtClean="0">
+                <a:solidFill>
+                  <a:schemeClr val="tx1">
+                    <a:lumMod val="95000"/>
+                    <a:lumOff val="5000"/>
+                  </a:schemeClr>
+                </a:solidFill>
+              </a:rPr>
               <a:t>Small but statistically significant trend for all concepts</a:t>
             </a:r>
           </a:p>
           <a:p>
-            <a:r>
-              <a:rPr lang="en-GB" dirty="0" smtClean="0"/>
+            <a:pPr>
+              <a:lnSpc>
+                <a:spcPct val="150000"/>
+              </a:lnSpc>
+            </a:pPr>
+            <a:r>
+              <a:rPr lang="en-GB" sz="2600" dirty="0" smtClean="0">
+                <a:solidFill>
+                  <a:schemeClr val="tx1">
+                    <a:lumMod val="95000"/>
+                    <a:lumOff val="5000"/>
+                  </a:schemeClr>
+                </a:solidFill>
+              </a:rPr>
               <a:t>Change time span</a:t>
             </a:r>
           </a:p>
           <a:p>
-            <a:r>
-              <a:rPr lang="en-GB" dirty="0" smtClean="0"/>
+            <a:pPr>
+              <a:lnSpc>
+                <a:spcPct val="150000"/>
+              </a:lnSpc>
+            </a:pPr>
+            <a:r>
+              <a:rPr lang="en-GB" sz="2600" dirty="0" smtClean="0">
+                <a:solidFill>
+                  <a:schemeClr val="tx1">
+                    <a:lumMod val="95000"/>
+                    <a:lumOff val="5000"/>
+                  </a:schemeClr>
+                </a:solidFill>
+              </a:rPr>
               <a:t>Normalization of concept counts</a:t>
             </a:r>
           </a:p>
           <a:p>
-            <a:r>
-              <a:rPr lang="en-GB" dirty="0" smtClean="0"/>
+            <a:pPr>
+              <a:lnSpc>
+                <a:spcPct val="150000"/>
+              </a:lnSpc>
+            </a:pPr>
+            <a:r>
+              <a:rPr lang="en-GB" sz="2600" dirty="0" smtClean="0">
+                <a:solidFill>
+                  <a:schemeClr val="tx1">
+                    <a:lumMod val="95000"/>
+                    <a:lumOff val="5000"/>
+                  </a:schemeClr>
+                </a:solidFill>
+              </a:rPr>
               <a:t>Find concepts with negative trend </a:t>
             </a:r>
-            <a:endParaRPr lang="en-GB" dirty="0"/>
+            <a:endParaRPr lang="en-GB" sz="2600" dirty="0">
+              <a:solidFill>
+                <a:schemeClr val="tx1">
+                  <a:lumMod val="95000"/>
+                  <a:lumOff val="5000"/>
+                </a:schemeClr>
+              </a:solidFill>
+            </a:endParaRPr>
           </a:p>
         </p:txBody>
       </p:sp>
@@ -4872,29 +5108,84 @@
           <a:bodyPr/>
           <a:lstStyle/>
           <a:p>
-            <a:r>
-              <a:rPr lang="en-US" altLang="en-US" dirty="0" smtClean="0"/>
+            <a:pPr>
+              <a:lnSpc>
+                <a:spcPct val="150000"/>
+              </a:lnSpc>
+            </a:pPr>
+            <a:r>
+              <a:rPr lang="en-US" altLang="en-US" sz="2600" dirty="0" smtClean="0">
+                <a:solidFill>
+                  <a:schemeClr val="tx1">
+                    <a:lumMod val="95000"/>
+                    <a:lumOff val="5000"/>
+                  </a:schemeClr>
+                </a:solidFill>
+              </a:rPr>
               <a:t>Articles about Donald Trump</a:t>
             </a:r>
           </a:p>
           <a:p>
-            <a:r>
-              <a:rPr lang="en-US" altLang="en-US" dirty="0" smtClean="0"/>
+            <a:pPr>
+              <a:lnSpc>
+                <a:spcPct val="150000"/>
+              </a:lnSpc>
+            </a:pPr>
+            <a:r>
+              <a:rPr lang="en-US" altLang="en-US" sz="2600" dirty="0" smtClean="0">
+                <a:solidFill>
+                  <a:schemeClr val="tx1">
+                    <a:lumMod val="95000"/>
+                    <a:lumOff val="5000"/>
+                  </a:schemeClr>
+                </a:solidFill>
+              </a:rPr>
               <a:t>Overall 2.2m articles (~20GB) from 1.1.2014 to 1.1.2017</a:t>
             </a:r>
           </a:p>
           <a:p>
-            <a:r>
-              <a:rPr lang="en-US" altLang="en-US" dirty="0" smtClean="0"/>
+            <a:pPr>
+              <a:lnSpc>
+                <a:spcPct val="150000"/>
+              </a:lnSpc>
+            </a:pPr>
+            <a:r>
+              <a:rPr lang="en-US" altLang="en-US" sz="2600" dirty="0" smtClean="0">
+                <a:solidFill>
+                  <a:schemeClr val="tx1">
+                    <a:lumMod val="95000"/>
+                    <a:lumOff val="5000"/>
+                  </a:schemeClr>
+                </a:solidFill>
+              </a:rPr>
               <a:t>Only English Articles</a:t>
             </a:r>
           </a:p>
           <a:p>
-            <a:r>
-              <a:rPr lang="en-US" altLang="en-US" dirty="0" smtClean="0"/>
+            <a:pPr>
+              <a:lnSpc>
+                <a:spcPct val="150000"/>
+              </a:lnSpc>
+            </a:pPr>
+            <a:r>
+              <a:rPr lang="en-US" altLang="en-US" sz="2600" dirty="0" smtClean="0">
+                <a:solidFill>
+                  <a:schemeClr val="tx1">
+                    <a:lumMod val="95000"/>
+                    <a:lumOff val="5000"/>
+                  </a:schemeClr>
+                </a:solidFill>
+              </a:rPr>
               <a:t>Source: Event Registry</a:t>
             </a:r>
-            <a:endParaRPr lang="en-US" altLang="en-US" dirty="0"/>
+            <a:endParaRPr lang="en-US" altLang="en-US" sz="2600" dirty="0">
+              <a:solidFill>
+                <a:schemeClr val="tx1">
+                  <a:lumMod val="95000"/>
+                  <a:lumOff val="5000"/>
+                </a:schemeClr>
+              </a:solidFill>
+            </a:endParaRPr>
           </a:p>
         </p:txBody>
       </p:sp>
@@ -4968,30 +5259,77 @@
           <a:bodyPr/>
           <a:lstStyle/>
           <a:p>
-            <a:pPr marL="514350" indent="-457200"/>
-            <a:r>
-              <a:rPr lang="en-GB" dirty="0" smtClean="0"/>
+            <a:pPr marL="514350" indent="-457200">
+              <a:lnSpc>
+                <a:spcPct val="150000"/>
+              </a:lnSpc>
+            </a:pPr>
+            <a:r>
+              <a:rPr lang="en-GB" sz="2600" dirty="0" smtClean="0">
+                <a:solidFill>
+                  <a:schemeClr val="tx1">
+                    <a:lumMod val="95000"/>
+                    <a:lumOff val="5000"/>
+                  </a:schemeClr>
+                </a:solidFill>
+              </a:rPr>
               <a:t>Obtained concepts in all articles </a:t>
             </a:r>
           </a:p>
           <a:p>
-            <a:pPr marL="514350" indent="-457200"/>
-            <a:r>
-              <a:rPr lang="en-GB" dirty="0" err="1" smtClean="0"/>
+            <a:pPr marL="514350" indent="-457200">
+              <a:lnSpc>
+                <a:spcPct val="150000"/>
+              </a:lnSpc>
+            </a:pPr>
+            <a:r>
+              <a:rPr lang="en-GB" sz="2600" dirty="0" err="1" smtClean="0">
+                <a:solidFill>
+                  <a:schemeClr val="tx1">
+                    <a:lumMod val="95000"/>
+                    <a:lumOff val="5000"/>
+                  </a:schemeClr>
+                </a:solidFill>
+              </a:rPr>
               <a:t>Wikification</a:t>
             </a:r>
             <a:r>
-              <a:rPr lang="en-GB" dirty="0" smtClean="0"/>
+              <a:rPr lang="en-GB" sz="2600" dirty="0" smtClean="0">
+                <a:solidFill>
+                  <a:schemeClr val="tx1">
+                    <a:lumMod val="95000"/>
+                    <a:lumOff val="5000"/>
+                  </a:schemeClr>
+                </a:solidFill>
+              </a:rPr>
               <a:t> of concepts for easier analysis </a:t>
             </a:r>
           </a:p>
           <a:p>
-            <a:pPr marL="514350" indent="-457200"/>
-            <a:r>
-              <a:rPr lang="en-GB" dirty="0" smtClean="0"/>
+            <a:pPr marL="514350" indent="-457200">
+              <a:lnSpc>
+                <a:spcPct val="150000"/>
+              </a:lnSpc>
+            </a:pPr>
+            <a:r>
+              <a:rPr lang="en-GB" sz="2600" dirty="0" smtClean="0">
+                <a:solidFill>
+                  <a:schemeClr val="tx1">
+                    <a:lumMod val="95000"/>
+                    <a:lumOff val="5000"/>
+                  </a:schemeClr>
+                </a:solidFill>
+              </a:rPr>
               <a:t>Stored in JSON file</a:t>
             </a:r>
-            <a:endParaRPr lang="en-GB" dirty="0"/>
+            <a:endParaRPr lang="en-GB" sz="2600" dirty="0">
+              <a:solidFill>
+                <a:schemeClr val="tx1">
+                  <a:lumMod val="95000"/>
+                  <a:lumOff val="5000"/>
+                </a:schemeClr>
+              </a:solidFill>
+            </a:endParaRPr>
           </a:p>
         </p:txBody>
       </p:sp>
@@ -5063,47 +5401,138 @@
           <a:bodyPr/>
           <a:lstStyle/>
           <a:p>
-            <a:r>
-              <a:rPr lang="en-GB" dirty="0" smtClean="0"/>
+            <a:pPr>
+              <a:lnSpc>
+                <a:spcPct val="150000"/>
+              </a:lnSpc>
+            </a:pPr>
+            <a:r>
+              <a:rPr lang="en-GB" sz="2600" dirty="0" smtClean="0">
+                <a:solidFill>
+                  <a:schemeClr val="tx1">
+                    <a:lumMod val="95000"/>
+                    <a:lumOff val="5000"/>
+                  </a:schemeClr>
+                </a:solidFill>
+              </a:rPr>
               <a:t>Abortion</a:t>
             </a:r>
           </a:p>
           <a:p>
-            <a:r>
-              <a:rPr lang="en-GB" dirty="0" smtClean="0"/>
+            <a:pPr>
+              <a:lnSpc>
+                <a:spcPct val="150000"/>
+              </a:lnSpc>
+            </a:pPr>
+            <a:r>
+              <a:rPr lang="en-GB" sz="2600" dirty="0" smtClean="0">
+                <a:solidFill>
+                  <a:schemeClr val="tx1">
+                    <a:lumMod val="95000"/>
+                    <a:lumOff val="5000"/>
+                  </a:schemeClr>
+                </a:solidFill>
+              </a:rPr>
               <a:t>Climate Change</a:t>
             </a:r>
           </a:p>
           <a:p>
-            <a:r>
-              <a:rPr lang="en-GB" dirty="0" smtClean="0"/>
+            <a:pPr>
+              <a:lnSpc>
+                <a:spcPct val="150000"/>
+              </a:lnSpc>
+            </a:pPr>
+            <a:r>
+              <a:rPr lang="en-GB" sz="2600" dirty="0" smtClean="0">
+                <a:solidFill>
+                  <a:schemeClr val="tx1">
+                    <a:lumMod val="95000"/>
+                    <a:lumOff val="5000"/>
+                  </a:schemeClr>
+                </a:solidFill>
+              </a:rPr>
               <a:t>Gay </a:t>
             </a:r>
           </a:p>
           <a:p>
-            <a:r>
-              <a:rPr lang="en-GB" dirty="0" smtClean="0"/>
+            <a:pPr>
+              <a:lnSpc>
+                <a:spcPct val="150000"/>
+              </a:lnSpc>
+            </a:pPr>
+            <a:r>
+              <a:rPr lang="en-GB" sz="2600" dirty="0" smtClean="0">
+                <a:solidFill>
+                  <a:schemeClr val="tx1">
+                    <a:lumMod val="95000"/>
+                    <a:lumOff val="5000"/>
+                  </a:schemeClr>
+                </a:solidFill>
+              </a:rPr>
               <a:t>Illegal Immigration</a:t>
             </a:r>
           </a:p>
           <a:p>
-            <a:r>
-              <a:rPr lang="en-GB" dirty="0" smtClean="0"/>
+            <a:pPr>
+              <a:lnSpc>
+                <a:spcPct val="150000"/>
+              </a:lnSpc>
+            </a:pPr>
+            <a:r>
+              <a:rPr lang="en-GB" sz="2600" dirty="0" smtClean="0">
+                <a:solidFill>
+                  <a:schemeClr val="tx1">
+                    <a:lumMod val="95000"/>
+                    <a:lumOff val="5000"/>
+                  </a:schemeClr>
+                </a:solidFill>
+              </a:rPr>
               <a:t>Mexico</a:t>
             </a:r>
           </a:p>
           <a:p>
-            <a:r>
-              <a:rPr lang="en-GB" dirty="0" smtClean="0"/>
+            <a:pPr>
+              <a:lnSpc>
+                <a:spcPct val="150000"/>
+              </a:lnSpc>
+            </a:pPr>
+            <a:r>
+              <a:rPr lang="en-GB" sz="2600" dirty="0" smtClean="0">
+                <a:solidFill>
+                  <a:schemeClr val="tx1">
+                    <a:lumMod val="95000"/>
+                    <a:lumOff val="5000"/>
+                  </a:schemeClr>
+                </a:solidFill>
+              </a:rPr>
               <a:t>Privacy</a:t>
             </a:r>
           </a:p>
           <a:p>
-            <a:r>
-              <a:rPr lang="en-GB" dirty="0" smtClean="0"/>
+            <a:pPr>
+              <a:lnSpc>
+                <a:spcPct val="150000"/>
+              </a:lnSpc>
+            </a:pPr>
+            <a:r>
+              <a:rPr lang="en-GB" sz="2600" dirty="0" smtClean="0">
+                <a:solidFill>
+                  <a:schemeClr val="tx1">
+                    <a:lumMod val="95000"/>
+                    <a:lumOff val="5000"/>
+                  </a:schemeClr>
+                </a:solidFill>
+              </a:rPr>
               <a:t>Wall Street</a:t>
             </a:r>
-            <a:endParaRPr lang="en-GB" dirty="0"/>
+            <a:endParaRPr lang="en-GB" sz="2600" dirty="0">
+              <a:solidFill>
+                <a:schemeClr val="tx1">
+                  <a:lumMod val="95000"/>
+                  <a:lumOff val="5000"/>
+                </a:schemeClr>
+              </a:solidFill>
+            </a:endParaRPr>
           </a:p>
         </p:txBody>
       </p:sp>
@@ -5160,25 +5589,34 @@
           </a:p>
         </p:txBody>
       </p:sp>
-      <p:sp>
-        <p:nvSpPr>
-          <p:cNvPr id="7" name="Content Placeholder 6"/>
-          <p:cNvSpPr>
-            <a:spLocks noGrp="1"/>
-          </p:cNvSpPr>
+      <p:pic>
+        <p:nvPicPr>
+          <p:cNvPr id="3" name="Content Placeholder 2"/>
+          <p:cNvPicPr>
+            <a:picLocks noGrp="1" noChangeAspect="1"/>
+          </p:cNvPicPr>
           <p:nvPr>
             <p:ph idx="1"/>
           </p:nvPr>
-        </p:nvSpPr>
-        <p:spPr/>
-        <p:txBody>
-          <a:bodyPr/>
-          <a:lstStyle/>
-          <a:p>
-            <a:endParaRPr lang="en-GB"/>
-          </a:p>
-        </p:txBody>
-      </p:sp>
+        </p:nvPicPr>
+        <p:blipFill rotWithShape="1">
+          <a:blip r:embed="rId3">
+            <a:extLst>
+              <a:ext uri="{28A0092B-C50C-407E-A947-70E740481C1C}">
+                <a14:useLocalDpi xmlns:a14="http://schemas.microsoft.com/office/drawing/2010/main" val="0"/>
+              </a:ext>
+            </a:extLst>
+          </a:blip>
+          <a:srcRect b="49577"/>
+          <a:stretch/>
+        </p:blipFill>
+        <p:spPr>
+          <a:xfrm>
+            <a:off x="804122" y="1700808"/>
+            <a:ext cx="6816618" cy="4175917"/>
+          </a:xfrm>
+        </p:spPr>
+      </p:pic>
     </p:spTree>
     <p:extLst>
       <p:ext uri="{BB962C8B-B14F-4D97-AF65-F5344CB8AC3E}">
@@ -5226,6 +5664,87 @@
           <a:p>
             <a:r>
               <a:rPr lang="en-GB" dirty="0" smtClean="0"/>
+              <a:t>Counts for Concepts</a:t>
+            </a:r>
+            <a:endParaRPr lang="en-GB" dirty="0"/>
+          </a:p>
+        </p:txBody>
+      </p:sp>
+      <p:pic>
+        <p:nvPicPr>
+          <p:cNvPr id="5" name="Content Placeholder 4"/>
+          <p:cNvPicPr>
+            <a:picLocks noGrp="1" noChangeAspect="1"/>
+          </p:cNvPicPr>
+          <p:nvPr>
+            <p:ph idx="1"/>
+          </p:nvPr>
+        </p:nvPicPr>
+        <p:blipFill rotWithShape="1">
+          <a:blip r:embed="rId3">
+            <a:extLst>
+              <a:ext uri="{28A0092B-C50C-407E-A947-70E740481C1C}">
+                <a14:useLocalDpi xmlns:a14="http://schemas.microsoft.com/office/drawing/2010/main" val="0"/>
+              </a:ext>
+            </a:extLst>
+          </a:blip>
+          <a:srcRect t="48846"/>
+          <a:stretch/>
+        </p:blipFill>
+        <p:spPr>
+          <a:xfrm>
+            <a:off x="652173" y="1700808"/>
+            <a:ext cx="7120516" cy="4425355"/>
+          </a:xfrm>
+        </p:spPr>
+      </p:pic>
+    </p:spTree>
+    <p:extLst>
+      <p:ext uri="{BB962C8B-B14F-4D97-AF65-F5344CB8AC3E}">
+        <p14:creationId xmlns:p14="http://schemas.microsoft.com/office/powerpoint/2010/main" val="1244593010"/>
+      </p:ext>
+    </p:extLst>
+  </p:cSld>
+  <p:clrMapOvr>
+    <a:masterClrMapping/>
+  </p:clrMapOvr>
+</p:sld>
+</file>
+
+<file path=ppt/slides/slide7.xml><?xml version="1.0" encoding="utf-8"?>
+<p:sld xmlns:a="http://schemas.openxmlformats.org/drawingml/2006/main" xmlns:r="http://schemas.openxmlformats.org/officeDocument/2006/relationships" xmlns:p="http://schemas.openxmlformats.org/presentationml/2006/main">
+  <p:cSld>
+    <p:spTree>
+      <p:nvGrpSpPr>
+        <p:cNvPr id="1" name=""/>
+        <p:cNvGrpSpPr/>
+        <p:nvPr/>
+      </p:nvGrpSpPr>
+      <p:grpSpPr>
+        <a:xfrm>
+          <a:off x="0" y="0"/>
+          <a:ext cx="0" cy="0"/>
+          <a:chOff x="0" y="0"/>
+          <a:chExt cx="0" cy="0"/>
+        </a:xfrm>
+      </p:grpSpPr>
+      <p:sp>
+        <p:nvSpPr>
+          <p:cNvPr id="2" name="Title 1"/>
+          <p:cNvSpPr>
+            <a:spLocks noGrp="1"/>
+          </p:cNvSpPr>
+          <p:nvPr>
+            <p:ph type="title"/>
+          </p:nvPr>
+        </p:nvSpPr>
+        <p:spPr/>
+        <p:txBody>
+          <a:bodyPr/>
+          <a:lstStyle/>
+          <a:p>
+            <a:r>
+              <a:rPr lang="en-GB" dirty="0" smtClean="0"/>
               <a:t>Trend Detection - Model</a:t>
             </a:r>
             <a:endParaRPr lang="en-GB" dirty="0"/>
@@ -5250,57 +5769,121 @@
               <a:lstStyle/>
               <a:p>
                 <a:r>
-                  <a:rPr lang="en-GB" dirty="0" smtClean="0"/>
+                  <a:rPr lang="en-GB" dirty="0" smtClean="0">
+                    <a:solidFill>
+                      <a:schemeClr val="tx1">
+                        <a:lumMod val="95000"/>
+                        <a:lumOff val="5000"/>
+                      </a:schemeClr>
+                    </a:solidFill>
+                  </a:rPr>
                   <a:t>Linear model: </a:t>
                 </a:r>
                 <a14:m>
                   <m:oMath xmlns:m="http://schemas.openxmlformats.org/officeDocument/2006/math">
                     <m:r>
                       <a:rPr lang="en-GB" b="0" i="1" smtClean="0">
+                        <a:solidFill>
+                          <a:schemeClr val="tx1">
+                            <a:lumMod val="95000"/>
+                            <a:lumOff val="5000"/>
+                          </a:schemeClr>
+                        </a:solidFill>
                         <a:latin typeface="Cambria Math" panose="02040503050406030204" pitchFamily="18" charset="0"/>
                       </a:rPr>
                       <m:t>𝑦</m:t>
                     </m:r>
                     <m:r>
                       <a:rPr lang="en-GB" b="0" i="1" smtClean="0">
+                        <a:solidFill>
+                          <a:schemeClr val="tx1">
+                            <a:lumMod val="95000"/>
+                            <a:lumOff val="5000"/>
+                          </a:schemeClr>
+                        </a:solidFill>
                         <a:latin typeface="Cambria Math" panose="02040503050406030204" pitchFamily="18" charset="0"/>
                       </a:rPr>
                       <m:t>=</m:t>
                     </m:r>
                     <m:r>
                       <a:rPr lang="en-GB" b="0" i="1" smtClean="0">
+                        <a:solidFill>
+                          <a:schemeClr val="tx1">
+                            <a:lumMod val="95000"/>
+                            <a:lumOff val="5000"/>
+                          </a:schemeClr>
+                        </a:solidFill>
                         <a:latin typeface="Cambria Math" panose="02040503050406030204" pitchFamily="18" charset="0"/>
                       </a:rPr>
                       <m:t>𝛼</m:t>
                     </m:r>
                     <m:r>
                       <a:rPr lang="en-GB" b="0" i="1" smtClean="0">
+                        <a:solidFill>
+                          <a:schemeClr val="tx1">
+                            <a:lumMod val="95000"/>
+                            <a:lumOff val="5000"/>
+                          </a:schemeClr>
+                        </a:solidFill>
                         <a:latin typeface="Cambria Math" panose="02040503050406030204" pitchFamily="18" charset="0"/>
                       </a:rPr>
                       <m:t>𝑥</m:t>
                     </m:r>
                     <m:r>
                       <a:rPr lang="en-GB" b="0" i="1" smtClean="0">
+                        <a:solidFill>
+                          <a:schemeClr val="tx1">
+                            <a:lumMod val="95000"/>
+                            <a:lumOff val="5000"/>
+                          </a:schemeClr>
+                        </a:solidFill>
                         <a:latin typeface="Cambria Math" panose="02040503050406030204" pitchFamily="18" charset="0"/>
                       </a:rPr>
                       <m:t>+</m:t>
                     </m:r>
                     <m:r>
                       <a:rPr lang="en-GB" b="0" i="1" smtClean="0">
+                        <a:solidFill>
+                          <a:schemeClr val="tx1">
+                            <a:lumMod val="95000"/>
+                            <a:lumOff val="5000"/>
+                          </a:schemeClr>
+                        </a:solidFill>
                         <a:latin typeface="Cambria Math" panose="02040503050406030204" pitchFamily="18" charset="0"/>
                       </a:rPr>
                       <m:t>𝑐</m:t>
                     </m:r>
                   </m:oMath>
                 </a14:m>
-                <a:endParaRPr lang="en-GB" dirty="0" smtClean="0"/>
+                <a:endParaRPr lang="en-GB" dirty="0" smtClean="0">
+                  <a:solidFill>
+                    <a:schemeClr val="tx1">
+                      <a:lumMod val="95000"/>
+                      <a:lumOff val="5000"/>
+                    </a:schemeClr>
+                  </a:solidFill>
+                </a:endParaRPr>
               </a:p>
               <a:p>
-                <a:endParaRPr lang="en-GB" dirty="0"/>
+                <a:endParaRPr lang="en-GB" dirty="0">
+                  <a:solidFill>
+                    <a:schemeClr val="tx1">
+                      <a:lumMod val="95000"/>
+                      <a:lumOff val="5000"/>
+                    </a:schemeClr>
+                  </a:solidFill>
+                </a:endParaRPr>
               </a:p>
               <a:p>
                 <a:r>
-                  <a:rPr lang="en-GB" dirty="0" smtClean="0"/>
+                  <a:rPr lang="en-GB" dirty="0" smtClean="0">
+                    <a:solidFill>
+                      <a:schemeClr val="tx1">
+                        <a:lumMod val="95000"/>
+                        <a:lumOff val="5000"/>
+                      </a:schemeClr>
+                    </a:solidFill>
+                  </a:rPr>
                   <a:t>Hypothesis: </a:t>
                 </a:r>
               </a:p>
@@ -5312,6 +5895,12 @@
                       <m:sSubPr>
                         <m:ctrlPr>
                           <a:rPr lang="en-GB" b="0" i="1" smtClean="0">
+                            <a:solidFill>
+                              <a:schemeClr val="tx1">
+                                <a:lumMod val="95000"/>
+                                <a:lumOff val="5000"/>
+                              </a:schemeClr>
+                            </a:solidFill>
                             <a:latin typeface="Cambria Math" panose="02040503050406030204" pitchFamily="18" charset="0"/>
                           </a:rPr>
                         </m:ctrlPr>
@@ -5319,6 +5908,12 @@
                       <m:e>
                         <m:r>
                           <a:rPr lang="en-GB" b="0" i="1" smtClean="0">
+                            <a:solidFill>
+                              <a:schemeClr val="tx1">
+                                <a:lumMod val="95000"/>
+                                <a:lumOff val="5000"/>
+                              </a:schemeClr>
+                            </a:solidFill>
                             <a:latin typeface="Cambria Math" panose="02040503050406030204" pitchFamily="18" charset="0"/>
                           </a:rPr>
                           <m:t>𝐻</m:t>
@@ -5327,6 +5922,12 @@
                       <m:sub>
                         <m:r>
                           <a:rPr lang="en-GB" b="0" i="1" smtClean="0">
+                            <a:solidFill>
+                              <a:schemeClr val="tx1">
+                                <a:lumMod val="95000"/>
+                                <a:lumOff val="5000"/>
+                              </a:schemeClr>
+                            </a:solidFill>
                             <a:latin typeface="Cambria Math" panose="02040503050406030204" pitchFamily="18" charset="0"/>
                           </a:rPr>
                           <m:t>0</m:t>
@@ -5335,24 +5936,48 @@
                     </m:sSub>
                     <m:r>
                       <a:rPr lang="en-GB" b="0" i="1" smtClean="0">
+                        <a:solidFill>
+                          <a:schemeClr val="tx1">
+                            <a:lumMod val="95000"/>
+                            <a:lumOff val="5000"/>
+                          </a:schemeClr>
+                        </a:solidFill>
                         <a:latin typeface="Cambria Math" panose="02040503050406030204" pitchFamily="18" charset="0"/>
                       </a:rPr>
                       <m:t> : </m:t>
                     </m:r>
                     <m:r>
                       <a:rPr lang="en-GB" b="0" i="1" smtClean="0">
+                        <a:solidFill>
+                          <a:schemeClr val="tx1">
+                            <a:lumMod val="95000"/>
+                            <a:lumOff val="5000"/>
+                          </a:schemeClr>
+                        </a:solidFill>
                         <a:latin typeface="Cambria Math" panose="02040503050406030204" pitchFamily="18" charset="0"/>
                       </a:rPr>
                       <m:t>𝛼</m:t>
                     </m:r>
                     <m:r>
                       <a:rPr lang="en-GB" b="0" i="1" smtClean="0">
+                        <a:solidFill>
+                          <a:schemeClr val="tx1">
+                            <a:lumMod val="95000"/>
+                            <a:lumOff val="5000"/>
+                          </a:schemeClr>
+                        </a:solidFill>
                         <a:latin typeface="Cambria Math" panose="02040503050406030204" pitchFamily="18" charset="0"/>
                       </a:rPr>
                       <m:t>=0</m:t>
                     </m:r>
                     <m:r>
                       <a:rPr lang="en-GB" b="0" i="0" smtClean="0">
+                        <a:solidFill>
+                          <a:schemeClr val="tx1">
+                            <a:lumMod val="95000"/>
+                            <a:lumOff val="5000"/>
+                          </a:schemeClr>
+                        </a:solidFill>
                         <a:latin typeface="Cambria Math" panose="02040503050406030204" pitchFamily="18" charset="0"/>
                       </a:rPr>
                       <m:t>,</m:t>
@@ -5360,7 +5985,14 @@
                   </m:oMath>
                 </a14:m>
                 <a:r>
-                  <a:rPr lang="en-GB" dirty="0" smtClean="0"/>
+                  <a:rPr lang="en-GB" dirty="0" smtClean="0">
+                    <a:solidFill>
+                      <a:schemeClr val="tx1">
+                        <a:lumMod val="95000"/>
+                        <a:lumOff val="5000"/>
+                      </a:schemeClr>
+                    </a:solidFill>
+                  </a:rPr>
                   <a:t> no trend</a:t>
                 </a:r>
               </a:p>
@@ -5372,6 +6004,12 @@
                       <m:sSubPr>
                         <m:ctrlPr>
                           <a:rPr lang="en-GB" i="1">
+                            <a:solidFill>
+                              <a:schemeClr val="tx1">
+                                <a:lumMod val="95000"/>
+                                <a:lumOff val="5000"/>
+                              </a:schemeClr>
+                            </a:solidFill>
                             <a:latin typeface="Cambria Math" panose="02040503050406030204" pitchFamily="18" charset="0"/>
                           </a:rPr>
                         </m:ctrlPr>
@@ -5379,6 +6017,12 @@
                       <m:e>
                         <m:r>
                           <a:rPr lang="en-GB" i="1">
+                            <a:solidFill>
+                              <a:schemeClr val="tx1">
+                                <a:lumMod val="95000"/>
+                                <a:lumOff val="5000"/>
+                              </a:schemeClr>
+                            </a:solidFill>
                             <a:latin typeface="Cambria Math" panose="02040503050406030204" pitchFamily="18" charset="0"/>
                           </a:rPr>
                           <m:t>𝐻</m:t>
@@ -5387,6 +6031,12 @@
                       <m:sub>
                         <m:r>
                           <a:rPr lang="en-GB" b="0" i="1" smtClean="0">
+                            <a:solidFill>
+                              <a:schemeClr val="tx1">
+                                <a:lumMod val="95000"/>
+                                <a:lumOff val="5000"/>
+                              </a:schemeClr>
+                            </a:solidFill>
                             <a:latin typeface="Cambria Math" panose="02040503050406030204" pitchFamily="18" charset="0"/>
                           </a:rPr>
                           <m:t>1</m:t>
@@ -5395,30 +6045,60 @@
                     </m:sSub>
                     <m:r>
                       <a:rPr lang="en-GB" i="1">
+                        <a:solidFill>
+                          <a:schemeClr val="tx1">
+                            <a:lumMod val="95000"/>
+                            <a:lumOff val="5000"/>
+                          </a:schemeClr>
+                        </a:solidFill>
                         <a:latin typeface="Cambria Math" panose="02040503050406030204" pitchFamily="18" charset="0"/>
                       </a:rPr>
                       <m:t> : </m:t>
                     </m:r>
                     <m:r>
                       <a:rPr lang="en-GB" i="1">
+                        <a:solidFill>
+                          <a:schemeClr val="tx1">
+                            <a:lumMod val="95000"/>
+                            <a:lumOff val="5000"/>
+                          </a:schemeClr>
+                        </a:solidFill>
                         <a:latin typeface="Cambria Math" panose="02040503050406030204" pitchFamily="18" charset="0"/>
                       </a:rPr>
                       <m:t>𝛼</m:t>
                     </m:r>
                     <m:r>
                       <a:rPr lang="en-GB" b="0" i="1" smtClean="0">
+                        <a:solidFill>
+                          <a:schemeClr val="tx1">
+                            <a:lumMod val="95000"/>
+                            <a:lumOff val="5000"/>
+                          </a:schemeClr>
+                        </a:solidFill>
                         <a:latin typeface="Cambria Math" panose="02040503050406030204" pitchFamily="18" charset="0"/>
                       </a:rPr>
                       <m:t>≠</m:t>
                     </m:r>
                     <m:r>
                       <a:rPr lang="en-GB" i="1">
+                        <a:solidFill>
+                          <a:schemeClr val="tx1">
+                            <a:lumMod val="95000"/>
+                            <a:lumOff val="5000"/>
+                          </a:schemeClr>
+                        </a:solidFill>
                         <a:latin typeface="Cambria Math" panose="02040503050406030204" pitchFamily="18" charset="0"/>
                       </a:rPr>
                       <m:t>0</m:t>
                     </m:r>
                     <m:r>
                       <a:rPr lang="en-GB">
+                        <a:solidFill>
+                          <a:schemeClr val="tx1">
+                            <a:lumMod val="95000"/>
+                            <a:lumOff val="5000"/>
+                          </a:schemeClr>
+                        </a:solidFill>
                         <a:latin typeface="Cambria Math" panose="02040503050406030204" pitchFamily="18" charset="0"/>
                       </a:rPr>
                       <m:t>,</m:t>
@@ -5426,26 +6106,60 @@
                   </m:oMath>
                 </a14:m>
                 <a:r>
-                  <a:rPr lang="en-GB" dirty="0"/>
+                  <a:rPr lang="en-GB" dirty="0">
+                    <a:solidFill>
+                      <a:schemeClr val="tx1">
+                        <a:lumMod val="95000"/>
+                        <a:lumOff val="5000"/>
+                      </a:schemeClr>
+                    </a:solidFill>
+                  </a:rPr>
                   <a:t> </a:t>
                 </a:r>
                 <a:r>
-                  <a:rPr lang="en-GB" dirty="0" smtClean="0"/>
+                  <a:rPr lang="en-GB" dirty="0" smtClean="0">
+                    <a:solidFill>
+                      <a:schemeClr val="tx1">
+                        <a:lumMod val="95000"/>
+                        <a:lumOff val="5000"/>
+                      </a:schemeClr>
+                    </a:solidFill>
+                  </a:rPr>
                   <a:t>some trend</a:t>
                 </a:r>
               </a:p>
               <a:p>
-                <a:endParaRPr lang="en-GB" dirty="0"/>
+                <a:endParaRPr lang="en-GB" dirty="0">
+                  <a:solidFill>
+                    <a:schemeClr val="tx1">
+                      <a:lumMod val="95000"/>
+                      <a:lumOff val="5000"/>
+                    </a:schemeClr>
+                  </a:solidFill>
+                </a:endParaRPr>
               </a:p>
               <a:p>
                 <a:r>
-                  <a:rPr lang="en-GB" dirty="0" smtClean="0"/>
+                  <a:rPr lang="en-GB" dirty="0" smtClean="0">
+                    <a:solidFill>
+                      <a:schemeClr val="tx1">
+                        <a:lumMod val="95000"/>
+                        <a:lumOff val="5000"/>
+                      </a:schemeClr>
+                    </a:solidFill>
+                  </a:rPr>
                   <a:t>Obtained </a:t>
                 </a:r>
                 <a14:m>
                   <m:oMath xmlns:m="http://schemas.openxmlformats.org/officeDocument/2006/math">
                     <m:r>
                       <a:rPr lang="en-GB" i="1">
+                        <a:solidFill>
+                          <a:schemeClr val="tx1">
+                            <a:lumMod val="95000"/>
+                            <a:lumOff val="5000"/>
+                          </a:schemeClr>
+                        </a:solidFill>
                         <a:latin typeface="Cambria Math" panose="02040503050406030204" pitchFamily="18" charset="0"/>
                       </a:rPr>
                       <m:t>𝛼</m:t>
@@ -5453,10 +6167,24 @@
                   </m:oMath>
                 </a14:m>
                 <a:r>
-                  <a:rPr lang="en-GB" dirty="0" smtClean="0"/>
+                  <a:rPr lang="en-GB" dirty="0" smtClean="0">
+                    <a:solidFill>
+                      <a:schemeClr val="tx1">
+                        <a:lumMod val="95000"/>
+                        <a:lumOff val="5000"/>
+                      </a:schemeClr>
+                    </a:solidFill>
+                  </a:rPr>
                   <a:t> with OLS</a:t>
                 </a:r>
-                <a:endParaRPr lang="en-GB" dirty="0"/>
+                <a:endParaRPr lang="en-GB" dirty="0">
+                  <a:solidFill>
+                    <a:schemeClr val="tx1">
+                      <a:lumMod val="95000"/>
+                      <a:lumOff val="5000"/>
+                    </a:schemeClr>
+                  </a:solidFill>
+                </a:endParaRPr>
               </a:p>
             </p:txBody>
           </p:sp>
@@ -5473,7 +6201,7 @@
               </p:nvPr>
             </p:nvSpPr>
             <p:spPr>
-              <a:blipFill>
+              <a:blipFill rotWithShape="0">
                 <a:blip r:embed="rId2"/>
                 <a:stretch>
                   <a:fillRect l="-1834" t="-1733"/>
@@ -5485,7 +6213,7 @@
               <a:lstStyle/>
               <a:p>
                 <a:r>
-                  <a:rPr lang="en-GB">
+                  <a:rPr lang="sl-SI">
                     <a:noFill/>
                   </a:rPr>
                   <a:t> </a:t>
@@ -5508,7 +6236,7 @@
 </p:sld>
 </file>
 
-<file path=ppt/slides/slide7.xml><?xml version="1.0" encoding="utf-8"?>
+<file path=ppt/slides/slide8.xml><?xml version="1.0" encoding="utf-8"?>
 <p:sld xmlns:a="http://schemas.openxmlformats.org/drawingml/2006/main" xmlns:r="http://schemas.openxmlformats.org/officeDocument/2006/relationships" xmlns:p="http://schemas.openxmlformats.org/presentationml/2006/main">
   <p:cSld>
     <p:spTree>
@@ -5590,7 +6318,7 @@
 </p:sld>
 </file>
 
-<file path=ppt/slides/slide8.xml><?xml version="1.0" encoding="utf-8"?>
+<file path=ppt/slides/slide9.xml><?xml version="1.0" encoding="utf-8"?>
 <p:sld xmlns:a="http://schemas.openxmlformats.org/drawingml/2006/main" xmlns:r="http://schemas.openxmlformats.org/officeDocument/2006/relationships" xmlns:p="http://schemas.openxmlformats.org/presentationml/2006/main">
   <p:cSld>
     <p:spTree>
@@ -5723,88 +6451,6 @@
     <p:extLst>
       <p:ext uri="{BB962C8B-B14F-4D97-AF65-F5344CB8AC3E}">
         <p14:creationId xmlns:p14="http://schemas.microsoft.com/office/powerpoint/2010/main" val="3654617050"/>
-      </p:ext>
-    </p:extLst>
-  </p:cSld>
-  <p:clrMapOvr>
-    <a:masterClrMapping/>
-  </p:clrMapOvr>
-</p:sld>
-</file>
-
-<file path=ppt/slides/slide9.xml><?xml version="1.0" encoding="utf-8"?>
-<p:sld xmlns:a="http://schemas.openxmlformats.org/drawingml/2006/main" xmlns:r="http://schemas.openxmlformats.org/officeDocument/2006/relationships" xmlns:p="http://schemas.openxmlformats.org/presentationml/2006/main">
-  <p:cSld>
-    <p:spTree>
-      <p:nvGrpSpPr>
-        <p:cNvPr id="1" name=""/>
-        <p:cNvGrpSpPr/>
-        <p:nvPr/>
-      </p:nvGrpSpPr>
-      <p:grpSpPr>
-        <a:xfrm>
-          <a:off x="0" y="0"/>
-          <a:ext cx="0" cy="0"/>
-          <a:chOff x="0" y="0"/>
-          <a:chExt cx="0" cy="0"/>
-        </a:xfrm>
-      </p:grpSpPr>
-      <p:sp>
-        <p:nvSpPr>
-          <p:cNvPr id="2" name="Title 1"/>
-          <p:cNvSpPr>
-            <a:spLocks noGrp="1"/>
-          </p:cNvSpPr>
-          <p:nvPr>
-            <p:ph type="title"/>
-          </p:nvPr>
-        </p:nvSpPr>
-        <p:spPr/>
-        <p:txBody>
-          <a:bodyPr/>
-          <a:lstStyle/>
-          <a:p>
-            <a:r>
-              <a:rPr lang="en-GB" dirty="0" smtClean="0"/>
-              <a:t>Evaluation of Results</a:t>
-            </a:r>
-            <a:endParaRPr lang="en-GB" dirty="0"/>
-          </a:p>
-        </p:txBody>
-      </p:sp>
-      <p:pic>
-        <p:nvPicPr>
-          <p:cNvPr id="4" name="Content Placeholder 3" descr="Screen Clipping"/>
-          <p:cNvPicPr>
-            <a:picLocks noGrp="1" noChangeAspect="1"/>
-          </p:cNvPicPr>
-          <p:nvPr>
-            <p:ph idx="1"/>
-          </p:nvPr>
-        </p:nvPicPr>
-        <p:blipFill>
-          <a:blip r:embed="rId2">
-            <a:extLst>
-              <a:ext uri="{28A0092B-C50C-407E-A947-70E740481C1C}">
-                <a14:useLocalDpi xmlns:a14="http://schemas.microsoft.com/office/drawing/2010/main" val="0"/>
-              </a:ext>
-            </a:extLst>
-          </a:blip>
-          <a:stretch>
-            <a:fillRect/>
-          </a:stretch>
-        </p:blipFill>
-        <p:spPr>
-          <a:xfrm>
-            <a:off x="611560" y="2132856"/>
-            <a:ext cx="7643813" cy="3001094"/>
-          </a:xfrm>
-        </p:spPr>
-      </p:pic>
-    </p:spTree>
-    <p:extLst>
-      <p:ext uri="{BB962C8B-B14F-4D97-AF65-F5344CB8AC3E}">
-        <p14:creationId xmlns:p14="http://schemas.microsoft.com/office/powerpoint/2010/main" val="2066402308"/>
       </p:ext>
     </p:extLst>
   </p:cSld>

--- a/Presentation.pptx
+++ b/Presentation.pptx
@@ -5,10 +5,10 @@
     <p:sldMasterId id="2147483650" r:id="rId1"/>
   </p:sldMasterIdLst>
   <p:notesMasterIdLst>
-    <p:notesMasterId r:id="rId12"/>
+    <p:notesMasterId r:id="rId13"/>
   </p:notesMasterIdLst>
   <p:handoutMasterIdLst>
-    <p:handoutMasterId r:id="rId13"/>
+    <p:handoutMasterId r:id="rId14"/>
   </p:handoutMasterIdLst>
   <p:sldIdLst>
     <p:sldId id="256" r:id="rId2"/>
@@ -16,11 +16,12 @@
     <p:sldId id="258" r:id="rId4"/>
     <p:sldId id="259" r:id="rId5"/>
     <p:sldId id="262" r:id="rId6"/>
-    <p:sldId id="260" r:id="rId7"/>
-    <p:sldId id="263" r:id="rId8"/>
-    <p:sldId id="264" r:id="rId9"/>
-    <p:sldId id="266" r:id="rId10"/>
-    <p:sldId id="261" r:id="rId11"/>
+    <p:sldId id="267" r:id="rId7"/>
+    <p:sldId id="260" r:id="rId8"/>
+    <p:sldId id="263" r:id="rId9"/>
+    <p:sldId id="264" r:id="rId10"/>
+    <p:sldId id="266" r:id="rId11"/>
+    <p:sldId id="261" r:id="rId12"/>
   </p:sldIdLst>
   <p:sldSz cx="9144000" cy="6858000" type="screen4x3"/>
   <p:notesSz cx="6858000" cy="9144000"/>
@@ -502,6 +503,11 @@
         </p:txBody>
       </p:sp>
     </p:spTree>
+    <p:extLst>
+      <p:ext uri="{BB962C8B-B14F-4D97-AF65-F5344CB8AC3E}">
+        <p14:creationId xmlns:p14="http://schemas.microsoft.com/office/powerpoint/2010/main" val="1068006568"/>
+      </p:ext>
+    </p:extLst>
   </p:cSld>
   <p:clrMap bg1="lt1" tx1="dk1" bg2="lt2" tx2="dk2" accent1="accent1" accent2="accent2" accent3="accent3" accent4="accent4" accent5="accent5" accent6="accent6" hlink="hlink" folHlink="folHlink"/>
 </p:handoutMaster>
@@ -978,6 +984,11 @@
         </p:txBody>
       </p:sp>
     </p:spTree>
+    <p:extLst>
+      <p:ext uri="{BB962C8B-B14F-4D97-AF65-F5344CB8AC3E}">
+        <p14:creationId xmlns:p14="http://schemas.microsoft.com/office/powerpoint/2010/main" val="2873816658"/>
+      </p:ext>
+    </p:extLst>
   </p:cSld>
   <p:clrMap bg1="lt1" tx1="dk1" bg2="lt2" tx2="dk2" accent1="accent1" accent2="accent2" accent3="accent3" accent4="accent4" accent5="accent5" accent6="accent6" hlink="hlink" folHlink="folHlink"/>
   <p:notesStyle>
@@ -1151,21 +1162,13 @@
           <a:p>
             <a:r>
               <a:rPr lang="en-GB" dirty="0" smtClean="0"/>
-              <a:t>Searched</a:t>
+              <a:t>In</a:t>
             </a:r>
             <a:r>
               <a:rPr lang="en-GB" baseline="0" dirty="0" smtClean="0"/>
-              <a:t> through articles for these concepts, obtained time series with each day as count of how many articles contained the above concepts</a:t>
-            </a:r>
-          </a:p>
-          <a:p>
-            <a:endParaRPr lang="en-GB" baseline="0" dirty="0" smtClean="0"/>
-          </a:p>
-          <a:p>
-            <a:r>
-              <a:rPr lang="en-GB" baseline="0" dirty="0" smtClean="0"/>
-              <a:t>Illegal Immigration as proxy for Trump’s Wall</a:t>
-            </a:r>
+              <a:t> this project we looked at how different concepts were trending among the published articles.</a:t>
+            </a:r>
+            <a:endParaRPr lang="en-GB" dirty="0"/>
           </a:p>
         </p:txBody>
       </p:sp>
@@ -1187,7 +1190,7 @@
             <a:fld id="{40023F21-9FC3-4A9C-B997-65C4C5BF9AFD}" type="slidenum">
               <a:rPr lang="en-GB" altLang="en-US" smtClean="0"/>
               <a:pPr/>
-              <a:t>4</a:t>
+              <a:t>1</a:t>
             </a:fld>
             <a:endParaRPr lang="en-GB" altLang="en-US"/>
           </a:p>
@@ -1196,7 +1199,7 @@
     </p:spTree>
     <p:extLst>
       <p:ext uri="{BB962C8B-B14F-4D97-AF65-F5344CB8AC3E}">
-        <p14:creationId xmlns:p14="http://schemas.microsoft.com/office/powerpoint/2010/main" val="151019561"/>
+        <p14:creationId xmlns:p14="http://schemas.microsoft.com/office/powerpoint/2010/main" val="1327035254"/>
       </p:ext>
     </p:extLst>
   </p:cSld>
@@ -1251,8 +1254,597 @@
           <a:lstStyle/>
           <a:p>
             <a:r>
+              <a:rPr lang="en-US" sz="1200" b="0" i="0" u="none" strike="noStrike" kern="1200" baseline="0" dirty="0" smtClean="0">
+                <a:solidFill>
+                  <a:schemeClr val="tx1"/>
+                </a:solidFill>
+                <a:latin typeface="Arial" panose="020B0604020202020204" pitchFamily="34" charset="0"/>
+                <a:ea typeface="+mn-ea"/>
+                <a:cs typeface="+mn-cs"/>
+              </a:rPr>
+              <a:t>In this project we will be </a:t>
+            </a:r>
+            <a:r>
+              <a:rPr lang="en-US" sz="1200" b="0" i="0" u="none" strike="noStrike" kern="1200" baseline="0" dirty="0" err="1" smtClean="0">
+                <a:solidFill>
+                  <a:schemeClr val="tx1"/>
+                </a:solidFill>
+                <a:latin typeface="Arial" panose="020B0604020202020204" pitchFamily="34" charset="0"/>
+                <a:ea typeface="+mn-ea"/>
+                <a:cs typeface="+mn-cs"/>
+              </a:rPr>
+              <a:t>analysing</a:t>
+            </a:r>
+            <a:r>
+              <a:rPr lang="en-US" sz="1200" b="0" i="0" u="none" strike="noStrike" kern="1200" baseline="0" dirty="0" smtClean="0">
+                <a:solidFill>
+                  <a:schemeClr val="tx1"/>
+                </a:solidFill>
+                <a:latin typeface="Arial" panose="020B0604020202020204" pitchFamily="34" charset="0"/>
+                <a:ea typeface="+mn-ea"/>
+                <a:cs typeface="+mn-cs"/>
+              </a:rPr>
+              <a:t> a large dataset of news articles from various sources. We obtained</a:t>
+            </a:r>
+          </a:p>
+          <a:p>
+            <a:r>
+              <a:rPr lang="en-US" sz="1200" b="0" i="0" u="none" strike="noStrike" kern="1200" baseline="0" dirty="0" smtClean="0">
+                <a:solidFill>
+                  <a:schemeClr val="tx1"/>
+                </a:solidFill>
+                <a:latin typeface="Arial" panose="020B0604020202020204" pitchFamily="34" charset="0"/>
+                <a:ea typeface="+mn-ea"/>
+                <a:cs typeface="+mn-cs"/>
+              </a:rPr>
+              <a:t>our dataset from the Event Registry system</a:t>
+            </a:r>
+          </a:p>
+          <a:p>
+            <a:endParaRPr lang="en-US" sz="1200" b="0" i="0" u="none" strike="noStrike" kern="1200" baseline="0" dirty="0" smtClean="0">
+              <a:solidFill>
+                <a:schemeClr val="tx1"/>
+              </a:solidFill>
+              <a:latin typeface="Arial" panose="020B0604020202020204" pitchFamily="34" charset="0"/>
+              <a:ea typeface="+mn-ea"/>
+              <a:cs typeface="+mn-cs"/>
+            </a:endParaRPr>
+          </a:p>
+          <a:p>
+            <a:r>
+              <a:rPr lang="en-US" sz="1200" b="0" i="0" u="none" strike="noStrike" kern="1200" baseline="0" dirty="0" smtClean="0">
+                <a:solidFill>
+                  <a:schemeClr val="tx1"/>
+                </a:solidFill>
+                <a:latin typeface="Arial" panose="020B0604020202020204" pitchFamily="34" charset="0"/>
+                <a:ea typeface="+mn-ea"/>
+                <a:cs typeface="+mn-cs"/>
+              </a:rPr>
+              <a:t>Specifically, we have obtained all of the available articles</a:t>
+            </a:r>
+          </a:p>
+          <a:p>
+            <a:r>
+              <a:rPr lang="en-US" sz="1200" b="0" i="0" u="none" strike="noStrike" kern="1200" baseline="0" dirty="0" smtClean="0">
+                <a:solidFill>
+                  <a:schemeClr val="tx1"/>
+                </a:solidFill>
+                <a:latin typeface="Arial" panose="020B0604020202020204" pitchFamily="34" charset="0"/>
+                <a:ea typeface="+mn-ea"/>
+                <a:cs typeface="+mn-cs"/>
+              </a:rPr>
+              <a:t>about "Donald Trump". Due to large popularity of our topic during the presidential campaign</a:t>
+            </a:r>
+          </a:p>
+          <a:p>
+            <a:r>
+              <a:rPr lang="en-US" sz="1200" b="0" i="0" u="none" strike="noStrike" kern="1200" baseline="0" dirty="0" smtClean="0">
+                <a:solidFill>
+                  <a:schemeClr val="tx1"/>
+                </a:solidFill>
+                <a:latin typeface="Arial" panose="020B0604020202020204" pitchFamily="34" charset="0"/>
+                <a:ea typeface="+mn-ea"/>
+                <a:cs typeface="+mn-cs"/>
+              </a:rPr>
+              <a:t>and after the election results, we had to limit our API queries depending on time of the year.</a:t>
+            </a:r>
+          </a:p>
+          <a:p>
+            <a:r>
+              <a:rPr lang="en-US" sz="1200" b="0" i="0" u="none" strike="noStrike" kern="1200" baseline="0" dirty="0" smtClean="0">
+                <a:solidFill>
+                  <a:schemeClr val="tx1"/>
+                </a:solidFill>
+                <a:latin typeface="Arial" panose="020B0604020202020204" pitchFamily="34" charset="0"/>
+                <a:ea typeface="+mn-ea"/>
+                <a:cs typeface="+mn-cs"/>
+              </a:rPr>
+              <a:t>Hence queries ranged between months (before serious political consideration) to days (election results).</a:t>
+            </a:r>
+          </a:p>
+          <a:p>
+            <a:endParaRPr lang="en-US" sz="1200" b="0" i="0" u="none" strike="noStrike" kern="1200" baseline="0" dirty="0" smtClean="0">
+              <a:solidFill>
+                <a:schemeClr val="tx1"/>
+              </a:solidFill>
+              <a:latin typeface="Arial" panose="020B0604020202020204" pitchFamily="34" charset="0"/>
+              <a:ea typeface="+mn-ea"/>
+              <a:cs typeface="+mn-cs"/>
+            </a:endParaRPr>
+          </a:p>
+          <a:p>
+            <a:endParaRPr lang="en-US" sz="1200" b="0" i="0" u="none" strike="noStrike" kern="1200" baseline="0" dirty="0" smtClean="0">
+              <a:solidFill>
+                <a:schemeClr val="tx1"/>
+              </a:solidFill>
+              <a:latin typeface="Arial" panose="020B0604020202020204" pitchFamily="34" charset="0"/>
+              <a:ea typeface="+mn-ea"/>
+              <a:cs typeface="+mn-cs"/>
+            </a:endParaRPr>
+          </a:p>
+          <a:p>
+            <a:r>
+              <a:rPr lang="en-US" sz="1200" b="0" i="0" u="none" strike="noStrike" kern="1200" baseline="0" dirty="0" smtClean="0">
+                <a:solidFill>
+                  <a:schemeClr val="tx1"/>
+                </a:solidFill>
+                <a:latin typeface="Arial" panose="020B0604020202020204" pitchFamily="34" charset="0"/>
+                <a:ea typeface="+mn-ea"/>
+                <a:cs typeface="+mn-cs"/>
+              </a:rPr>
+              <a:t>For the simplification of analysis our dataset was limited to articles written in English. This should</a:t>
+            </a:r>
+          </a:p>
+          <a:p>
+            <a:r>
+              <a:rPr lang="en-US" sz="1200" b="0" i="0" u="none" strike="noStrike" kern="1200" baseline="0" dirty="0" smtClean="0">
+                <a:solidFill>
+                  <a:schemeClr val="tx1"/>
+                </a:solidFill>
+                <a:latin typeface="Arial" panose="020B0604020202020204" pitchFamily="34" charset="0"/>
+                <a:ea typeface="+mn-ea"/>
+                <a:cs typeface="+mn-cs"/>
+              </a:rPr>
+              <a:t>not be consider as a larger shortcoming, because English is the source language for most of articles</a:t>
+            </a:r>
+          </a:p>
+          <a:p>
+            <a:r>
+              <a:rPr lang="en-GB" sz="1200" b="0" i="0" u="none" strike="noStrike" kern="1200" baseline="0" dirty="0" smtClean="0">
+                <a:solidFill>
+                  <a:schemeClr val="tx1"/>
+                </a:solidFill>
+                <a:latin typeface="Arial" panose="020B0604020202020204" pitchFamily="34" charset="0"/>
+                <a:ea typeface="+mn-ea"/>
+                <a:cs typeface="+mn-cs"/>
+              </a:rPr>
+              <a:t>about our chosen topic</a:t>
+            </a:r>
+            <a:endParaRPr lang="en-GB" dirty="0"/>
+          </a:p>
+        </p:txBody>
+      </p:sp>
+      <p:sp>
+        <p:nvSpPr>
+          <p:cNvPr id="4" name="Slide Number Placeholder 3"/>
+          <p:cNvSpPr>
+            <a:spLocks noGrp="1"/>
+          </p:cNvSpPr>
+          <p:nvPr>
+            <p:ph type="sldNum" sz="quarter" idx="10"/>
+          </p:nvPr>
+        </p:nvSpPr>
+        <p:spPr/>
+        <p:txBody>
+          <a:bodyPr/>
+          <a:lstStyle/>
+          <a:p>
+            <a:fld id="{40023F21-9FC3-4A9C-B997-65C4C5BF9AFD}" type="slidenum">
+              <a:rPr lang="en-GB" altLang="en-US" smtClean="0"/>
+              <a:pPr/>
+              <a:t>2</a:t>
+            </a:fld>
+            <a:endParaRPr lang="en-GB" altLang="en-US"/>
+          </a:p>
+        </p:txBody>
+      </p:sp>
+    </p:spTree>
+    <p:extLst>
+      <p:ext uri="{BB962C8B-B14F-4D97-AF65-F5344CB8AC3E}">
+        <p14:creationId xmlns:p14="http://schemas.microsoft.com/office/powerpoint/2010/main" val="3319656446"/>
+      </p:ext>
+    </p:extLst>
+  </p:cSld>
+  <p:clrMapOvr>
+    <a:masterClrMapping/>
+  </p:clrMapOvr>
+</p:notes>
+</file>
+
+<file path=ppt/notesSlides/notesSlide3.xml><?xml version="1.0" encoding="utf-8"?>
+<p:notes xmlns:a="http://schemas.openxmlformats.org/drawingml/2006/main" xmlns:r="http://schemas.openxmlformats.org/officeDocument/2006/relationships" xmlns:p="http://schemas.openxmlformats.org/presentationml/2006/main">
+  <p:cSld>
+    <p:spTree>
+      <p:nvGrpSpPr>
+        <p:cNvPr id="1" name=""/>
+        <p:cNvGrpSpPr/>
+        <p:nvPr/>
+      </p:nvGrpSpPr>
+      <p:grpSpPr>
+        <a:xfrm>
+          <a:off x="0" y="0"/>
+          <a:ext cx="0" cy="0"/>
+          <a:chOff x="0" y="0"/>
+          <a:chExt cx="0" cy="0"/>
+        </a:xfrm>
+      </p:grpSpPr>
+      <p:sp>
+        <p:nvSpPr>
+          <p:cNvPr id="2" name="Slide Image Placeholder 1"/>
+          <p:cNvSpPr>
+            <a:spLocks noGrp="1" noRot="1" noChangeAspect="1"/>
+          </p:cNvSpPr>
+          <p:nvPr>
+            <p:ph type="sldImg"/>
+          </p:nvPr>
+        </p:nvSpPr>
+        <p:spPr/>
+      </p:sp>
+      <p:sp>
+        <p:nvSpPr>
+          <p:cNvPr id="3" name="Notes Placeholder 2"/>
+          <p:cNvSpPr>
+            <a:spLocks noGrp="1"/>
+          </p:cNvSpPr>
+          <p:nvPr>
+            <p:ph type="body" idx="1"/>
+          </p:nvPr>
+        </p:nvSpPr>
+        <p:spPr/>
+        <p:txBody>
+          <a:bodyPr/>
+          <a:lstStyle/>
+          <a:p>
+            <a:r>
+              <a:rPr lang="en-US" sz="1200" b="0" i="0" u="none" strike="noStrike" kern="1200" baseline="0" dirty="0" smtClean="0">
+                <a:solidFill>
+                  <a:schemeClr val="tx1"/>
+                </a:solidFill>
+                <a:latin typeface="Arial" panose="020B0604020202020204" pitchFamily="34" charset="0"/>
+                <a:ea typeface="+mn-ea"/>
+                <a:cs typeface="+mn-cs"/>
+              </a:rPr>
+              <a:t>Each article from Event Registry is obtained and stored as a JSON object. It includes title, the</a:t>
+            </a:r>
+          </a:p>
+          <a:p>
+            <a:r>
+              <a:rPr lang="en-US" sz="1200" b="0" i="0" u="none" strike="noStrike" kern="1200" baseline="0" dirty="0" smtClean="0">
+                <a:solidFill>
+                  <a:schemeClr val="tx1"/>
+                </a:solidFill>
+                <a:latin typeface="Arial" panose="020B0604020202020204" pitchFamily="34" charset="0"/>
+                <a:ea typeface="+mn-ea"/>
+                <a:cs typeface="+mn-cs"/>
+              </a:rPr>
+              <a:t>actual news text, information about language, URL to news, date, </a:t>
+            </a:r>
+            <a:r>
+              <a:rPr lang="en-US" sz="1200" b="0" i="0" u="none" strike="noStrike" kern="1200" baseline="0" dirty="0" err="1" smtClean="0">
+                <a:solidFill>
+                  <a:schemeClr val="tx1"/>
+                </a:solidFill>
+                <a:latin typeface="Arial" panose="020B0604020202020204" pitchFamily="34" charset="0"/>
+                <a:ea typeface="+mn-ea"/>
+                <a:cs typeface="+mn-cs"/>
+              </a:rPr>
+              <a:t>etc</a:t>
+            </a:r>
+            <a:endParaRPr lang="en-US" sz="1200" b="0" i="0" u="none" strike="noStrike" kern="1200" baseline="0" dirty="0" smtClean="0">
+              <a:solidFill>
+                <a:schemeClr val="tx1"/>
+              </a:solidFill>
+              <a:latin typeface="Arial" panose="020B0604020202020204" pitchFamily="34" charset="0"/>
+              <a:ea typeface="+mn-ea"/>
+              <a:cs typeface="+mn-cs"/>
+            </a:endParaRPr>
+          </a:p>
+          <a:p>
+            <a:endParaRPr lang="en-US" sz="1200" b="0" i="0" u="none" strike="noStrike" kern="1200" baseline="0" dirty="0" smtClean="0">
+              <a:solidFill>
+                <a:schemeClr val="tx1"/>
+              </a:solidFill>
+              <a:latin typeface="Arial" panose="020B0604020202020204" pitchFamily="34" charset="0"/>
+              <a:ea typeface="+mn-ea"/>
+              <a:cs typeface="+mn-cs"/>
+            </a:endParaRPr>
+          </a:p>
+          <a:p>
+            <a:r>
+              <a:rPr lang="en-US" sz="1200" b="0" i="0" u="none" strike="noStrike" kern="1200" baseline="0" dirty="0" smtClean="0">
+                <a:solidFill>
+                  <a:schemeClr val="tx1"/>
+                </a:solidFill>
+                <a:latin typeface="Arial" panose="020B0604020202020204" pitchFamily="34" charset="0"/>
+                <a:ea typeface="+mn-ea"/>
+                <a:cs typeface="+mn-cs"/>
+              </a:rPr>
+              <a:t>Each object also contains concepts which are acquired by text annotation done by</a:t>
+            </a:r>
+          </a:p>
+          <a:p>
+            <a:r>
+              <a:rPr lang="en-US" sz="1200" b="0" i="0" u="none" strike="noStrike" kern="1200" baseline="0" dirty="0" smtClean="0">
+                <a:solidFill>
+                  <a:schemeClr val="tx1"/>
+                </a:solidFill>
+                <a:latin typeface="Arial" panose="020B0604020202020204" pitchFamily="34" charset="0"/>
+                <a:ea typeface="+mn-ea"/>
+                <a:cs typeface="+mn-cs"/>
+              </a:rPr>
+              <a:t>a semantic annotation service. Each concept points to a Wikipedia page. </a:t>
+            </a:r>
+            <a:r>
+              <a:rPr lang="en-US" sz="1200" b="0" i="0" u="none" strike="noStrike" kern="1200" baseline="0" dirty="0" err="1" smtClean="0">
+                <a:solidFill>
+                  <a:schemeClr val="tx1"/>
+                </a:solidFill>
+                <a:latin typeface="Arial" panose="020B0604020202020204" pitchFamily="34" charset="0"/>
+                <a:ea typeface="+mn-ea"/>
+                <a:cs typeface="+mn-cs"/>
+              </a:rPr>
+              <a:t>Wikification</a:t>
+            </a:r>
+            <a:r>
+              <a:rPr lang="en-US" sz="1200" b="0" i="0" u="none" strike="noStrike" kern="1200" baseline="0" dirty="0" smtClean="0">
+                <a:solidFill>
+                  <a:schemeClr val="tx1"/>
+                </a:solidFill>
+                <a:latin typeface="Arial" panose="020B0604020202020204" pitchFamily="34" charset="0"/>
+                <a:ea typeface="+mn-ea"/>
+                <a:cs typeface="+mn-cs"/>
+              </a:rPr>
+              <a:t> enabled us</a:t>
+            </a:r>
+          </a:p>
+          <a:p>
+            <a:r>
+              <a:rPr lang="en-US" sz="1200" b="0" i="0" u="none" strike="noStrike" kern="1200" baseline="0" dirty="0" smtClean="0">
+                <a:solidFill>
+                  <a:schemeClr val="tx1"/>
+                </a:solidFill>
+                <a:latin typeface="Arial" panose="020B0604020202020204" pitchFamily="34" charset="0"/>
+                <a:ea typeface="+mn-ea"/>
+                <a:cs typeface="+mn-cs"/>
+              </a:rPr>
+              <a:t>to easily find the topics that we were interested in in the news</a:t>
+            </a:r>
+            <a:endParaRPr lang="en-GB" dirty="0"/>
+          </a:p>
+        </p:txBody>
+      </p:sp>
+      <p:sp>
+        <p:nvSpPr>
+          <p:cNvPr id="4" name="Slide Number Placeholder 3"/>
+          <p:cNvSpPr>
+            <a:spLocks noGrp="1"/>
+          </p:cNvSpPr>
+          <p:nvPr>
+            <p:ph type="sldNum" sz="quarter" idx="10"/>
+          </p:nvPr>
+        </p:nvSpPr>
+        <p:spPr/>
+        <p:txBody>
+          <a:bodyPr/>
+          <a:lstStyle/>
+          <a:p>
+            <a:fld id="{40023F21-9FC3-4A9C-B997-65C4C5BF9AFD}" type="slidenum">
+              <a:rPr lang="en-GB" altLang="en-US" smtClean="0"/>
+              <a:pPr/>
+              <a:t>3</a:t>
+            </a:fld>
+            <a:endParaRPr lang="en-GB" altLang="en-US"/>
+          </a:p>
+        </p:txBody>
+      </p:sp>
+    </p:spTree>
+    <p:extLst>
+      <p:ext uri="{BB962C8B-B14F-4D97-AF65-F5344CB8AC3E}">
+        <p14:creationId xmlns:p14="http://schemas.microsoft.com/office/powerpoint/2010/main" val="957588228"/>
+      </p:ext>
+    </p:extLst>
+  </p:cSld>
+  <p:clrMapOvr>
+    <a:masterClrMapping/>
+  </p:clrMapOvr>
+</p:notes>
+</file>
+
+<file path=ppt/notesSlides/notesSlide4.xml><?xml version="1.0" encoding="utf-8"?>
+<p:notes xmlns:a="http://schemas.openxmlformats.org/drawingml/2006/main" xmlns:r="http://schemas.openxmlformats.org/officeDocument/2006/relationships" xmlns:p="http://schemas.openxmlformats.org/presentationml/2006/main">
+  <p:cSld>
+    <p:spTree>
+      <p:nvGrpSpPr>
+        <p:cNvPr id="1" name=""/>
+        <p:cNvGrpSpPr/>
+        <p:nvPr/>
+      </p:nvGrpSpPr>
+      <p:grpSpPr>
+        <a:xfrm>
+          <a:off x="0" y="0"/>
+          <a:ext cx="0" cy="0"/>
+          <a:chOff x="0" y="0"/>
+          <a:chExt cx="0" cy="0"/>
+        </a:xfrm>
+      </p:grpSpPr>
+      <p:sp>
+        <p:nvSpPr>
+          <p:cNvPr id="2" name="Slide Image Placeholder 1"/>
+          <p:cNvSpPr>
+            <a:spLocks noGrp="1" noRot="1" noChangeAspect="1"/>
+          </p:cNvSpPr>
+          <p:nvPr>
+            <p:ph type="sldImg"/>
+          </p:nvPr>
+        </p:nvSpPr>
+        <p:spPr/>
+      </p:sp>
+      <p:sp>
+        <p:nvSpPr>
+          <p:cNvPr id="3" name="Notes Placeholder 2"/>
+          <p:cNvSpPr>
+            <a:spLocks noGrp="1"/>
+          </p:cNvSpPr>
+          <p:nvPr>
+            <p:ph type="body" idx="1"/>
+          </p:nvPr>
+        </p:nvSpPr>
+        <p:spPr/>
+        <p:txBody>
+          <a:bodyPr/>
+          <a:lstStyle/>
+          <a:p>
+            <a:r>
               <a:rPr lang="en-GB" dirty="0" smtClean="0"/>
-              <a:t>Add pictures from pdf</a:t>
+              <a:t>Searched</a:t>
+            </a:r>
+            <a:r>
+              <a:rPr lang="en-GB" baseline="0" dirty="0" smtClean="0"/>
+              <a:t> </a:t>
+            </a:r>
+            <a:r>
+              <a:rPr lang="en-GB" baseline="0" dirty="0" smtClean="0"/>
+              <a:t>through articles for these concepts, obtained time series with each day as count of how many articles contained the above concepts</a:t>
+            </a:r>
+          </a:p>
+          <a:p>
+            <a:endParaRPr lang="en-GB" baseline="0" dirty="0" smtClean="0"/>
+          </a:p>
+          <a:p>
+            <a:r>
+              <a:rPr lang="en-GB" baseline="0" dirty="0" smtClean="0"/>
+              <a:t>Illegal Immigration as proxy for Trump’s Wall</a:t>
+            </a:r>
+          </a:p>
+        </p:txBody>
+      </p:sp>
+      <p:sp>
+        <p:nvSpPr>
+          <p:cNvPr id="4" name="Slide Number Placeholder 3"/>
+          <p:cNvSpPr>
+            <a:spLocks noGrp="1"/>
+          </p:cNvSpPr>
+          <p:nvPr>
+            <p:ph type="sldNum" sz="quarter" idx="10"/>
+          </p:nvPr>
+        </p:nvSpPr>
+        <p:spPr/>
+        <p:txBody>
+          <a:bodyPr/>
+          <a:lstStyle/>
+          <a:p>
+            <a:fld id="{40023F21-9FC3-4A9C-B997-65C4C5BF9AFD}" type="slidenum">
+              <a:rPr lang="en-GB" altLang="en-US" smtClean="0"/>
+              <a:pPr/>
+              <a:t>4</a:t>
+            </a:fld>
+            <a:endParaRPr lang="en-GB" altLang="en-US"/>
+          </a:p>
+        </p:txBody>
+      </p:sp>
+    </p:spTree>
+    <p:extLst>
+      <p:ext uri="{BB962C8B-B14F-4D97-AF65-F5344CB8AC3E}">
+        <p14:creationId xmlns:p14="http://schemas.microsoft.com/office/powerpoint/2010/main" val="151019561"/>
+      </p:ext>
+    </p:extLst>
+  </p:cSld>
+  <p:clrMapOvr>
+    <a:masterClrMapping/>
+  </p:clrMapOvr>
+</p:notes>
+</file>
+
+<file path=ppt/notesSlides/notesSlide5.xml><?xml version="1.0" encoding="utf-8"?>
+<p:notes xmlns:a="http://schemas.openxmlformats.org/drawingml/2006/main" xmlns:r="http://schemas.openxmlformats.org/officeDocument/2006/relationships" xmlns:p="http://schemas.openxmlformats.org/presentationml/2006/main">
+  <p:cSld>
+    <p:spTree>
+      <p:nvGrpSpPr>
+        <p:cNvPr id="1" name=""/>
+        <p:cNvGrpSpPr/>
+        <p:nvPr/>
+      </p:nvGrpSpPr>
+      <p:grpSpPr>
+        <a:xfrm>
+          <a:off x="0" y="0"/>
+          <a:ext cx="0" cy="0"/>
+          <a:chOff x="0" y="0"/>
+          <a:chExt cx="0" cy="0"/>
+        </a:xfrm>
+      </p:grpSpPr>
+      <p:sp>
+        <p:nvSpPr>
+          <p:cNvPr id="2" name="Slide Image Placeholder 1"/>
+          <p:cNvSpPr>
+            <a:spLocks noGrp="1" noRot="1" noChangeAspect="1"/>
+          </p:cNvSpPr>
+          <p:nvPr>
+            <p:ph type="sldImg"/>
+          </p:nvPr>
+        </p:nvSpPr>
+        <p:spPr/>
+      </p:sp>
+      <p:sp>
+        <p:nvSpPr>
+          <p:cNvPr id="3" name="Notes Placeholder 2"/>
+          <p:cNvSpPr>
+            <a:spLocks noGrp="1"/>
+          </p:cNvSpPr>
+          <p:nvPr>
+            <p:ph type="body" idx="1"/>
+          </p:nvPr>
+        </p:nvSpPr>
+        <p:spPr/>
+        <p:txBody>
+          <a:bodyPr/>
+          <a:lstStyle/>
+          <a:p>
+            <a:r>
+              <a:rPr lang="en-US" sz="1200" b="0" i="0" u="none" strike="noStrike" kern="1200" baseline="0" dirty="0" smtClean="0">
+                <a:solidFill>
+                  <a:schemeClr val="tx1"/>
+                </a:solidFill>
+                <a:latin typeface="Arial" panose="020B0604020202020204" pitchFamily="34" charset="0"/>
+                <a:ea typeface="+mn-ea"/>
+                <a:cs typeface="+mn-cs"/>
+              </a:rPr>
+              <a:t>We aggregated the number of concept occurrences</a:t>
+            </a:r>
+          </a:p>
+          <a:p>
+            <a:r>
+              <a:rPr lang="en-US" sz="1200" b="0" i="0" u="none" strike="noStrike" kern="1200" baseline="0" dirty="0" smtClean="0">
+                <a:solidFill>
+                  <a:schemeClr val="tx1"/>
+                </a:solidFill>
+                <a:latin typeface="Arial" panose="020B0604020202020204" pitchFamily="34" charset="0"/>
+                <a:ea typeface="+mn-ea"/>
+                <a:cs typeface="+mn-cs"/>
+              </a:rPr>
+              <a:t>on daily basis. Thus, we obtained a times series with 1065 records for each concept (a little less</a:t>
+            </a:r>
+          </a:p>
+          <a:p>
+            <a:r>
+              <a:rPr lang="en-US" sz="1200" b="0" i="0" u="none" strike="noStrike" kern="1200" baseline="0" dirty="0" smtClean="0">
+                <a:solidFill>
+                  <a:schemeClr val="tx1"/>
+                </a:solidFill>
+                <a:latin typeface="Arial" panose="020B0604020202020204" pitchFamily="34" charset="0"/>
+                <a:ea typeface="+mn-ea"/>
+                <a:cs typeface="+mn-cs"/>
+              </a:rPr>
+              <a:t>than 1 record per day, since there were some days when no news were published on Trump</a:t>
             </a:r>
             <a:endParaRPr lang="en-GB" dirty="0"/>
           </a:p>
@@ -1286,6 +1878,427 @@
     <p:extLst>
       <p:ext uri="{BB962C8B-B14F-4D97-AF65-F5344CB8AC3E}">
         <p14:creationId xmlns:p14="http://schemas.microsoft.com/office/powerpoint/2010/main" val="1288972976"/>
+      </p:ext>
+    </p:extLst>
+  </p:cSld>
+  <p:clrMapOvr>
+    <a:masterClrMapping/>
+  </p:clrMapOvr>
+</p:notes>
+</file>
+
+<file path=ppt/notesSlides/notesSlide6.xml><?xml version="1.0" encoding="utf-8"?>
+<p:notes xmlns:a="http://schemas.openxmlformats.org/drawingml/2006/main" xmlns:r="http://schemas.openxmlformats.org/officeDocument/2006/relationships" xmlns:p="http://schemas.openxmlformats.org/presentationml/2006/main">
+  <p:cSld>
+    <p:spTree>
+      <p:nvGrpSpPr>
+        <p:cNvPr id="1" name=""/>
+        <p:cNvGrpSpPr/>
+        <p:nvPr/>
+      </p:nvGrpSpPr>
+      <p:grpSpPr>
+        <a:xfrm>
+          <a:off x="0" y="0"/>
+          <a:ext cx="0" cy="0"/>
+          <a:chOff x="0" y="0"/>
+          <a:chExt cx="0" cy="0"/>
+        </a:xfrm>
+      </p:grpSpPr>
+      <p:sp>
+        <p:nvSpPr>
+          <p:cNvPr id="2" name="Slide Image Placeholder 1"/>
+          <p:cNvSpPr>
+            <a:spLocks noGrp="1" noRot="1" noChangeAspect="1"/>
+          </p:cNvSpPr>
+          <p:nvPr>
+            <p:ph type="sldImg"/>
+          </p:nvPr>
+        </p:nvSpPr>
+        <p:spPr/>
+      </p:sp>
+      <p:sp>
+        <p:nvSpPr>
+          <p:cNvPr id="3" name="Notes Placeholder 2"/>
+          <p:cNvSpPr>
+            <a:spLocks noGrp="1"/>
+          </p:cNvSpPr>
+          <p:nvPr>
+            <p:ph type="body" idx="1"/>
+          </p:nvPr>
+        </p:nvSpPr>
+        <p:spPr/>
+        <p:txBody>
+          <a:bodyPr/>
+          <a:lstStyle/>
+          <a:p>
+            <a:r>
+              <a:rPr lang="en-GB" dirty="0" smtClean="0"/>
+              <a:t>Add pictures from pdf</a:t>
+            </a:r>
+            <a:endParaRPr lang="en-GB" dirty="0"/>
+          </a:p>
+        </p:txBody>
+      </p:sp>
+      <p:sp>
+        <p:nvSpPr>
+          <p:cNvPr id="4" name="Slide Number Placeholder 3"/>
+          <p:cNvSpPr>
+            <a:spLocks noGrp="1"/>
+          </p:cNvSpPr>
+          <p:nvPr>
+            <p:ph type="sldNum" sz="quarter" idx="10"/>
+          </p:nvPr>
+        </p:nvSpPr>
+        <p:spPr/>
+        <p:txBody>
+          <a:bodyPr/>
+          <a:lstStyle/>
+          <a:p>
+            <a:fld id="{40023F21-9FC3-4A9C-B997-65C4C5BF9AFD}" type="slidenum">
+              <a:rPr lang="en-GB" altLang="en-US" smtClean="0"/>
+              <a:pPr/>
+              <a:t>6</a:t>
+            </a:fld>
+            <a:endParaRPr lang="en-GB" altLang="en-US"/>
+          </a:p>
+        </p:txBody>
+      </p:sp>
+    </p:spTree>
+    <p:extLst>
+      <p:ext uri="{BB962C8B-B14F-4D97-AF65-F5344CB8AC3E}">
+        <p14:creationId xmlns:p14="http://schemas.microsoft.com/office/powerpoint/2010/main" val="1070749739"/>
+      </p:ext>
+    </p:extLst>
+  </p:cSld>
+  <p:clrMapOvr>
+    <a:masterClrMapping/>
+  </p:clrMapOvr>
+</p:notes>
+</file>
+
+<file path=ppt/notesSlides/notesSlide7.xml><?xml version="1.0" encoding="utf-8"?>
+<p:notes xmlns:a="http://schemas.openxmlformats.org/drawingml/2006/main" xmlns:r="http://schemas.openxmlformats.org/officeDocument/2006/relationships" xmlns:p="http://schemas.openxmlformats.org/presentationml/2006/main">
+  <p:cSld>
+    <p:spTree>
+      <p:nvGrpSpPr>
+        <p:cNvPr id="1" name=""/>
+        <p:cNvGrpSpPr/>
+        <p:nvPr/>
+      </p:nvGrpSpPr>
+      <p:grpSpPr>
+        <a:xfrm>
+          <a:off x="0" y="0"/>
+          <a:ext cx="0" cy="0"/>
+          <a:chOff x="0" y="0"/>
+          <a:chExt cx="0" cy="0"/>
+        </a:xfrm>
+      </p:grpSpPr>
+      <p:sp>
+        <p:nvSpPr>
+          <p:cNvPr id="2" name="Slide Image Placeholder 1"/>
+          <p:cNvSpPr>
+            <a:spLocks noGrp="1" noRot="1" noChangeAspect="1"/>
+          </p:cNvSpPr>
+          <p:nvPr>
+            <p:ph type="sldImg"/>
+          </p:nvPr>
+        </p:nvSpPr>
+        <p:spPr/>
+      </p:sp>
+      <p:sp>
+        <p:nvSpPr>
+          <p:cNvPr id="3" name="Notes Placeholder 2"/>
+          <p:cNvSpPr>
+            <a:spLocks noGrp="1"/>
+          </p:cNvSpPr>
+          <p:nvPr>
+            <p:ph type="body" idx="1"/>
+          </p:nvPr>
+        </p:nvSpPr>
+        <p:spPr/>
+        <p:txBody>
+          <a:bodyPr/>
+          <a:lstStyle/>
+          <a:p>
+            <a:r>
+              <a:rPr lang="en-US" sz="1200" b="0" i="0" u="none" strike="noStrike" kern="1200" baseline="0" dirty="0" smtClean="0">
+                <a:solidFill>
+                  <a:schemeClr val="tx1"/>
+                </a:solidFill>
+                <a:latin typeface="Arial" panose="020B0604020202020204" pitchFamily="34" charset="0"/>
+                <a:ea typeface="+mn-ea"/>
+                <a:cs typeface="+mn-cs"/>
+              </a:rPr>
+              <a:t>Once we obtained the number of articles that wrote about specific concept on each day we wanted</a:t>
+            </a:r>
+          </a:p>
+          <a:p>
+            <a:r>
+              <a:rPr lang="en-US" sz="1200" b="0" i="0" u="none" strike="noStrike" kern="1200" baseline="0" dirty="0" smtClean="0">
+                <a:solidFill>
+                  <a:schemeClr val="tx1"/>
+                </a:solidFill>
+                <a:latin typeface="Arial" panose="020B0604020202020204" pitchFamily="34" charset="0"/>
+                <a:ea typeface="+mn-ea"/>
+                <a:cs typeface="+mn-cs"/>
+              </a:rPr>
+              <a:t>to fit a model to this dataset to determine whether a trend was present or not. In order to achieve</a:t>
+            </a:r>
+          </a:p>
+          <a:p>
+            <a:r>
+              <a:rPr lang="en-US" sz="1200" b="0" i="0" u="none" strike="noStrike" kern="1200" baseline="0" dirty="0" smtClean="0">
+                <a:solidFill>
+                  <a:schemeClr val="tx1"/>
+                </a:solidFill>
+                <a:latin typeface="Arial" panose="020B0604020202020204" pitchFamily="34" charset="0"/>
+                <a:ea typeface="+mn-ea"/>
+                <a:cs typeface="+mn-cs"/>
+              </a:rPr>
+              <a:t>this we used linear regression for our model, which in general takes the following form</a:t>
+            </a:r>
+            <a:endParaRPr lang="en-GB" dirty="0"/>
+          </a:p>
+        </p:txBody>
+      </p:sp>
+      <p:sp>
+        <p:nvSpPr>
+          <p:cNvPr id="4" name="Slide Number Placeholder 3"/>
+          <p:cNvSpPr>
+            <a:spLocks noGrp="1"/>
+          </p:cNvSpPr>
+          <p:nvPr>
+            <p:ph type="sldNum" sz="quarter" idx="10"/>
+          </p:nvPr>
+        </p:nvSpPr>
+        <p:spPr/>
+        <p:txBody>
+          <a:bodyPr/>
+          <a:lstStyle/>
+          <a:p>
+            <a:fld id="{40023F21-9FC3-4A9C-B997-65C4C5BF9AFD}" type="slidenum">
+              <a:rPr lang="en-GB" altLang="en-US" smtClean="0"/>
+              <a:pPr/>
+              <a:t>7</a:t>
+            </a:fld>
+            <a:endParaRPr lang="en-GB" altLang="en-US"/>
+          </a:p>
+        </p:txBody>
+      </p:sp>
+    </p:spTree>
+    <p:extLst>
+      <p:ext uri="{BB962C8B-B14F-4D97-AF65-F5344CB8AC3E}">
+        <p14:creationId xmlns:p14="http://schemas.microsoft.com/office/powerpoint/2010/main" val="782099362"/>
+      </p:ext>
+    </p:extLst>
+  </p:cSld>
+  <p:clrMapOvr>
+    <a:masterClrMapping/>
+  </p:clrMapOvr>
+</p:notes>
+</file>
+
+<file path=ppt/notesSlides/notesSlide8.xml><?xml version="1.0" encoding="utf-8"?>
+<p:notes xmlns:a="http://schemas.openxmlformats.org/drawingml/2006/main" xmlns:r="http://schemas.openxmlformats.org/officeDocument/2006/relationships" xmlns:p="http://schemas.openxmlformats.org/presentationml/2006/main">
+  <p:cSld>
+    <p:spTree>
+      <p:nvGrpSpPr>
+        <p:cNvPr id="1" name=""/>
+        <p:cNvGrpSpPr/>
+        <p:nvPr/>
+      </p:nvGrpSpPr>
+      <p:grpSpPr>
+        <a:xfrm>
+          <a:off x="0" y="0"/>
+          <a:ext cx="0" cy="0"/>
+          <a:chOff x="0" y="0"/>
+          <a:chExt cx="0" cy="0"/>
+        </a:xfrm>
+      </p:grpSpPr>
+      <p:sp>
+        <p:nvSpPr>
+          <p:cNvPr id="2" name="Slide Image Placeholder 1"/>
+          <p:cNvSpPr>
+            <a:spLocks noGrp="1" noRot="1" noChangeAspect="1"/>
+          </p:cNvSpPr>
+          <p:nvPr>
+            <p:ph type="sldImg"/>
+          </p:nvPr>
+        </p:nvSpPr>
+        <p:spPr/>
+      </p:sp>
+      <p:sp>
+        <p:nvSpPr>
+          <p:cNvPr id="3" name="Notes Placeholder 2"/>
+          <p:cNvSpPr>
+            <a:spLocks noGrp="1"/>
+          </p:cNvSpPr>
+          <p:nvPr>
+            <p:ph type="body" idx="1"/>
+          </p:nvPr>
+        </p:nvSpPr>
+        <p:spPr/>
+        <p:txBody>
+          <a:bodyPr/>
+          <a:lstStyle/>
+          <a:p>
+            <a:r>
+              <a:rPr lang="en-US" sz="1200" b="0" i="0" u="none" strike="noStrike" kern="1200" baseline="0" dirty="0" smtClean="0">
+                <a:solidFill>
+                  <a:schemeClr val="tx1"/>
+                </a:solidFill>
+                <a:latin typeface="Arial" panose="020B0604020202020204" pitchFamily="34" charset="0"/>
+                <a:ea typeface="+mn-ea"/>
+                <a:cs typeface="+mn-cs"/>
+              </a:rPr>
+              <a:t>To evaluate whether the coefficient  produced by our model is statistically significant, so that we</a:t>
+            </a:r>
+          </a:p>
+          <a:p>
+            <a:r>
+              <a:rPr lang="en-US" sz="1200" b="0" i="0" u="none" strike="noStrike" kern="1200" baseline="0" dirty="0" smtClean="0">
+                <a:solidFill>
+                  <a:schemeClr val="tx1"/>
+                </a:solidFill>
+                <a:latin typeface="Arial" panose="020B0604020202020204" pitchFamily="34" charset="0"/>
+                <a:ea typeface="+mn-ea"/>
+                <a:cs typeface="+mn-cs"/>
+              </a:rPr>
+              <a:t>can reject the null hypothesis, we will use Student’s t-test [3]. The t statistic that is the result</a:t>
+            </a:r>
+          </a:p>
+          <a:p>
+            <a:r>
+              <a:rPr lang="en-US" sz="1200" b="0" i="0" u="none" strike="noStrike" kern="1200" baseline="0" dirty="0" smtClean="0">
+                <a:solidFill>
+                  <a:schemeClr val="tx1"/>
+                </a:solidFill>
+                <a:latin typeface="Arial" panose="020B0604020202020204" pitchFamily="34" charset="0"/>
+                <a:ea typeface="+mn-ea"/>
+                <a:cs typeface="+mn-cs"/>
+              </a:rPr>
+              <a:t>of the test is calculated by the formulas below.</a:t>
+            </a:r>
+          </a:p>
+          <a:p>
+            <a:endParaRPr lang="en-US" sz="1200" b="0" i="0" u="none" strike="noStrike" kern="1200" baseline="0" dirty="0" smtClean="0">
+              <a:solidFill>
+                <a:schemeClr val="tx1"/>
+              </a:solidFill>
+              <a:latin typeface="Arial" panose="020B0604020202020204" pitchFamily="34" charset="0"/>
+              <a:ea typeface="+mn-ea"/>
+              <a:cs typeface="+mn-cs"/>
+            </a:endParaRPr>
+          </a:p>
+          <a:p>
+            <a:r>
+              <a:rPr lang="en-US" sz="1200" b="0" i="0" u="none" strike="noStrike" kern="1200" baseline="0" dirty="0" smtClean="0">
+                <a:solidFill>
+                  <a:schemeClr val="tx1"/>
+                </a:solidFill>
+                <a:latin typeface="Arial" panose="020B0604020202020204" pitchFamily="34" charset="0"/>
+                <a:ea typeface="+mn-ea"/>
+                <a:cs typeface="+mn-cs"/>
+              </a:rPr>
+              <a:t>Once we have the t statistic we can easily</a:t>
+            </a:r>
+          </a:p>
+          <a:p>
+            <a:r>
+              <a:rPr lang="en-US" sz="1200" b="0" i="0" u="none" strike="noStrike" kern="1200" baseline="0" dirty="0" smtClean="0">
+                <a:solidFill>
+                  <a:schemeClr val="tx1"/>
+                </a:solidFill>
+                <a:latin typeface="Arial" panose="020B0604020202020204" pitchFamily="34" charset="0"/>
+                <a:ea typeface="+mn-ea"/>
+                <a:cs typeface="+mn-cs"/>
+              </a:rPr>
+              <a:t>determine the p-value, which would determine whether we reject the null hypothesis with predefined</a:t>
+            </a:r>
+          </a:p>
+          <a:p>
+            <a:r>
+              <a:rPr lang="en-US" sz="1200" b="0" i="0" u="none" strike="noStrike" kern="1200" baseline="0" dirty="0" smtClean="0">
+                <a:solidFill>
+                  <a:schemeClr val="tx1"/>
+                </a:solidFill>
+                <a:latin typeface="Arial" panose="020B0604020202020204" pitchFamily="34" charset="0"/>
+                <a:ea typeface="+mn-ea"/>
+                <a:cs typeface="+mn-cs"/>
+              </a:rPr>
+              <a:t>significance level of 5%. We do this by calculating the probability of the t-distribution at the value</a:t>
+            </a:r>
+          </a:p>
+          <a:p>
+            <a:r>
+              <a:rPr lang="en-US" sz="1200" b="0" i="0" u="none" strike="noStrike" kern="1200" baseline="0" dirty="0" smtClean="0">
+                <a:solidFill>
+                  <a:schemeClr val="tx1"/>
+                </a:solidFill>
+                <a:latin typeface="Arial" panose="020B0604020202020204" pitchFamily="34" charset="0"/>
+                <a:ea typeface="+mn-ea"/>
+                <a:cs typeface="+mn-cs"/>
+              </a:rPr>
+              <a:t>of the t statistics at given number of degrees of freedom. In our case the degrees of freedom</a:t>
+            </a:r>
+          </a:p>
+          <a:p>
+            <a:r>
+              <a:rPr lang="en-US" sz="1200" b="0" i="0" u="none" strike="noStrike" kern="1200" baseline="0" dirty="0" smtClean="0">
+                <a:solidFill>
+                  <a:schemeClr val="tx1"/>
+                </a:solidFill>
+                <a:latin typeface="Arial" panose="020B0604020202020204" pitchFamily="34" charset="0"/>
+                <a:ea typeface="+mn-ea"/>
+                <a:cs typeface="+mn-cs"/>
+              </a:rPr>
+              <a:t>represent the difference between the number of samples and number of variables that are not fixed</a:t>
+            </a:r>
+          </a:p>
+          <a:p>
+            <a:r>
+              <a:rPr lang="en-US" sz="1200" b="0" i="0" u="none" strike="noStrike" kern="1200" baseline="0" dirty="0" smtClean="0">
+                <a:solidFill>
+                  <a:schemeClr val="tx1"/>
+                </a:solidFill>
+                <a:latin typeface="Arial" panose="020B0604020202020204" pitchFamily="34" charset="0"/>
+                <a:ea typeface="+mn-ea"/>
+                <a:cs typeface="+mn-cs"/>
+              </a:rPr>
+              <a:t>(2), so overall we have n􀀀2 degrees of freedom.</a:t>
+            </a:r>
+            <a:endParaRPr lang="en-GB" dirty="0"/>
+          </a:p>
+        </p:txBody>
+      </p:sp>
+      <p:sp>
+        <p:nvSpPr>
+          <p:cNvPr id="4" name="Slide Number Placeholder 3"/>
+          <p:cNvSpPr>
+            <a:spLocks noGrp="1"/>
+          </p:cNvSpPr>
+          <p:nvPr>
+            <p:ph type="sldNum" sz="quarter" idx="10"/>
+          </p:nvPr>
+        </p:nvSpPr>
+        <p:spPr/>
+        <p:txBody>
+          <a:bodyPr/>
+          <a:lstStyle/>
+          <a:p>
+            <a:fld id="{40023F21-9FC3-4A9C-B997-65C4C5BF9AFD}" type="slidenum">
+              <a:rPr lang="en-GB" altLang="en-US" smtClean="0"/>
+              <a:pPr/>
+              <a:t>8</a:t>
+            </a:fld>
+            <a:endParaRPr lang="en-GB" altLang="en-US"/>
+          </a:p>
+        </p:txBody>
+      </p:sp>
+    </p:spTree>
+    <p:extLst>
+      <p:ext uri="{BB962C8B-B14F-4D97-AF65-F5344CB8AC3E}">
+        <p14:creationId xmlns:p14="http://schemas.microsoft.com/office/powerpoint/2010/main" val="3663652575"/>
       </p:ext>
     </p:extLst>
   </p:cSld>
@@ -4680,7 +5693,7 @@
           <a:lstStyle/>
           <a:p>
             <a:r>
-              <a:rPr lang="en-US" altLang="en-US" dirty="0" smtClean="0"/>
+              <a:rPr lang="en-US" altLang="en-US" sz="2400" dirty="0" smtClean="0"/>
               <a:t>Text Mining and Semantic Technologies (ICT3)</a:t>
             </a:r>
           </a:p>
@@ -4701,7 +5714,6 @@
               <a:rPr lang="en-US" altLang="en-US" dirty="0" smtClean="0"/>
               <a:t> &amp; Miha Torkar</a:t>
             </a:r>
-            <a:endParaRPr lang="en-US" altLang="en-US" dirty="0" smtClean="0"/>
           </a:p>
           <a:p>
             <a:endParaRPr lang="en-US" altLang="en-US" dirty="0"/>
@@ -4757,20 +5769,79 @@
           <a:p>
             <a:r>
               <a:rPr lang="en-GB" dirty="0" smtClean="0"/>
-              <a:t>Conclusion and Future Work</a:t>
+              <a:t>Evaluation of Results</a:t>
             </a:r>
             <a:endParaRPr lang="en-GB" dirty="0"/>
           </a:p>
         </p:txBody>
       </p:sp>
-      <p:sp>
-        <p:nvSpPr>
-          <p:cNvPr id="3" name="Content Placeholder 2"/>
+      <p:pic>
+        <p:nvPicPr>
+          <p:cNvPr id="4" name="Content Placeholder 3" descr="Screen Clipping"/>
+          <p:cNvPicPr>
+            <a:picLocks noGrp="1" noChangeAspect="1"/>
+          </p:cNvPicPr>
+          <p:nvPr>
+            <p:ph idx="1"/>
+          </p:nvPr>
+        </p:nvPicPr>
+        <p:blipFill>
+          <a:blip r:embed="rId2">
+            <a:extLst>
+              <a:ext uri="{28A0092B-C50C-407E-A947-70E740481C1C}">
+                <a14:useLocalDpi xmlns:a14="http://schemas.microsoft.com/office/drawing/2010/main" val="0"/>
+              </a:ext>
+            </a:extLst>
+          </a:blip>
+          <a:stretch>
+            <a:fillRect/>
+          </a:stretch>
+        </p:blipFill>
+        <p:spPr>
+          <a:xfrm>
+            <a:off x="611560" y="2132856"/>
+            <a:ext cx="7643813" cy="3001094"/>
+          </a:xfrm>
+        </p:spPr>
+      </p:pic>
+    </p:spTree>
+    <p:extLst>
+      <p:ext uri="{BB962C8B-B14F-4D97-AF65-F5344CB8AC3E}">
+        <p14:creationId xmlns:p14="http://schemas.microsoft.com/office/powerpoint/2010/main" val="2066402308"/>
+      </p:ext>
+    </p:extLst>
+  </p:cSld>
+  <p:clrMapOvr>
+    <a:masterClrMapping/>
+  </p:clrMapOvr>
+</p:sld>
+</file>
+
+<file path=ppt/slides/slide11.xml><?xml version="1.0" encoding="utf-8"?>
+<p:sld xmlns:a="http://schemas.openxmlformats.org/drawingml/2006/main" xmlns:r="http://schemas.openxmlformats.org/officeDocument/2006/relationships" xmlns:p="http://schemas.openxmlformats.org/presentationml/2006/main">
+  <p:cSld>
+    <p:spTree>
+      <p:nvGrpSpPr>
+        <p:cNvPr id="1" name=""/>
+        <p:cNvGrpSpPr/>
+        <p:nvPr/>
+      </p:nvGrpSpPr>
+      <p:grpSpPr>
+        <a:xfrm>
+          <a:off x="0" y="0"/>
+          <a:ext cx="0" cy="0"/>
+          <a:chOff x="0" y="0"/>
+          <a:chExt cx="0" cy="0"/>
+        </a:xfrm>
+      </p:grpSpPr>
+      <p:sp>
+        <p:nvSpPr>
+          <p:cNvPr id="2" name="Title 1"/>
           <p:cNvSpPr>
             <a:spLocks noGrp="1"/>
           </p:cNvSpPr>
           <p:nvPr>
-            <p:ph idx="1"/>
+            <p:ph type="title"/>
           </p:nvPr>
         </p:nvSpPr>
         <p:spPr/>
@@ -4780,27 +5851,105 @@
           <a:p>
             <a:r>
               <a:rPr lang="en-GB" dirty="0" smtClean="0"/>
+              <a:t>Conclusion and Future Work</a:t>
+            </a:r>
+            <a:endParaRPr lang="en-GB" dirty="0"/>
+          </a:p>
+        </p:txBody>
+      </p:sp>
+      <p:sp>
+        <p:nvSpPr>
+          <p:cNvPr id="3" name="Content Placeholder 2"/>
+          <p:cNvSpPr>
+            <a:spLocks noGrp="1"/>
+          </p:cNvSpPr>
+          <p:nvPr>
+            <p:ph idx="1"/>
+          </p:nvPr>
+        </p:nvSpPr>
+        <p:spPr/>
+        <p:txBody>
+          <a:bodyPr/>
+          <a:lstStyle/>
+          <a:p>
+            <a:pPr>
+              <a:lnSpc>
+                <a:spcPct val="150000"/>
+              </a:lnSpc>
+            </a:pPr>
+            <a:r>
+              <a:rPr lang="en-GB" sz="2600" dirty="0" smtClean="0">
+                <a:solidFill>
+                  <a:schemeClr val="tx1">
+                    <a:lumMod val="95000"/>
+                    <a:lumOff val="5000"/>
+                  </a:schemeClr>
+                </a:solidFill>
+              </a:rPr>
               <a:t>Small but statistically significant trend for all concepts</a:t>
             </a:r>
           </a:p>
           <a:p>
-            <a:r>
-              <a:rPr lang="en-GB" dirty="0" smtClean="0"/>
+            <a:pPr>
+              <a:lnSpc>
+                <a:spcPct val="150000"/>
+              </a:lnSpc>
+            </a:pPr>
+            <a:r>
+              <a:rPr lang="en-GB" sz="2600" dirty="0" smtClean="0">
+                <a:solidFill>
+                  <a:schemeClr val="tx1">
+                    <a:lumMod val="95000"/>
+                    <a:lumOff val="5000"/>
+                  </a:schemeClr>
+                </a:solidFill>
+              </a:rPr>
               <a:t>Change time span</a:t>
             </a:r>
           </a:p>
           <a:p>
-            <a:r>
-              <a:rPr lang="en-GB" dirty="0" smtClean="0"/>
+            <a:pPr>
+              <a:lnSpc>
+                <a:spcPct val="150000"/>
+              </a:lnSpc>
+            </a:pPr>
+            <a:r>
+              <a:rPr lang="en-GB" sz="2600" dirty="0" smtClean="0">
+                <a:solidFill>
+                  <a:schemeClr val="tx1">
+                    <a:lumMod val="95000"/>
+                    <a:lumOff val="5000"/>
+                  </a:schemeClr>
+                </a:solidFill>
+              </a:rPr>
               <a:t>Normalization of concept counts</a:t>
             </a:r>
           </a:p>
           <a:p>
-            <a:r>
-              <a:rPr lang="en-GB" dirty="0" smtClean="0"/>
+            <a:pPr>
+              <a:lnSpc>
+                <a:spcPct val="150000"/>
+              </a:lnSpc>
+            </a:pPr>
+            <a:r>
+              <a:rPr lang="en-GB" sz="2600" dirty="0" smtClean="0">
+                <a:solidFill>
+                  <a:schemeClr val="tx1">
+                    <a:lumMod val="95000"/>
+                    <a:lumOff val="5000"/>
+                  </a:schemeClr>
+                </a:solidFill>
+              </a:rPr>
               <a:t>Find concepts with negative trend </a:t>
             </a:r>
-            <a:endParaRPr lang="en-GB" dirty="0"/>
+            <a:endParaRPr lang="en-GB" sz="2600" dirty="0">
+              <a:solidFill>
+                <a:schemeClr val="tx1">
+                  <a:lumMod val="95000"/>
+                  <a:lumOff val="5000"/>
+                </a:schemeClr>
+              </a:solidFill>
+            </a:endParaRPr>
           </a:p>
         </p:txBody>
       </p:sp>
@@ -4872,29 +6021,84 @@
           <a:bodyPr/>
           <a:lstStyle/>
           <a:p>
-            <a:r>
-              <a:rPr lang="en-US" altLang="en-US" dirty="0" smtClean="0"/>
+            <a:pPr>
+              <a:lnSpc>
+                <a:spcPct val="150000"/>
+              </a:lnSpc>
+            </a:pPr>
+            <a:r>
+              <a:rPr lang="en-US" altLang="en-US" sz="2600" dirty="0" smtClean="0">
+                <a:solidFill>
+                  <a:schemeClr val="tx1">
+                    <a:lumMod val="95000"/>
+                    <a:lumOff val="5000"/>
+                  </a:schemeClr>
+                </a:solidFill>
+              </a:rPr>
               <a:t>Articles about Donald Trump</a:t>
             </a:r>
           </a:p>
           <a:p>
-            <a:r>
-              <a:rPr lang="en-US" altLang="en-US" dirty="0" smtClean="0"/>
+            <a:pPr>
+              <a:lnSpc>
+                <a:spcPct val="150000"/>
+              </a:lnSpc>
+            </a:pPr>
+            <a:r>
+              <a:rPr lang="en-US" altLang="en-US" sz="2600" dirty="0" smtClean="0">
+                <a:solidFill>
+                  <a:schemeClr val="tx1">
+                    <a:lumMod val="95000"/>
+                    <a:lumOff val="5000"/>
+                  </a:schemeClr>
+                </a:solidFill>
+              </a:rPr>
               <a:t>Overall 2.2m articles (~20GB) from 1.1.2014 to 1.1.2017</a:t>
             </a:r>
           </a:p>
           <a:p>
-            <a:r>
-              <a:rPr lang="en-US" altLang="en-US" dirty="0" smtClean="0"/>
+            <a:pPr>
+              <a:lnSpc>
+                <a:spcPct val="150000"/>
+              </a:lnSpc>
+            </a:pPr>
+            <a:r>
+              <a:rPr lang="en-US" altLang="en-US" sz="2600" dirty="0" smtClean="0">
+                <a:solidFill>
+                  <a:schemeClr val="tx1">
+                    <a:lumMod val="95000"/>
+                    <a:lumOff val="5000"/>
+                  </a:schemeClr>
+                </a:solidFill>
+              </a:rPr>
               <a:t>Only English Articles</a:t>
             </a:r>
           </a:p>
           <a:p>
-            <a:r>
-              <a:rPr lang="en-US" altLang="en-US" dirty="0" smtClean="0"/>
+            <a:pPr>
+              <a:lnSpc>
+                <a:spcPct val="150000"/>
+              </a:lnSpc>
+            </a:pPr>
+            <a:r>
+              <a:rPr lang="en-US" altLang="en-US" sz="2600" dirty="0" smtClean="0">
+                <a:solidFill>
+                  <a:schemeClr val="tx1">
+                    <a:lumMod val="95000"/>
+                    <a:lumOff val="5000"/>
+                  </a:schemeClr>
+                </a:solidFill>
+              </a:rPr>
               <a:t>Source: Event Registry</a:t>
             </a:r>
-            <a:endParaRPr lang="en-US" altLang="en-US" dirty="0"/>
+            <a:endParaRPr lang="en-US" altLang="en-US" sz="2600" dirty="0">
+              <a:solidFill>
+                <a:schemeClr val="tx1">
+                  <a:lumMod val="95000"/>
+                  <a:lumOff val="5000"/>
+                </a:schemeClr>
+              </a:solidFill>
+            </a:endParaRPr>
           </a:p>
         </p:txBody>
       </p:sp>
@@ -4968,30 +6172,77 @@
           <a:bodyPr/>
           <a:lstStyle/>
           <a:p>
-            <a:pPr marL="514350" indent="-457200"/>
-            <a:r>
-              <a:rPr lang="en-GB" dirty="0" smtClean="0"/>
+            <a:pPr marL="514350" indent="-457200">
+              <a:lnSpc>
+                <a:spcPct val="150000"/>
+              </a:lnSpc>
+            </a:pPr>
+            <a:r>
+              <a:rPr lang="en-GB" sz="2600" dirty="0" smtClean="0">
+                <a:solidFill>
+                  <a:schemeClr val="tx1">
+                    <a:lumMod val="95000"/>
+                    <a:lumOff val="5000"/>
+                  </a:schemeClr>
+                </a:solidFill>
+              </a:rPr>
               <a:t>Obtained concepts in all articles </a:t>
             </a:r>
           </a:p>
           <a:p>
-            <a:pPr marL="514350" indent="-457200"/>
-            <a:r>
-              <a:rPr lang="en-GB" dirty="0" err="1" smtClean="0"/>
+            <a:pPr marL="514350" indent="-457200">
+              <a:lnSpc>
+                <a:spcPct val="150000"/>
+              </a:lnSpc>
+            </a:pPr>
+            <a:r>
+              <a:rPr lang="en-GB" sz="2600" dirty="0" err="1" smtClean="0">
+                <a:solidFill>
+                  <a:schemeClr val="tx1">
+                    <a:lumMod val="95000"/>
+                    <a:lumOff val="5000"/>
+                  </a:schemeClr>
+                </a:solidFill>
+              </a:rPr>
               <a:t>Wikification</a:t>
             </a:r>
             <a:r>
-              <a:rPr lang="en-GB" dirty="0" smtClean="0"/>
+              <a:rPr lang="en-GB" sz="2600" dirty="0" smtClean="0">
+                <a:solidFill>
+                  <a:schemeClr val="tx1">
+                    <a:lumMod val="95000"/>
+                    <a:lumOff val="5000"/>
+                  </a:schemeClr>
+                </a:solidFill>
+              </a:rPr>
               <a:t> of concepts for easier analysis </a:t>
             </a:r>
           </a:p>
           <a:p>
-            <a:pPr marL="514350" indent="-457200"/>
-            <a:r>
-              <a:rPr lang="en-GB" dirty="0" smtClean="0"/>
+            <a:pPr marL="514350" indent="-457200">
+              <a:lnSpc>
+                <a:spcPct val="150000"/>
+              </a:lnSpc>
+            </a:pPr>
+            <a:r>
+              <a:rPr lang="en-GB" sz="2600" dirty="0" smtClean="0">
+                <a:solidFill>
+                  <a:schemeClr val="tx1">
+                    <a:lumMod val="95000"/>
+                    <a:lumOff val="5000"/>
+                  </a:schemeClr>
+                </a:solidFill>
+              </a:rPr>
               <a:t>Stored in JSON file</a:t>
             </a:r>
-            <a:endParaRPr lang="en-GB" dirty="0"/>
+            <a:endParaRPr lang="en-GB" sz="2600" dirty="0">
+              <a:solidFill>
+                <a:schemeClr val="tx1">
+                  <a:lumMod val="95000"/>
+                  <a:lumOff val="5000"/>
+                </a:schemeClr>
+              </a:solidFill>
+            </a:endParaRPr>
           </a:p>
         </p:txBody>
       </p:sp>
@@ -5063,47 +6314,138 @@
           <a:bodyPr/>
           <a:lstStyle/>
           <a:p>
-            <a:r>
-              <a:rPr lang="en-GB" dirty="0" smtClean="0"/>
+            <a:pPr>
+              <a:lnSpc>
+                <a:spcPct val="150000"/>
+              </a:lnSpc>
+            </a:pPr>
+            <a:r>
+              <a:rPr lang="en-GB" sz="2600" dirty="0" smtClean="0">
+                <a:solidFill>
+                  <a:schemeClr val="tx1">
+                    <a:lumMod val="95000"/>
+                    <a:lumOff val="5000"/>
+                  </a:schemeClr>
+                </a:solidFill>
+              </a:rPr>
               <a:t>Abortion</a:t>
             </a:r>
           </a:p>
           <a:p>
-            <a:r>
-              <a:rPr lang="en-GB" dirty="0" smtClean="0"/>
+            <a:pPr>
+              <a:lnSpc>
+                <a:spcPct val="150000"/>
+              </a:lnSpc>
+            </a:pPr>
+            <a:r>
+              <a:rPr lang="en-GB" sz="2600" dirty="0" smtClean="0">
+                <a:solidFill>
+                  <a:schemeClr val="tx1">
+                    <a:lumMod val="95000"/>
+                    <a:lumOff val="5000"/>
+                  </a:schemeClr>
+                </a:solidFill>
+              </a:rPr>
               <a:t>Climate Change</a:t>
             </a:r>
           </a:p>
           <a:p>
-            <a:r>
-              <a:rPr lang="en-GB" dirty="0" smtClean="0"/>
+            <a:pPr>
+              <a:lnSpc>
+                <a:spcPct val="150000"/>
+              </a:lnSpc>
+            </a:pPr>
+            <a:r>
+              <a:rPr lang="en-GB" sz="2600" dirty="0" smtClean="0">
+                <a:solidFill>
+                  <a:schemeClr val="tx1">
+                    <a:lumMod val="95000"/>
+                    <a:lumOff val="5000"/>
+                  </a:schemeClr>
+                </a:solidFill>
+              </a:rPr>
               <a:t>Gay </a:t>
             </a:r>
           </a:p>
           <a:p>
-            <a:r>
-              <a:rPr lang="en-GB" dirty="0" smtClean="0"/>
+            <a:pPr>
+              <a:lnSpc>
+                <a:spcPct val="150000"/>
+              </a:lnSpc>
+            </a:pPr>
+            <a:r>
+              <a:rPr lang="en-GB" sz="2600" dirty="0" smtClean="0">
+                <a:solidFill>
+                  <a:schemeClr val="tx1">
+                    <a:lumMod val="95000"/>
+                    <a:lumOff val="5000"/>
+                  </a:schemeClr>
+                </a:solidFill>
+              </a:rPr>
               <a:t>Illegal Immigration</a:t>
             </a:r>
           </a:p>
           <a:p>
-            <a:r>
-              <a:rPr lang="en-GB" dirty="0" smtClean="0"/>
+            <a:pPr>
+              <a:lnSpc>
+                <a:spcPct val="150000"/>
+              </a:lnSpc>
+            </a:pPr>
+            <a:r>
+              <a:rPr lang="en-GB" sz="2600" dirty="0" smtClean="0">
+                <a:solidFill>
+                  <a:schemeClr val="tx1">
+                    <a:lumMod val="95000"/>
+                    <a:lumOff val="5000"/>
+                  </a:schemeClr>
+                </a:solidFill>
+              </a:rPr>
               <a:t>Mexico</a:t>
             </a:r>
           </a:p>
           <a:p>
-            <a:r>
-              <a:rPr lang="en-GB" dirty="0" smtClean="0"/>
+            <a:pPr>
+              <a:lnSpc>
+                <a:spcPct val="150000"/>
+              </a:lnSpc>
+            </a:pPr>
+            <a:r>
+              <a:rPr lang="en-GB" sz="2600" dirty="0" smtClean="0">
+                <a:solidFill>
+                  <a:schemeClr val="tx1">
+                    <a:lumMod val="95000"/>
+                    <a:lumOff val="5000"/>
+                  </a:schemeClr>
+                </a:solidFill>
+              </a:rPr>
               <a:t>Privacy</a:t>
             </a:r>
           </a:p>
           <a:p>
-            <a:r>
-              <a:rPr lang="en-GB" dirty="0" smtClean="0"/>
+            <a:pPr>
+              <a:lnSpc>
+                <a:spcPct val="150000"/>
+              </a:lnSpc>
+            </a:pPr>
+            <a:r>
+              <a:rPr lang="en-GB" sz="2600" dirty="0" smtClean="0">
+                <a:solidFill>
+                  <a:schemeClr val="tx1">
+                    <a:lumMod val="95000"/>
+                    <a:lumOff val="5000"/>
+                  </a:schemeClr>
+                </a:solidFill>
+              </a:rPr>
               <a:t>Wall Street</a:t>
             </a:r>
-            <a:endParaRPr lang="en-GB" dirty="0"/>
+            <a:endParaRPr lang="en-GB" sz="2600" dirty="0">
+              <a:solidFill>
+                <a:schemeClr val="tx1">
+                  <a:lumMod val="95000"/>
+                  <a:lumOff val="5000"/>
+                </a:schemeClr>
+              </a:solidFill>
+            </a:endParaRPr>
           </a:p>
         </p:txBody>
       </p:sp>
@@ -5160,25 +6502,34 @@
           </a:p>
         </p:txBody>
       </p:sp>
-      <p:sp>
-        <p:nvSpPr>
-          <p:cNvPr id="7" name="Content Placeholder 6"/>
-          <p:cNvSpPr>
-            <a:spLocks noGrp="1"/>
-          </p:cNvSpPr>
+      <p:pic>
+        <p:nvPicPr>
+          <p:cNvPr id="3" name="Content Placeholder 2"/>
+          <p:cNvPicPr>
+            <a:picLocks noGrp="1" noChangeAspect="1"/>
+          </p:cNvPicPr>
           <p:nvPr>
             <p:ph idx="1"/>
           </p:nvPr>
-        </p:nvSpPr>
-        <p:spPr/>
-        <p:txBody>
-          <a:bodyPr/>
-          <a:lstStyle/>
-          <a:p>
-            <a:endParaRPr lang="en-GB"/>
-          </a:p>
-        </p:txBody>
-      </p:sp>
+        </p:nvPicPr>
+        <p:blipFill rotWithShape="1">
+          <a:blip r:embed="rId3">
+            <a:extLst>
+              <a:ext uri="{28A0092B-C50C-407E-A947-70E740481C1C}">
+                <a14:useLocalDpi xmlns:a14="http://schemas.microsoft.com/office/drawing/2010/main" val="0"/>
+              </a:ext>
+            </a:extLst>
+          </a:blip>
+          <a:srcRect b="49577"/>
+          <a:stretch/>
+        </p:blipFill>
+        <p:spPr>
+          <a:xfrm>
+            <a:off x="804122" y="1700808"/>
+            <a:ext cx="6816618" cy="4175917"/>
+          </a:xfrm>
+        </p:spPr>
+      </p:pic>
     </p:spTree>
     <p:extLst>
       <p:ext uri="{BB962C8B-B14F-4D97-AF65-F5344CB8AC3E}">
@@ -5226,279 +6577,44 @@
           <a:p>
             <a:r>
               <a:rPr lang="en-GB" dirty="0" smtClean="0"/>
-              <a:t>Trend Detection - Model</a:t>
+              <a:t>Counts for Concepts</a:t>
             </a:r>
             <a:endParaRPr lang="en-GB" dirty="0"/>
           </a:p>
         </p:txBody>
       </p:sp>
-      <mc:AlternateContent xmlns:mc="http://schemas.openxmlformats.org/markup-compatibility/2006">
-        <mc:Choice xmlns:a14="http://schemas.microsoft.com/office/drawing/2010/main" Requires="a14">
-          <p:sp>
-            <p:nvSpPr>
-              <p:cNvPr id="3" name="Content Placeholder 2"/>
-              <p:cNvSpPr>
-                <a:spLocks noGrp="1"/>
-              </p:cNvSpPr>
-              <p:nvPr>
-                <p:ph idx="1"/>
-              </p:nvPr>
-            </p:nvSpPr>
-            <p:spPr/>
-            <p:txBody>
-              <a:bodyPr/>
-              <a:lstStyle/>
-              <a:p>
-                <a:r>
-                  <a:rPr lang="en-GB" dirty="0" smtClean="0"/>
-                  <a:t>Linear model: </a:t>
-                </a:r>
-                <a14:m>
-                  <m:oMath xmlns:m="http://schemas.openxmlformats.org/officeDocument/2006/math">
-                    <m:r>
-                      <a:rPr lang="en-GB" b="0" i="1" smtClean="0">
-                        <a:latin typeface="Cambria Math" panose="02040503050406030204" pitchFamily="18" charset="0"/>
-                      </a:rPr>
-                      <m:t>𝑦</m:t>
-                    </m:r>
-                    <m:r>
-                      <a:rPr lang="en-GB" b="0" i="1" smtClean="0">
-                        <a:latin typeface="Cambria Math" panose="02040503050406030204" pitchFamily="18" charset="0"/>
-                      </a:rPr>
-                      <m:t>=</m:t>
-                    </m:r>
-                    <m:r>
-                      <a:rPr lang="en-GB" b="0" i="1" smtClean="0">
-                        <a:latin typeface="Cambria Math" panose="02040503050406030204" pitchFamily="18" charset="0"/>
-                      </a:rPr>
-                      <m:t>𝛼</m:t>
-                    </m:r>
-                    <m:r>
-                      <a:rPr lang="en-GB" b="0" i="1" smtClean="0">
-                        <a:latin typeface="Cambria Math" panose="02040503050406030204" pitchFamily="18" charset="0"/>
-                      </a:rPr>
-                      <m:t>𝑥</m:t>
-                    </m:r>
-                    <m:r>
-                      <a:rPr lang="en-GB" b="0" i="1" smtClean="0">
-                        <a:latin typeface="Cambria Math" panose="02040503050406030204" pitchFamily="18" charset="0"/>
-                      </a:rPr>
-                      <m:t>+</m:t>
-                    </m:r>
-                    <m:r>
-                      <a:rPr lang="en-GB" b="0" i="1" smtClean="0">
-                        <a:latin typeface="Cambria Math" panose="02040503050406030204" pitchFamily="18" charset="0"/>
-                      </a:rPr>
-                      <m:t>𝑐</m:t>
-                    </m:r>
-                  </m:oMath>
-                </a14:m>
-                <a:endParaRPr lang="en-GB" dirty="0" smtClean="0"/>
-              </a:p>
-              <a:p>
-                <a:endParaRPr lang="en-GB" dirty="0"/>
-              </a:p>
-              <a:p>
-                <a:r>
-                  <a:rPr lang="en-GB" dirty="0" smtClean="0"/>
-                  <a:t>Hypothesis: </a:t>
-                </a:r>
-              </a:p>
-              <a:p>
-                <a:pPr lvl="1"/>
-                <a14:m>
-                  <m:oMath xmlns:m="http://schemas.openxmlformats.org/officeDocument/2006/math">
-                    <m:sSub>
-                      <m:sSubPr>
-                        <m:ctrlPr>
-                          <a:rPr lang="en-GB" b="0" i="1" smtClean="0">
-                            <a:latin typeface="Cambria Math" panose="02040503050406030204" pitchFamily="18" charset="0"/>
-                          </a:rPr>
-                        </m:ctrlPr>
-                      </m:sSubPr>
-                      <m:e>
-                        <m:r>
-                          <a:rPr lang="en-GB" b="0" i="1" smtClean="0">
-                            <a:latin typeface="Cambria Math" panose="02040503050406030204" pitchFamily="18" charset="0"/>
-                          </a:rPr>
-                          <m:t>𝐻</m:t>
-                        </m:r>
-                      </m:e>
-                      <m:sub>
-                        <m:r>
-                          <a:rPr lang="en-GB" b="0" i="1" smtClean="0">
-                            <a:latin typeface="Cambria Math" panose="02040503050406030204" pitchFamily="18" charset="0"/>
-                          </a:rPr>
-                          <m:t>0</m:t>
-                        </m:r>
-                      </m:sub>
-                    </m:sSub>
-                    <m:r>
-                      <a:rPr lang="en-GB" b="0" i="1" smtClean="0">
-                        <a:latin typeface="Cambria Math" panose="02040503050406030204" pitchFamily="18" charset="0"/>
-                      </a:rPr>
-                      <m:t> : </m:t>
-                    </m:r>
-                    <m:r>
-                      <a:rPr lang="en-GB" b="0" i="1" smtClean="0">
-                        <a:latin typeface="Cambria Math" panose="02040503050406030204" pitchFamily="18" charset="0"/>
-                      </a:rPr>
-                      <m:t>𝛼</m:t>
-                    </m:r>
-                    <m:r>
-                      <a:rPr lang="en-GB" b="0" i="1" smtClean="0">
-                        <a:latin typeface="Cambria Math" panose="02040503050406030204" pitchFamily="18" charset="0"/>
-                      </a:rPr>
-                      <m:t>=0</m:t>
-                    </m:r>
-                    <m:r>
-                      <a:rPr lang="en-GB" b="0" i="0" smtClean="0">
-                        <a:latin typeface="Cambria Math" panose="02040503050406030204" pitchFamily="18" charset="0"/>
-                      </a:rPr>
-                      <m:t>,</m:t>
-                    </m:r>
-                  </m:oMath>
-                </a14:m>
-                <a:r>
-                  <a:rPr lang="en-GB" dirty="0" smtClean="0"/>
-                  <a:t> no trend</a:t>
-                </a:r>
-              </a:p>
-              <a:p>
-                <a:pPr lvl="1"/>
-                <a14:m>
-                  <m:oMath xmlns:m="http://schemas.openxmlformats.org/officeDocument/2006/math">
-                    <m:sSub>
-                      <m:sSubPr>
-                        <m:ctrlPr>
-                          <a:rPr lang="en-GB" i="1">
-                            <a:latin typeface="Cambria Math" panose="02040503050406030204" pitchFamily="18" charset="0"/>
-                          </a:rPr>
-                        </m:ctrlPr>
-                      </m:sSubPr>
-                      <m:e>
-                        <m:r>
-                          <a:rPr lang="en-GB" i="1">
-                            <a:latin typeface="Cambria Math" panose="02040503050406030204" pitchFamily="18" charset="0"/>
-                          </a:rPr>
-                          <m:t>𝐻</m:t>
-                        </m:r>
-                      </m:e>
-                      <m:sub>
-                        <m:r>
-                          <a:rPr lang="en-GB" b="0" i="1" smtClean="0">
-                            <a:latin typeface="Cambria Math" panose="02040503050406030204" pitchFamily="18" charset="0"/>
-                          </a:rPr>
-                          <m:t>1</m:t>
-                        </m:r>
-                      </m:sub>
-                    </m:sSub>
-                    <m:r>
-                      <a:rPr lang="en-GB" i="1">
-                        <a:latin typeface="Cambria Math" panose="02040503050406030204" pitchFamily="18" charset="0"/>
-                      </a:rPr>
-                      <m:t> : </m:t>
-                    </m:r>
-                    <m:r>
-                      <a:rPr lang="en-GB" i="1">
-                        <a:latin typeface="Cambria Math" panose="02040503050406030204" pitchFamily="18" charset="0"/>
-                      </a:rPr>
-                      <m:t>𝛼</m:t>
-                    </m:r>
-                    <m:r>
-                      <a:rPr lang="en-GB" b="0" i="1" smtClean="0">
-                        <a:latin typeface="Cambria Math" panose="02040503050406030204" pitchFamily="18" charset="0"/>
-                      </a:rPr>
-                      <m:t>≠</m:t>
-                    </m:r>
-                    <m:r>
-                      <a:rPr lang="en-GB" i="1">
-                        <a:latin typeface="Cambria Math" panose="02040503050406030204" pitchFamily="18" charset="0"/>
-                      </a:rPr>
-                      <m:t>0</m:t>
-                    </m:r>
-                    <m:r>
-                      <a:rPr lang="en-GB">
-                        <a:latin typeface="Cambria Math" panose="02040503050406030204" pitchFamily="18" charset="0"/>
-                      </a:rPr>
-                      <m:t>,</m:t>
-                    </m:r>
-                  </m:oMath>
-                </a14:m>
-                <a:r>
-                  <a:rPr lang="en-GB" dirty="0"/>
-                  <a:t> </a:t>
-                </a:r>
-                <a:r>
-                  <a:rPr lang="en-GB" dirty="0" smtClean="0"/>
-                  <a:t>some trend</a:t>
-                </a:r>
-              </a:p>
-              <a:p>
-                <a:endParaRPr lang="en-GB" dirty="0"/>
-              </a:p>
-              <a:p>
-                <a:r>
-                  <a:rPr lang="en-GB" dirty="0" smtClean="0"/>
-                  <a:t>Obtained </a:t>
-                </a:r>
-                <a14:m>
-                  <m:oMath xmlns:m="http://schemas.openxmlformats.org/officeDocument/2006/math">
-                    <m:r>
-                      <a:rPr lang="en-GB" i="1">
-                        <a:latin typeface="Cambria Math" panose="02040503050406030204" pitchFamily="18" charset="0"/>
-                      </a:rPr>
-                      <m:t>𝛼</m:t>
-                    </m:r>
-                  </m:oMath>
-                </a14:m>
-                <a:r>
-                  <a:rPr lang="en-GB" dirty="0" smtClean="0"/>
-                  <a:t> with OLS</a:t>
-                </a:r>
-                <a:endParaRPr lang="en-GB" dirty="0"/>
-              </a:p>
-            </p:txBody>
-          </p:sp>
-        </mc:Choice>
-        <mc:Fallback>
-          <p:sp>
-            <p:nvSpPr>
-              <p:cNvPr id="3" name="Content Placeholder 2"/>
-              <p:cNvSpPr>
-                <a:spLocks noGrp="1" noRot="1" noChangeAspect="1" noMove="1" noResize="1" noEditPoints="1" noAdjustHandles="1" noChangeArrowheads="1" noChangeShapeType="1" noTextEdit="1"/>
-              </p:cNvSpPr>
-              <p:nvPr>
-                <p:ph idx="1"/>
-              </p:nvPr>
-            </p:nvSpPr>
-            <p:spPr>
-              <a:blipFill>
-                <a:blip r:embed="rId2"/>
-                <a:stretch>
-                  <a:fillRect l="-1834" t="-1733"/>
-                </a:stretch>
-              </a:blipFill>
-            </p:spPr>
-            <p:txBody>
-              <a:bodyPr/>
-              <a:lstStyle/>
-              <a:p>
-                <a:r>
-                  <a:rPr lang="en-GB">
-                    <a:noFill/>
-                  </a:rPr>
-                  <a:t> </a:t>
-                </a:r>
-              </a:p>
-            </p:txBody>
-          </p:sp>
-        </mc:Fallback>
-      </mc:AlternateContent>
+      <p:pic>
+        <p:nvPicPr>
+          <p:cNvPr id="5" name="Content Placeholder 4"/>
+          <p:cNvPicPr>
+            <a:picLocks noGrp="1" noChangeAspect="1"/>
+          </p:cNvPicPr>
+          <p:nvPr>
+            <p:ph idx="1"/>
+          </p:nvPr>
+        </p:nvPicPr>
+        <p:blipFill rotWithShape="1">
+          <a:blip r:embed="rId3">
+            <a:extLst>
+              <a:ext uri="{28A0092B-C50C-407E-A947-70E740481C1C}">
+                <a14:useLocalDpi xmlns:a14="http://schemas.microsoft.com/office/drawing/2010/main" val="0"/>
+              </a:ext>
+            </a:extLst>
+          </a:blip>
+          <a:srcRect t="48846"/>
+          <a:stretch/>
+        </p:blipFill>
+        <p:spPr>
+          <a:xfrm>
+            <a:off x="652173" y="1700808"/>
+            <a:ext cx="7120516" cy="4425355"/>
+          </a:xfrm>
+        </p:spPr>
+      </p:pic>
     </p:spTree>
     <p:extLst>
       <p:ext uri="{BB962C8B-B14F-4D97-AF65-F5344CB8AC3E}">
-        <p14:creationId xmlns:p14="http://schemas.microsoft.com/office/powerpoint/2010/main" val="294989467"/>
+        <p14:creationId xmlns:p14="http://schemas.microsoft.com/office/powerpoint/2010/main" val="1244593010"/>
       </p:ext>
     </p:extLst>
   </p:cSld>
@@ -5542,6 +6658,531 @@
           <a:p>
             <a:r>
               <a:rPr lang="en-GB" dirty="0" smtClean="0"/>
+              <a:t>Trend Detection - Model</a:t>
+            </a:r>
+            <a:endParaRPr lang="en-GB" dirty="0"/>
+          </a:p>
+        </p:txBody>
+      </p:sp>
+      <mc:AlternateContent xmlns:mc="http://schemas.openxmlformats.org/markup-compatibility/2006" xmlns:a14="http://schemas.microsoft.com/office/drawing/2010/main">
+        <mc:Choice Requires="a14">
+          <p:sp>
+            <p:nvSpPr>
+              <p:cNvPr id="3" name="Content Placeholder 2"/>
+              <p:cNvSpPr>
+                <a:spLocks noGrp="1"/>
+              </p:cNvSpPr>
+              <p:nvPr>
+                <p:ph idx="1"/>
+              </p:nvPr>
+            </p:nvSpPr>
+            <p:spPr/>
+            <p:txBody>
+              <a:bodyPr/>
+              <a:lstStyle/>
+              <a:p>
+                <a:r>
+                  <a:rPr lang="en-GB" dirty="0" smtClean="0">
+                    <a:solidFill>
+                      <a:schemeClr val="tx1">
+                        <a:lumMod val="95000"/>
+                        <a:lumOff val="5000"/>
+                      </a:schemeClr>
+                    </a:solidFill>
+                  </a:rPr>
+                  <a:t>Linear model: </a:t>
+                </a:r>
+                <a14:m>
+                  <m:oMath xmlns:m="http://schemas.openxmlformats.org/officeDocument/2006/math">
+                    <m:r>
+                      <a:rPr lang="en-GB" b="0" i="1" smtClean="0">
+                        <a:solidFill>
+                          <a:schemeClr val="tx1">
+                            <a:lumMod val="95000"/>
+                            <a:lumOff val="5000"/>
+                          </a:schemeClr>
+                        </a:solidFill>
+                        <a:latin typeface="Cambria Math" panose="02040503050406030204" pitchFamily="18" charset="0"/>
+                      </a:rPr>
+                      <m:t>𝑦</m:t>
+                    </m:r>
+                    <m:r>
+                      <a:rPr lang="en-GB" b="0" i="1" smtClean="0">
+                        <a:solidFill>
+                          <a:schemeClr val="tx1">
+                            <a:lumMod val="95000"/>
+                            <a:lumOff val="5000"/>
+                          </a:schemeClr>
+                        </a:solidFill>
+                        <a:latin typeface="Cambria Math" panose="02040503050406030204" pitchFamily="18" charset="0"/>
+                      </a:rPr>
+                      <m:t>=</m:t>
+                    </m:r>
+                    <m:r>
+                      <a:rPr lang="en-GB" b="0" i="1" smtClean="0">
+                        <a:solidFill>
+                          <a:schemeClr val="tx1">
+                            <a:lumMod val="95000"/>
+                            <a:lumOff val="5000"/>
+                          </a:schemeClr>
+                        </a:solidFill>
+                        <a:latin typeface="Cambria Math" panose="02040503050406030204" pitchFamily="18" charset="0"/>
+                      </a:rPr>
+                      <m:t>𝛼</m:t>
+                    </m:r>
+                    <m:r>
+                      <a:rPr lang="en-GB" b="0" i="1" smtClean="0">
+                        <a:solidFill>
+                          <a:schemeClr val="tx1">
+                            <a:lumMod val="95000"/>
+                            <a:lumOff val="5000"/>
+                          </a:schemeClr>
+                        </a:solidFill>
+                        <a:latin typeface="Cambria Math" panose="02040503050406030204" pitchFamily="18" charset="0"/>
+                      </a:rPr>
+                      <m:t>𝑥</m:t>
+                    </m:r>
+                    <m:r>
+                      <a:rPr lang="en-GB" b="0" i="1" smtClean="0">
+                        <a:solidFill>
+                          <a:schemeClr val="tx1">
+                            <a:lumMod val="95000"/>
+                            <a:lumOff val="5000"/>
+                          </a:schemeClr>
+                        </a:solidFill>
+                        <a:latin typeface="Cambria Math" panose="02040503050406030204" pitchFamily="18" charset="0"/>
+                      </a:rPr>
+                      <m:t>+</m:t>
+                    </m:r>
+                    <m:r>
+                      <a:rPr lang="en-GB" b="0" i="1" smtClean="0">
+                        <a:solidFill>
+                          <a:schemeClr val="tx1">
+                            <a:lumMod val="95000"/>
+                            <a:lumOff val="5000"/>
+                          </a:schemeClr>
+                        </a:solidFill>
+                        <a:latin typeface="Cambria Math" panose="02040503050406030204" pitchFamily="18" charset="0"/>
+                      </a:rPr>
+                      <m:t>𝑐</m:t>
+                    </m:r>
+                  </m:oMath>
+                </a14:m>
+                <a:endParaRPr lang="en-GB" dirty="0" smtClean="0">
+                  <a:solidFill>
+                    <a:schemeClr val="tx1">
+                      <a:lumMod val="95000"/>
+                      <a:lumOff val="5000"/>
+                    </a:schemeClr>
+                  </a:solidFill>
+                </a:endParaRPr>
+              </a:p>
+              <a:p>
+                <a:endParaRPr lang="en-GB" dirty="0">
+                  <a:solidFill>
+                    <a:schemeClr val="tx1">
+                      <a:lumMod val="95000"/>
+                      <a:lumOff val="5000"/>
+                    </a:schemeClr>
+                  </a:solidFill>
+                </a:endParaRPr>
+              </a:p>
+              <a:p>
+                <a:r>
+                  <a:rPr lang="en-GB" dirty="0" smtClean="0">
+                    <a:solidFill>
+                      <a:schemeClr val="tx1">
+                        <a:lumMod val="95000"/>
+                        <a:lumOff val="5000"/>
+                      </a:schemeClr>
+                    </a:solidFill>
+                  </a:rPr>
+                  <a:t>Hypothesis: </a:t>
+                </a:r>
+              </a:p>
+              <a:p>
+                <a:pPr lvl="1"/>
+                <a14:m>
+                  <m:oMath xmlns:m="http://schemas.openxmlformats.org/officeDocument/2006/math">
+                    <m:sSub>
+                      <m:sSubPr>
+                        <m:ctrlPr>
+                          <a:rPr lang="en-GB" b="0" i="1" smtClean="0">
+                            <a:solidFill>
+                              <a:schemeClr val="tx1">
+                                <a:lumMod val="95000"/>
+                                <a:lumOff val="5000"/>
+                              </a:schemeClr>
+                            </a:solidFill>
+                            <a:latin typeface="Cambria Math" panose="02040503050406030204" pitchFamily="18" charset="0"/>
+                          </a:rPr>
+                        </m:ctrlPr>
+                      </m:sSubPr>
+                      <m:e>
+                        <m:r>
+                          <a:rPr lang="en-GB" b="0" i="1" smtClean="0">
+                            <a:solidFill>
+                              <a:schemeClr val="tx1">
+                                <a:lumMod val="95000"/>
+                                <a:lumOff val="5000"/>
+                              </a:schemeClr>
+                            </a:solidFill>
+                            <a:latin typeface="Cambria Math" panose="02040503050406030204" pitchFamily="18" charset="0"/>
+                          </a:rPr>
+                          <m:t>𝐻</m:t>
+                        </m:r>
+                      </m:e>
+                      <m:sub>
+                        <m:r>
+                          <a:rPr lang="en-GB" b="0" i="1" smtClean="0">
+                            <a:solidFill>
+                              <a:schemeClr val="tx1">
+                                <a:lumMod val="95000"/>
+                                <a:lumOff val="5000"/>
+                              </a:schemeClr>
+                            </a:solidFill>
+                            <a:latin typeface="Cambria Math" panose="02040503050406030204" pitchFamily="18" charset="0"/>
+                          </a:rPr>
+                          <m:t>0</m:t>
+                        </m:r>
+                      </m:sub>
+                    </m:sSub>
+                    <m:r>
+                      <a:rPr lang="en-GB" b="0" i="1" smtClean="0">
+                        <a:solidFill>
+                          <a:schemeClr val="tx1">
+                            <a:lumMod val="95000"/>
+                            <a:lumOff val="5000"/>
+                          </a:schemeClr>
+                        </a:solidFill>
+                        <a:latin typeface="Cambria Math" panose="02040503050406030204" pitchFamily="18" charset="0"/>
+                      </a:rPr>
+                      <m:t> : </m:t>
+                    </m:r>
+                    <m:r>
+                      <a:rPr lang="en-GB" b="0" i="1" smtClean="0">
+                        <a:solidFill>
+                          <a:schemeClr val="tx1">
+                            <a:lumMod val="95000"/>
+                            <a:lumOff val="5000"/>
+                          </a:schemeClr>
+                        </a:solidFill>
+                        <a:latin typeface="Cambria Math" panose="02040503050406030204" pitchFamily="18" charset="0"/>
+                      </a:rPr>
+                      <m:t>𝛼</m:t>
+                    </m:r>
+                    <m:r>
+                      <a:rPr lang="en-GB" b="0" i="1" smtClean="0">
+                        <a:solidFill>
+                          <a:schemeClr val="tx1">
+                            <a:lumMod val="95000"/>
+                            <a:lumOff val="5000"/>
+                          </a:schemeClr>
+                        </a:solidFill>
+                        <a:latin typeface="Cambria Math" panose="02040503050406030204" pitchFamily="18" charset="0"/>
+                      </a:rPr>
+                      <m:t>=0</m:t>
+                    </m:r>
+                    <m:r>
+                      <a:rPr lang="en-GB" b="0" i="0" smtClean="0">
+                        <a:solidFill>
+                          <a:schemeClr val="tx1">
+                            <a:lumMod val="95000"/>
+                            <a:lumOff val="5000"/>
+                          </a:schemeClr>
+                        </a:solidFill>
+                        <a:latin typeface="Cambria Math" panose="02040503050406030204" pitchFamily="18" charset="0"/>
+                      </a:rPr>
+                      <m:t>,</m:t>
+                    </m:r>
+                  </m:oMath>
+                </a14:m>
+                <a:r>
+                  <a:rPr lang="en-GB" dirty="0" smtClean="0">
+                    <a:solidFill>
+                      <a:schemeClr val="tx1">
+                        <a:lumMod val="95000"/>
+                        <a:lumOff val="5000"/>
+                      </a:schemeClr>
+                    </a:solidFill>
+                  </a:rPr>
+                  <a:t> no trend</a:t>
+                </a:r>
+              </a:p>
+              <a:p>
+                <a:pPr lvl="1"/>
+                <a14:m>
+                  <m:oMath xmlns:m="http://schemas.openxmlformats.org/officeDocument/2006/math">
+                    <m:sSub>
+                      <m:sSubPr>
+                        <m:ctrlPr>
+                          <a:rPr lang="en-GB" i="1">
+                            <a:solidFill>
+                              <a:schemeClr val="tx1">
+                                <a:lumMod val="95000"/>
+                                <a:lumOff val="5000"/>
+                              </a:schemeClr>
+                            </a:solidFill>
+                            <a:latin typeface="Cambria Math" panose="02040503050406030204" pitchFamily="18" charset="0"/>
+                          </a:rPr>
+                        </m:ctrlPr>
+                      </m:sSubPr>
+                      <m:e>
+                        <m:r>
+                          <a:rPr lang="en-GB" i="1">
+                            <a:solidFill>
+                              <a:schemeClr val="tx1">
+                                <a:lumMod val="95000"/>
+                                <a:lumOff val="5000"/>
+                              </a:schemeClr>
+                            </a:solidFill>
+                            <a:latin typeface="Cambria Math" panose="02040503050406030204" pitchFamily="18" charset="0"/>
+                          </a:rPr>
+                          <m:t>𝐻</m:t>
+                        </m:r>
+                      </m:e>
+                      <m:sub>
+                        <m:r>
+                          <a:rPr lang="en-GB" b="0" i="1" smtClean="0">
+                            <a:solidFill>
+                              <a:schemeClr val="tx1">
+                                <a:lumMod val="95000"/>
+                                <a:lumOff val="5000"/>
+                              </a:schemeClr>
+                            </a:solidFill>
+                            <a:latin typeface="Cambria Math" panose="02040503050406030204" pitchFamily="18" charset="0"/>
+                          </a:rPr>
+                          <m:t>1</m:t>
+                        </m:r>
+                      </m:sub>
+                    </m:sSub>
+                    <m:r>
+                      <a:rPr lang="en-GB" i="1">
+                        <a:solidFill>
+                          <a:schemeClr val="tx1">
+                            <a:lumMod val="95000"/>
+                            <a:lumOff val="5000"/>
+                          </a:schemeClr>
+                        </a:solidFill>
+                        <a:latin typeface="Cambria Math" panose="02040503050406030204" pitchFamily="18" charset="0"/>
+                      </a:rPr>
+                      <m:t> : </m:t>
+                    </m:r>
+                    <m:r>
+                      <a:rPr lang="en-GB" i="1">
+                        <a:solidFill>
+                          <a:schemeClr val="tx1">
+                            <a:lumMod val="95000"/>
+                            <a:lumOff val="5000"/>
+                          </a:schemeClr>
+                        </a:solidFill>
+                        <a:latin typeface="Cambria Math" panose="02040503050406030204" pitchFamily="18" charset="0"/>
+                      </a:rPr>
+                      <m:t>𝛼</m:t>
+                    </m:r>
+                    <m:r>
+                      <a:rPr lang="en-GB" b="0" i="1" smtClean="0">
+                        <a:solidFill>
+                          <a:schemeClr val="tx1">
+                            <a:lumMod val="95000"/>
+                            <a:lumOff val="5000"/>
+                          </a:schemeClr>
+                        </a:solidFill>
+                        <a:latin typeface="Cambria Math" panose="02040503050406030204" pitchFamily="18" charset="0"/>
+                      </a:rPr>
+                      <m:t>≠</m:t>
+                    </m:r>
+                    <m:r>
+                      <a:rPr lang="en-GB" i="1">
+                        <a:solidFill>
+                          <a:schemeClr val="tx1">
+                            <a:lumMod val="95000"/>
+                            <a:lumOff val="5000"/>
+                          </a:schemeClr>
+                        </a:solidFill>
+                        <a:latin typeface="Cambria Math" panose="02040503050406030204" pitchFamily="18" charset="0"/>
+                      </a:rPr>
+                      <m:t>0</m:t>
+                    </m:r>
+                    <m:r>
+                      <a:rPr lang="en-GB">
+                        <a:solidFill>
+                          <a:schemeClr val="tx1">
+                            <a:lumMod val="95000"/>
+                            <a:lumOff val="5000"/>
+                          </a:schemeClr>
+                        </a:solidFill>
+                        <a:latin typeface="Cambria Math" panose="02040503050406030204" pitchFamily="18" charset="0"/>
+                      </a:rPr>
+                      <m:t>,</m:t>
+                    </m:r>
+                  </m:oMath>
+                </a14:m>
+                <a:r>
+                  <a:rPr lang="en-GB" dirty="0">
+                    <a:solidFill>
+                      <a:schemeClr val="tx1">
+                        <a:lumMod val="95000"/>
+                        <a:lumOff val="5000"/>
+                      </a:schemeClr>
+                    </a:solidFill>
+                  </a:rPr>
+                  <a:t> </a:t>
+                </a:r>
+                <a:r>
+                  <a:rPr lang="en-GB" dirty="0" smtClean="0">
+                    <a:solidFill>
+                      <a:schemeClr val="tx1">
+                        <a:lumMod val="95000"/>
+                        <a:lumOff val="5000"/>
+                      </a:schemeClr>
+                    </a:solidFill>
+                  </a:rPr>
+                  <a:t>some trend</a:t>
+                </a:r>
+              </a:p>
+              <a:p>
+                <a:endParaRPr lang="en-GB" dirty="0">
+                  <a:solidFill>
+                    <a:schemeClr val="tx1">
+                      <a:lumMod val="95000"/>
+                      <a:lumOff val="5000"/>
+                    </a:schemeClr>
+                  </a:solidFill>
+                </a:endParaRPr>
+              </a:p>
+              <a:p>
+                <a:r>
+                  <a:rPr lang="en-GB" dirty="0" smtClean="0">
+                    <a:solidFill>
+                      <a:schemeClr val="tx1">
+                        <a:lumMod val="95000"/>
+                        <a:lumOff val="5000"/>
+                      </a:schemeClr>
+                    </a:solidFill>
+                  </a:rPr>
+                  <a:t>Obtained </a:t>
+                </a:r>
+                <a14:m>
+                  <m:oMath xmlns:m="http://schemas.openxmlformats.org/officeDocument/2006/math">
+                    <m:r>
+                      <a:rPr lang="en-GB" i="1">
+                        <a:solidFill>
+                          <a:schemeClr val="tx1">
+                            <a:lumMod val="95000"/>
+                            <a:lumOff val="5000"/>
+                          </a:schemeClr>
+                        </a:solidFill>
+                        <a:latin typeface="Cambria Math" panose="02040503050406030204" pitchFamily="18" charset="0"/>
+                      </a:rPr>
+                      <m:t>𝛼</m:t>
+                    </m:r>
+                  </m:oMath>
+                </a14:m>
+                <a:r>
+                  <a:rPr lang="en-GB" dirty="0" smtClean="0">
+                    <a:solidFill>
+                      <a:schemeClr val="tx1">
+                        <a:lumMod val="95000"/>
+                        <a:lumOff val="5000"/>
+                      </a:schemeClr>
+                    </a:solidFill>
+                  </a:rPr>
+                  <a:t> with OLS</a:t>
+                </a:r>
+                <a:endParaRPr lang="en-GB" dirty="0">
+                  <a:solidFill>
+                    <a:schemeClr val="tx1">
+                      <a:lumMod val="95000"/>
+                      <a:lumOff val="5000"/>
+                    </a:schemeClr>
+                  </a:solidFill>
+                </a:endParaRPr>
+              </a:p>
+            </p:txBody>
+          </p:sp>
+        </mc:Choice>
+        <mc:Fallback xmlns="">
+          <p:sp>
+            <p:nvSpPr>
+              <p:cNvPr id="3" name="Content Placeholder 2"/>
+              <p:cNvSpPr>
+                <a:spLocks noGrp="1" noRot="1" noChangeAspect="1" noMove="1" noResize="1" noEditPoints="1" noAdjustHandles="1" noChangeArrowheads="1" noChangeShapeType="1" noTextEdit="1"/>
+              </p:cNvSpPr>
+              <p:nvPr>
+                <p:ph idx="1"/>
+              </p:nvPr>
+            </p:nvSpPr>
+            <p:spPr>
+              <a:blipFill rotWithShape="0">
+                <a:blip r:embed="rId3"/>
+                <a:stretch>
+                  <a:fillRect l="-1834" t="-1733"/>
+                </a:stretch>
+              </a:blipFill>
+            </p:spPr>
+            <p:txBody>
+              <a:bodyPr/>
+              <a:lstStyle/>
+              <a:p>
+                <a:r>
+                  <a:rPr lang="sl-SI">
+                    <a:noFill/>
+                  </a:rPr>
+                  <a:t> </a:t>
+                </a:r>
+              </a:p>
+            </p:txBody>
+          </p:sp>
+        </mc:Fallback>
+      </mc:AlternateContent>
+    </p:spTree>
+    <p:extLst>
+      <p:ext uri="{BB962C8B-B14F-4D97-AF65-F5344CB8AC3E}">
+        <p14:creationId xmlns:p14="http://schemas.microsoft.com/office/powerpoint/2010/main" val="294989467"/>
+      </p:ext>
+    </p:extLst>
+  </p:cSld>
+  <p:clrMapOvr>
+    <a:masterClrMapping/>
+  </p:clrMapOvr>
+</p:sld>
+</file>
+
+<file path=ppt/slides/slide8.xml><?xml version="1.0" encoding="utf-8"?>
+<p:sld xmlns:a="http://schemas.openxmlformats.org/drawingml/2006/main" xmlns:r="http://schemas.openxmlformats.org/officeDocument/2006/relationships" xmlns:p="http://schemas.openxmlformats.org/presentationml/2006/main">
+  <p:cSld>
+    <p:spTree>
+      <p:nvGrpSpPr>
+        <p:cNvPr id="1" name=""/>
+        <p:cNvGrpSpPr/>
+        <p:nvPr/>
+      </p:nvGrpSpPr>
+      <p:grpSpPr>
+        <a:xfrm>
+          <a:off x="0" y="0"/>
+          <a:ext cx="0" cy="0"/>
+          <a:chOff x="0" y="0"/>
+          <a:chExt cx="0" cy="0"/>
+        </a:xfrm>
+      </p:grpSpPr>
+      <p:sp>
+        <p:nvSpPr>
+          <p:cNvPr id="2" name="Title 1"/>
+          <p:cNvSpPr>
+            <a:spLocks noGrp="1"/>
+          </p:cNvSpPr>
+          <p:nvPr>
+            <p:ph type="title"/>
+          </p:nvPr>
+        </p:nvSpPr>
+        <p:spPr/>
+        <p:txBody>
+          <a:bodyPr/>
+          <a:lstStyle/>
+          <a:p>
+            <a:r>
+              <a:rPr lang="en-GB" dirty="0" smtClean="0"/>
               <a:t>Tests</a:t>
             </a:r>
             <a:endParaRPr lang="en-GB" dirty="0"/>
@@ -5559,7 +7200,7 @@
           </p:nvPr>
         </p:nvPicPr>
         <p:blipFill>
-          <a:blip r:embed="rId2">
+          <a:blip r:embed="rId3">
             <a:extLst>
               <a:ext uri="{28A0092B-C50C-407E-A947-70E740481C1C}">
                 <a14:useLocalDpi xmlns:a14="http://schemas.microsoft.com/office/drawing/2010/main" val="0"/>
@@ -5590,7 +7231,7 @@
 </p:sld>
 </file>
 
-<file path=ppt/slides/slide8.xml><?xml version="1.0" encoding="utf-8"?>
+<file path=ppt/slides/slide9.xml><?xml version="1.0" encoding="utf-8"?>
 <p:sld xmlns:a="http://schemas.openxmlformats.org/drawingml/2006/main" xmlns:r="http://schemas.openxmlformats.org/officeDocument/2006/relationships" xmlns:p="http://schemas.openxmlformats.org/presentationml/2006/main">
   <p:cSld>
     <p:spTree>
@@ -5723,88 +7364,6 @@
     <p:extLst>
       <p:ext uri="{BB962C8B-B14F-4D97-AF65-F5344CB8AC3E}">
         <p14:creationId xmlns:p14="http://schemas.microsoft.com/office/powerpoint/2010/main" val="3654617050"/>
-      </p:ext>
-    </p:extLst>
-  </p:cSld>
-  <p:clrMapOvr>
-    <a:masterClrMapping/>
-  </p:clrMapOvr>
-</p:sld>
-</file>
-
-<file path=ppt/slides/slide9.xml><?xml version="1.0" encoding="utf-8"?>
-<p:sld xmlns:a="http://schemas.openxmlformats.org/drawingml/2006/main" xmlns:r="http://schemas.openxmlformats.org/officeDocument/2006/relationships" xmlns:p="http://schemas.openxmlformats.org/presentationml/2006/main">
-  <p:cSld>
-    <p:spTree>
-      <p:nvGrpSpPr>
-        <p:cNvPr id="1" name=""/>
-        <p:cNvGrpSpPr/>
-        <p:nvPr/>
-      </p:nvGrpSpPr>
-      <p:grpSpPr>
-        <a:xfrm>
-          <a:off x="0" y="0"/>
-          <a:ext cx="0" cy="0"/>
-          <a:chOff x="0" y="0"/>
-          <a:chExt cx="0" cy="0"/>
-        </a:xfrm>
-      </p:grpSpPr>
-      <p:sp>
-        <p:nvSpPr>
-          <p:cNvPr id="2" name="Title 1"/>
-          <p:cNvSpPr>
-            <a:spLocks noGrp="1"/>
-          </p:cNvSpPr>
-          <p:nvPr>
-            <p:ph type="title"/>
-          </p:nvPr>
-        </p:nvSpPr>
-        <p:spPr/>
-        <p:txBody>
-          <a:bodyPr/>
-          <a:lstStyle/>
-          <a:p>
-            <a:r>
-              <a:rPr lang="en-GB" dirty="0" smtClean="0"/>
-              <a:t>Evaluation of Results</a:t>
-            </a:r>
-            <a:endParaRPr lang="en-GB" dirty="0"/>
-          </a:p>
-        </p:txBody>
-      </p:sp>
-      <p:pic>
-        <p:nvPicPr>
-          <p:cNvPr id="4" name="Content Placeholder 3" descr="Screen Clipping"/>
-          <p:cNvPicPr>
-            <a:picLocks noGrp="1" noChangeAspect="1"/>
-          </p:cNvPicPr>
-          <p:nvPr>
-            <p:ph idx="1"/>
-          </p:nvPr>
-        </p:nvPicPr>
-        <p:blipFill>
-          <a:blip r:embed="rId2">
-            <a:extLst>
-              <a:ext uri="{28A0092B-C50C-407E-A947-70E740481C1C}">
-                <a14:useLocalDpi xmlns:a14="http://schemas.microsoft.com/office/drawing/2010/main" val="0"/>
-              </a:ext>
-            </a:extLst>
-          </a:blip>
-          <a:stretch>
-            <a:fillRect/>
-          </a:stretch>
-        </p:blipFill>
-        <p:spPr>
-          <a:xfrm>
-            <a:off x="611560" y="2132856"/>
-            <a:ext cx="7643813" cy="3001094"/>
-          </a:xfrm>
-        </p:spPr>
-      </p:pic>
-    </p:spTree>
-    <p:extLst>
-      <p:ext uri="{BB962C8B-B14F-4D97-AF65-F5344CB8AC3E}">
-        <p14:creationId xmlns:p14="http://schemas.microsoft.com/office/powerpoint/2010/main" val="2066402308"/>
       </p:ext>
     </p:extLst>
   </p:cSld>

--- a/Presentation.pptx
+++ b/Presentation.pptx
@@ -13,8 +13,8 @@
   <p:sldIdLst>
     <p:sldId id="256" r:id="rId2"/>
     <p:sldId id="257" r:id="rId3"/>
-    <p:sldId id="258" r:id="rId4"/>
-    <p:sldId id="259" r:id="rId5"/>
+    <p:sldId id="259" r:id="rId4"/>
+    <p:sldId id="258" r:id="rId5"/>
     <p:sldId id="262" r:id="rId6"/>
     <p:sldId id="267" r:id="rId7"/>
     <p:sldId id="260" r:id="rId8"/>
@@ -1161,22 +1161,30 @@
           <a:lstStyle/>
           <a:p>
             <a:r>
-              <a:rPr lang="en-GB" dirty="0" smtClean="0"/>
-              <a:t>Searched</a:t>
-            </a:r>
-            <a:r>
-              <a:rPr lang="en-GB" baseline="0" dirty="0" smtClean="0"/>
-              <a:t> through articles for these concepts, obtained time series with each day as count of how many articles contained the above concepts</a:t>
-            </a:r>
-          </a:p>
-          <a:p>
-            <a:endParaRPr lang="en-GB" baseline="0" dirty="0" smtClean="0"/>
-          </a:p>
-          <a:p>
-            <a:r>
-              <a:rPr lang="en-GB" baseline="0" dirty="0" smtClean="0"/>
-              <a:t>Illegal Immigration as proxy for Trump’s Wall</a:t>
-            </a:r>
+              <a:rPr lang="en-US" dirty="0" smtClean="0"/>
+              <a:t>We focused</a:t>
+            </a:r>
+            <a:r>
+              <a:rPr lang="en-US" baseline="0" dirty="0" smtClean="0"/>
+              <a:t> on articles </a:t>
+            </a:r>
+            <a:r>
+              <a:rPr lang="en-US" dirty="0" smtClean="0"/>
+              <a:t>that</a:t>
+            </a:r>
+            <a:r>
+              <a:rPr lang="en-US" baseline="0" dirty="0" smtClean="0"/>
+              <a:t> are related to Donald Trump </a:t>
+            </a:r>
+            <a:r>
+              <a:rPr lang="en-US" dirty="0" smtClean="0"/>
+              <a:t>and check</a:t>
+            </a:r>
+            <a:r>
+              <a:rPr lang="en-US" baseline="0" dirty="0" smtClean="0"/>
+              <a:t> if some preselected topics are trending in those news</a:t>
+            </a:r>
+            <a:endParaRPr lang="sl-SI" dirty="0"/>
           </a:p>
         </p:txBody>
       </p:sp>
@@ -1198,7 +1206,7 @@
             <a:fld id="{40023F21-9FC3-4A9C-B997-65C4C5BF9AFD}" type="slidenum">
               <a:rPr lang="en-GB" altLang="en-US" smtClean="0"/>
               <a:pPr/>
-              <a:t>4</a:t>
+              <a:t>1</a:t>
             </a:fld>
             <a:endParaRPr lang="en-GB" altLang="en-US"/>
           </a:p>
@@ -1207,7 +1215,7 @@
     </p:spTree>
     <p:extLst>
       <p:ext uri="{BB962C8B-B14F-4D97-AF65-F5344CB8AC3E}">
-        <p14:creationId xmlns:p14="http://schemas.microsoft.com/office/powerpoint/2010/main" val="151019561"/>
+        <p14:creationId xmlns:p14="http://schemas.microsoft.com/office/powerpoint/2010/main" val="1952971258"/>
       </p:ext>
     </p:extLst>
   </p:cSld>
@@ -1261,6 +1269,357 @@
           <a:bodyPr/>
           <a:lstStyle/>
           <a:p>
+            <a:pPr marL="0" indent="0">
+              <a:buFontTx/>
+              <a:buNone/>
+            </a:pPr>
+            <a:endParaRPr lang="en-US" dirty="0" smtClean="0"/>
+          </a:p>
+          <a:p>
+            <a:pPr marL="171450" indent="-171450">
+              <a:buFontTx/>
+              <a:buChar char="-"/>
+            </a:pPr>
+            <a:endParaRPr lang="sl-SI" dirty="0"/>
+          </a:p>
+        </p:txBody>
+      </p:sp>
+      <p:sp>
+        <p:nvSpPr>
+          <p:cNvPr id="4" name="Slide Number Placeholder 3"/>
+          <p:cNvSpPr>
+            <a:spLocks noGrp="1"/>
+          </p:cNvSpPr>
+          <p:nvPr>
+            <p:ph type="sldNum" sz="quarter" idx="10"/>
+          </p:nvPr>
+        </p:nvSpPr>
+        <p:spPr/>
+        <p:txBody>
+          <a:bodyPr/>
+          <a:lstStyle/>
+          <a:p>
+            <a:fld id="{40023F21-9FC3-4A9C-B997-65C4C5BF9AFD}" type="slidenum">
+              <a:rPr lang="en-GB" altLang="en-US" smtClean="0"/>
+              <a:pPr/>
+              <a:t>2</a:t>
+            </a:fld>
+            <a:endParaRPr lang="en-GB" altLang="en-US"/>
+          </a:p>
+        </p:txBody>
+      </p:sp>
+    </p:spTree>
+    <p:extLst>
+      <p:ext uri="{BB962C8B-B14F-4D97-AF65-F5344CB8AC3E}">
+        <p14:creationId xmlns:p14="http://schemas.microsoft.com/office/powerpoint/2010/main" val="2648005579"/>
+      </p:ext>
+    </p:extLst>
+  </p:cSld>
+  <p:clrMapOvr>
+    <a:masterClrMapping/>
+  </p:clrMapOvr>
+</p:notes>
+</file>
+
+<file path=ppt/notesSlides/notesSlide3.xml><?xml version="1.0" encoding="utf-8"?>
+<p:notes xmlns:a="http://schemas.openxmlformats.org/drawingml/2006/main" xmlns:r="http://schemas.openxmlformats.org/officeDocument/2006/relationships" xmlns:p="http://schemas.openxmlformats.org/presentationml/2006/main">
+  <p:cSld>
+    <p:spTree>
+      <p:nvGrpSpPr>
+        <p:cNvPr id="1" name=""/>
+        <p:cNvGrpSpPr/>
+        <p:nvPr/>
+      </p:nvGrpSpPr>
+      <p:grpSpPr>
+        <a:xfrm>
+          <a:off x="0" y="0"/>
+          <a:ext cx="0" cy="0"/>
+          <a:chOff x="0" y="0"/>
+          <a:chExt cx="0" cy="0"/>
+        </a:xfrm>
+      </p:grpSpPr>
+      <p:sp>
+        <p:nvSpPr>
+          <p:cNvPr id="2" name="Slide Image Placeholder 1"/>
+          <p:cNvSpPr>
+            <a:spLocks noGrp="1" noRot="1" noChangeAspect="1"/>
+          </p:cNvSpPr>
+          <p:nvPr>
+            <p:ph type="sldImg"/>
+          </p:nvPr>
+        </p:nvSpPr>
+        <p:spPr/>
+      </p:sp>
+      <p:sp>
+        <p:nvSpPr>
+          <p:cNvPr id="3" name="Notes Placeholder 2"/>
+          <p:cNvSpPr>
+            <a:spLocks noGrp="1"/>
+          </p:cNvSpPr>
+          <p:nvPr>
+            <p:ph type="body" idx="1"/>
+          </p:nvPr>
+        </p:nvSpPr>
+        <p:spPr/>
+        <p:txBody>
+          <a:bodyPr/>
+          <a:lstStyle/>
+          <a:p>
+            <a:r>
+              <a:rPr lang="en-GB" dirty="0" smtClean="0"/>
+              <a:t>Searched</a:t>
+            </a:r>
+            <a:r>
+              <a:rPr lang="en-GB" baseline="0" dirty="0" smtClean="0"/>
+              <a:t> through articles for these concepts, obtained time series with each day as count of how many articles contained the above concepts</a:t>
+            </a:r>
+          </a:p>
+          <a:p>
+            <a:endParaRPr lang="en-GB" baseline="0" dirty="0" smtClean="0"/>
+          </a:p>
+          <a:p>
+            <a:r>
+              <a:rPr lang="en-GB" baseline="0" dirty="0" smtClean="0"/>
+              <a:t>Illegal Immigration as proxy for Trump’s Wall</a:t>
+            </a:r>
+          </a:p>
+        </p:txBody>
+      </p:sp>
+      <p:sp>
+        <p:nvSpPr>
+          <p:cNvPr id="4" name="Slide Number Placeholder 3"/>
+          <p:cNvSpPr>
+            <a:spLocks noGrp="1"/>
+          </p:cNvSpPr>
+          <p:nvPr>
+            <p:ph type="sldNum" sz="quarter" idx="10"/>
+          </p:nvPr>
+        </p:nvSpPr>
+        <p:spPr/>
+        <p:txBody>
+          <a:bodyPr/>
+          <a:lstStyle/>
+          <a:p>
+            <a:fld id="{40023F21-9FC3-4A9C-B997-65C4C5BF9AFD}" type="slidenum">
+              <a:rPr lang="en-GB" altLang="en-US" smtClean="0"/>
+              <a:pPr/>
+              <a:t>3</a:t>
+            </a:fld>
+            <a:endParaRPr lang="en-GB" altLang="en-US"/>
+          </a:p>
+        </p:txBody>
+      </p:sp>
+    </p:spTree>
+    <p:extLst>
+      <p:ext uri="{BB962C8B-B14F-4D97-AF65-F5344CB8AC3E}">
+        <p14:creationId xmlns:p14="http://schemas.microsoft.com/office/powerpoint/2010/main" val="151019561"/>
+      </p:ext>
+    </p:extLst>
+  </p:cSld>
+  <p:clrMapOvr>
+    <a:masterClrMapping/>
+  </p:clrMapOvr>
+</p:notes>
+</file>
+
+<file path=ppt/notesSlides/notesSlide4.xml><?xml version="1.0" encoding="utf-8"?>
+<p:notes xmlns:a="http://schemas.openxmlformats.org/drawingml/2006/main" xmlns:r="http://schemas.openxmlformats.org/officeDocument/2006/relationships" xmlns:p="http://schemas.openxmlformats.org/presentationml/2006/main">
+  <p:cSld>
+    <p:spTree>
+      <p:nvGrpSpPr>
+        <p:cNvPr id="1" name=""/>
+        <p:cNvGrpSpPr/>
+        <p:nvPr/>
+      </p:nvGrpSpPr>
+      <p:grpSpPr>
+        <a:xfrm>
+          <a:off x="0" y="0"/>
+          <a:ext cx="0" cy="0"/>
+          <a:chOff x="0" y="0"/>
+          <a:chExt cx="0" cy="0"/>
+        </a:xfrm>
+      </p:grpSpPr>
+      <p:sp>
+        <p:nvSpPr>
+          <p:cNvPr id="2" name="Slide Image Placeholder 1"/>
+          <p:cNvSpPr>
+            <a:spLocks noGrp="1" noRot="1" noChangeAspect="1"/>
+          </p:cNvSpPr>
+          <p:nvPr>
+            <p:ph type="sldImg"/>
+          </p:nvPr>
+        </p:nvSpPr>
+        <p:spPr/>
+      </p:sp>
+      <p:sp>
+        <p:nvSpPr>
+          <p:cNvPr id="3" name="Notes Placeholder 2"/>
+          <p:cNvSpPr>
+            <a:spLocks noGrp="1"/>
+          </p:cNvSpPr>
+          <p:nvPr>
+            <p:ph type="body" idx="1"/>
+          </p:nvPr>
+        </p:nvSpPr>
+        <p:spPr/>
+        <p:txBody>
+          <a:bodyPr/>
+          <a:lstStyle/>
+          <a:p>
+            <a:r>
+              <a:rPr lang="en-US" dirty="0" smtClean="0"/>
+              <a:t>- For each articles we</a:t>
+            </a:r>
+            <a:r>
+              <a:rPr lang="en-US" baseline="0" dirty="0" smtClean="0"/>
+              <a:t> </a:t>
+            </a:r>
+            <a:r>
+              <a:rPr lang="en-US" baseline="0" dirty="0" err="1" smtClean="0"/>
+              <a:t>checkted</a:t>
+            </a:r>
+            <a:r>
+              <a:rPr lang="en-US" baseline="0" dirty="0" smtClean="0"/>
+              <a:t> whether a concept appears</a:t>
+            </a:r>
+            <a:endParaRPr lang="en-US" dirty="0" smtClean="0"/>
+          </a:p>
+          <a:p>
+            <a:pPr marL="171450" indent="-171450">
+              <a:buFontTx/>
+              <a:buChar char="-"/>
+            </a:pPr>
+            <a:r>
+              <a:rPr lang="en-US" dirty="0" smtClean="0"/>
+              <a:t>We used </a:t>
+            </a:r>
+            <a:r>
+              <a:rPr lang="en-US" dirty="0" err="1" smtClean="0"/>
+              <a:t>Wikified</a:t>
+            </a:r>
+            <a:r>
+              <a:rPr lang="en-US" dirty="0" smtClean="0"/>
+              <a:t> objects which were easy to match with our concepts of interest</a:t>
+            </a:r>
+          </a:p>
+          <a:p>
+            <a:pPr marL="171450" indent="-171450">
+              <a:buFontTx/>
+              <a:buChar char="-"/>
+            </a:pPr>
+            <a:r>
+              <a:rPr lang="en-US" dirty="0" smtClean="0"/>
+              <a:t>Aggregated the</a:t>
+            </a:r>
+            <a:r>
+              <a:rPr lang="en-US" baseline="0" dirty="0" smtClean="0"/>
+              <a:t> count on daily basis</a:t>
+            </a:r>
+          </a:p>
+          <a:p>
+            <a:pPr marL="171450" indent="-171450">
+              <a:buFontTx/>
+              <a:buChar char="-"/>
+            </a:pPr>
+            <a:r>
+              <a:rPr lang="en-US" baseline="0" dirty="0" smtClean="0"/>
+              <a:t>Stored the data </a:t>
+            </a:r>
+          </a:p>
+          <a:p>
+            <a:pPr marL="171450" indent="-171450">
+              <a:buFontTx/>
+              <a:buChar char="-"/>
+            </a:pPr>
+            <a:r>
+              <a:rPr lang="en-US" baseline="0" dirty="0" smtClean="0"/>
+              <a:t>Thus we obtained time series for each concept</a:t>
+            </a:r>
+            <a:endParaRPr lang="sl-SI" dirty="0"/>
+          </a:p>
+        </p:txBody>
+      </p:sp>
+      <p:sp>
+        <p:nvSpPr>
+          <p:cNvPr id="4" name="Slide Number Placeholder 3"/>
+          <p:cNvSpPr>
+            <a:spLocks noGrp="1"/>
+          </p:cNvSpPr>
+          <p:nvPr>
+            <p:ph type="sldNum" sz="quarter" idx="10"/>
+          </p:nvPr>
+        </p:nvSpPr>
+        <p:spPr/>
+        <p:txBody>
+          <a:bodyPr/>
+          <a:lstStyle/>
+          <a:p>
+            <a:fld id="{40023F21-9FC3-4A9C-B997-65C4C5BF9AFD}" type="slidenum">
+              <a:rPr lang="en-GB" altLang="en-US" smtClean="0"/>
+              <a:pPr/>
+              <a:t>4</a:t>
+            </a:fld>
+            <a:endParaRPr lang="en-GB" altLang="en-US"/>
+          </a:p>
+        </p:txBody>
+      </p:sp>
+    </p:spTree>
+    <p:extLst>
+      <p:ext uri="{BB962C8B-B14F-4D97-AF65-F5344CB8AC3E}">
+        <p14:creationId xmlns:p14="http://schemas.microsoft.com/office/powerpoint/2010/main" val="3397327810"/>
+      </p:ext>
+    </p:extLst>
+  </p:cSld>
+  <p:clrMapOvr>
+    <a:masterClrMapping/>
+  </p:clrMapOvr>
+</p:notes>
+</file>
+
+<file path=ppt/notesSlides/notesSlide5.xml><?xml version="1.0" encoding="utf-8"?>
+<p:notes xmlns:a="http://schemas.openxmlformats.org/drawingml/2006/main" xmlns:r="http://schemas.openxmlformats.org/officeDocument/2006/relationships" xmlns:p="http://schemas.openxmlformats.org/presentationml/2006/main">
+  <p:cSld>
+    <p:spTree>
+      <p:nvGrpSpPr>
+        <p:cNvPr id="1" name=""/>
+        <p:cNvGrpSpPr/>
+        <p:nvPr/>
+      </p:nvGrpSpPr>
+      <p:grpSpPr>
+        <a:xfrm>
+          <a:off x="0" y="0"/>
+          <a:ext cx="0" cy="0"/>
+          <a:chOff x="0" y="0"/>
+          <a:chExt cx="0" cy="0"/>
+        </a:xfrm>
+      </p:grpSpPr>
+      <p:sp>
+        <p:nvSpPr>
+          <p:cNvPr id="2" name="Slide Image Placeholder 1"/>
+          <p:cNvSpPr>
+            <a:spLocks noGrp="1" noRot="1" noChangeAspect="1"/>
+          </p:cNvSpPr>
+          <p:nvPr>
+            <p:ph type="sldImg"/>
+          </p:nvPr>
+        </p:nvSpPr>
+        <p:spPr/>
+      </p:sp>
+      <p:sp>
+        <p:nvSpPr>
+          <p:cNvPr id="3" name="Notes Placeholder 2"/>
+          <p:cNvSpPr>
+            <a:spLocks noGrp="1"/>
+          </p:cNvSpPr>
+          <p:nvPr>
+            <p:ph type="body" idx="1"/>
+          </p:nvPr>
+        </p:nvSpPr>
+        <p:spPr/>
+        <p:txBody>
+          <a:bodyPr/>
+          <a:lstStyle/>
+          <a:p>
             <a:r>
               <a:rPr lang="en-GB" dirty="0" smtClean="0"/>
               <a:t>Add pictures from pdf</a:t>
@@ -1306,7 +1665,7 @@
 </p:notes>
 </file>
 
-<file path=ppt/notesSlides/notesSlide3.xml><?xml version="1.0" encoding="utf-8"?>
+<file path=ppt/notesSlides/notesSlide6.xml><?xml version="1.0" encoding="utf-8"?>
 <p:notes xmlns:a="http://schemas.openxmlformats.org/drawingml/2006/main" xmlns:r="http://schemas.openxmlformats.org/officeDocument/2006/relationships" xmlns:p="http://schemas.openxmlformats.org/presentationml/2006/main">
   <p:cSld>
     <p:spTree>
@@ -5176,7 +5535,36 @@
                   </a:schemeClr>
                 </a:solidFill>
               </a:rPr>
-              <a:t>Source: Event Registry</a:t>
+              <a:t>Source: Event </a:t>
+            </a:r>
+            <a:r>
+              <a:rPr lang="en-US" altLang="en-US" sz="2600" dirty="0" smtClean="0">
+                <a:solidFill>
+                  <a:schemeClr val="tx1">
+                    <a:lumMod val="95000"/>
+                    <a:lumOff val="5000"/>
+                  </a:schemeClr>
+                </a:solidFill>
+              </a:rPr>
+              <a:t>Registry</a:t>
+            </a:r>
+          </a:p>
+          <a:p>
+            <a:pPr>
+              <a:lnSpc>
+                <a:spcPct val="150000"/>
+              </a:lnSpc>
+            </a:pPr>
+            <a:r>
+              <a:rPr lang="en-US" altLang="en-US" sz="2600" dirty="0" smtClean="0">
+                <a:solidFill>
+                  <a:schemeClr val="tx1">
+                    <a:lumMod val="95000"/>
+                    <a:lumOff val="5000"/>
+                  </a:schemeClr>
+                </a:solidFill>
+              </a:rPr>
+              <a:t>Stored in JSON file</a:t>
             </a:r>
             <a:endParaRPr lang="en-US" altLang="en-US" sz="2600" dirty="0">
               <a:solidFill>
@@ -5238,7 +5626,7 @@
           <a:p>
             <a:r>
               <a:rPr lang="en-GB" dirty="0" smtClean="0"/>
-              <a:t>Data pre-processing</a:t>
+              <a:t>Concepts of interest</a:t>
             </a:r>
             <a:endParaRPr lang="en-GB" dirty="0"/>
           </a:p>
@@ -5259,7 +5647,7 @@
           <a:bodyPr/>
           <a:lstStyle/>
           <a:p>
-            <a:pPr marL="514350" indent="-457200">
+            <a:pPr>
               <a:lnSpc>
                 <a:spcPct val="150000"/>
               </a:lnSpc>
@@ -5273,26 +5661,15 @@
                   </a:schemeClr>
                 </a:solidFill>
               </a:rPr>
-              <a:t>Obtained concepts in all articles </a:t>
-            </a:r>
-          </a:p>
-          <a:p>
-            <a:pPr marL="514350" indent="-457200">
+              <a:t>Abortion</a:t>
+            </a:r>
+          </a:p>
+          <a:p>
+            <a:pPr>
               <a:lnSpc>
                 <a:spcPct val="150000"/>
               </a:lnSpc>
             </a:pPr>
-            <a:r>
-              <a:rPr lang="en-GB" sz="2600" dirty="0" err="1" smtClean="0">
-                <a:solidFill>
-                  <a:schemeClr val="tx1">
-                    <a:lumMod val="95000"/>
-                    <a:lumOff val="5000"/>
-                  </a:schemeClr>
-                </a:solidFill>
-              </a:rPr>
-              <a:t>Wikification</a:t>
-            </a:r>
             <a:r>
               <a:rPr lang="en-GB" sz="2600" dirty="0" smtClean="0">
                 <a:solidFill>
@@ -5302,11 +5679,11 @@
                   </a:schemeClr>
                 </a:solidFill>
               </a:rPr>
-              <a:t> of concepts for easier analysis </a:t>
-            </a:r>
-          </a:p>
-          <a:p>
-            <a:pPr marL="514350" indent="-457200">
+              <a:t>Climate Change</a:t>
+            </a:r>
+          </a:p>
+          <a:p>
+            <a:pPr>
               <a:lnSpc>
                 <a:spcPct val="150000"/>
               </a:lnSpc>
@@ -5320,7 +5697,98 @@
                   </a:schemeClr>
                 </a:solidFill>
               </a:rPr>
-              <a:t>Stored in JSON file</a:t>
+              <a:t>Gay </a:t>
+            </a:r>
+          </a:p>
+          <a:p>
+            <a:pPr>
+              <a:lnSpc>
+                <a:spcPct val="150000"/>
+              </a:lnSpc>
+            </a:pPr>
+            <a:r>
+              <a:rPr lang="en-GB" sz="2600" dirty="0" smtClean="0">
+                <a:solidFill>
+                  <a:schemeClr val="tx1">
+                    <a:lumMod val="95000"/>
+                    <a:lumOff val="5000"/>
+                  </a:schemeClr>
+                </a:solidFill>
+              </a:rPr>
+              <a:t>Illegal </a:t>
+            </a:r>
+            <a:r>
+              <a:rPr lang="en-GB" sz="2600" dirty="0" smtClean="0">
+                <a:solidFill>
+                  <a:schemeClr val="tx1">
+                    <a:lumMod val="95000"/>
+                    <a:lumOff val="5000"/>
+                  </a:schemeClr>
+                </a:solidFill>
+              </a:rPr>
+              <a:t>Immigration (wall)</a:t>
+            </a:r>
+            <a:endParaRPr lang="en-GB" sz="2600" dirty="0" smtClean="0">
+              <a:solidFill>
+                <a:schemeClr val="tx1">
+                  <a:lumMod val="95000"/>
+                  <a:lumOff val="5000"/>
+                </a:schemeClr>
+              </a:solidFill>
+            </a:endParaRPr>
+          </a:p>
+          <a:p>
+            <a:pPr>
+              <a:lnSpc>
+                <a:spcPct val="150000"/>
+              </a:lnSpc>
+            </a:pPr>
+            <a:r>
+              <a:rPr lang="en-GB" sz="2600" dirty="0" smtClean="0">
+                <a:solidFill>
+                  <a:schemeClr val="tx1">
+                    <a:lumMod val="95000"/>
+                    <a:lumOff val="5000"/>
+                  </a:schemeClr>
+                </a:solidFill>
+              </a:rPr>
+              <a:t>Mexico</a:t>
+            </a:r>
+          </a:p>
+          <a:p>
+            <a:pPr>
+              <a:lnSpc>
+                <a:spcPct val="150000"/>
+              </a:lnSpc>
+            </a:pPr>
+            <a:r>
+              <a:rPr lang="en-GB" sz="2600" dirty="0" smtClean="0">
+                <a:solidFill>
+                  <a:schemeClr val="tx1">
+                    <a:lumMod val="95000"/>
+                    <a:lumOff val="5000"/>
+                  </a:schemeClr>
+                </a:solidFill>
+              </a:rPr>
+              <a:t>Privacy</a:t>
+            </a:r>
+          </a:p>
+          <a:p>
+            <a:pPr>
+              <a:lnSpc>
+                <a:spcPct val="150000"/>
+              </a:lnSpc>
+            </a:pPr>
+            <a:r>
+              <a:rPr lang="en-GB" sz="2600" dirty="0" smtClean="0">
+                <a:solidFill>
+                  <a:schemeClr val="tx1">
+                    <a:lumMod val="95000"/>
+                    <a:lumOff val="5000"/>
+                  </a:schemeClr>
+                </a:solidFill>
+              </a:rPr>
+              <a:t>Wall Street</a:t>
             </a:r>
             <a:endParaRPr lang="en-GB" sz="2600" dirty="0">
               <a:solidFill>
@@ -5336,13 +5804,20 @@
     </p:spTree>
     <p:extLst>
       <p:ext uri="{BB962C8B-B14F-4D97-AF65-F5344CB8AC3E}">
-        <p14:creationId xmlns:p14="http://schemas.microsoft.com/office/powerpoint/2010/main" val="2858121646"/>
+        <p14:creationId xmlns:p14="http://schemas.microsoft.com/office/powerpoint/2010/main" val="2463407678"/>
       </p:ext>
     </p:extLst>
   </p:cSld>
   <p:clrMapOvr>
     <a:masterClrMapping/>
   </p:clrMapOvr>
+  <p:timing>
+    <p:tnLst>
+      <p:par>
+        <p:cTn id="1" dur="indefinite" restart="never" nodeType="tmRoot"/>
+      </p:par>
+    </p:tnLst>
+  </p:timing>
 </p:sld>
 </file>
 
@@ -5380,7 +5855,7 @@
           <a:p>
             <a:r>
               <a:rPr lang="en-GB" dirty="0" smtClean="0"/>
-              <a:t>Concepts of interest</a:t>
+              <a:t>Data pre-processing</a:t>
             </a:r>
             <a:endParaRPr lang="en-GB" dirty="0"/>
           </a:p>
@@ -5401,7 +5876,7 @@
           <a:bodyPr/>
           <a:lstStyle/>
           <a:p>
-            <a:pPr>
+            <a:pPr marL="514350" indent="-457200">
               <a:lnSpc>
                 <a:spcPct val="150000"/>
               </a:lnSpc>
@@ -5415,11 +5890,62 @@
                   </a:schemeClr>
                 </a:solidFill>
               </a:rPr>
-              <a:t>Abortion</a:t>
-            </a:r>
-          </a:p>
-          <a:p>
-            <a:pPr>
+              <a:t>For each article:</a:t>
+            </a:r>
+          </a:p>
+          <a:p>
+            <a:pPr marL="914400" lvl="1" indent="-457200">
+              <a:lnSpc>
+                <a:spcPct val="150000"/>
+              </a:lnSpc>
+            </a:pPr>
+            <a:r>
+              <a:rPr lang="en-GB" sz="2400" dirty="0" smtClean="0">
+                <a:solidFill>
+                  <a:schemeClr val="tx1">
+                    <a:lumMod val="95000"/>
+                    <a:lumOff val="5000"/>
+                  </a:schemeClr>
+                </a:solidFill>
+              </a:rPr>
+              <a:t>Check whether a concept appears (</a:t>
+            </a:r>
+            <a:r>
+              <a:rPr lang="en-GB" sz="2200" dirty="0" smtClean="0">
+                <a:solidFill>
+                  <a:schemeClr val="tx1">
+                    <a:lumMod val="95000"/>
+                    <a:lumOff val="5000"/>
+                  </a:schemeClr>
+                </a:solidFill>
+              </a:rPr>
+              <a:t>Using </a:t>
+            </a:r>
+            <a:r>
+              <a:rPr lang="en-GB" sz="2200" dirty="0" err="1" smtClean="0">
+                <a:solidFill>
+                  <a:schemeClr val="tx1">
+                    <a:lumMod val="95000"/>
+                    <a:lumOff val="5000"/>
+                  </a:schemeClr>
+                </a:solidFill>
+              </a:rPr>
+              <a:t>wikification</a:t>
+            </a:r>
+            <a:r>
+              <a:rPr lang="en-GB" sz="2200" dirty="0" smtClean="0">
+                <a:solidFill>
+                  <a:schemeClr val="tx1">
+                    <a:lumMod val="95000"/>
+                    <a:lumOff val="5000"/>
+                  </a:schemeClr>
+                </a:solidFill>
+              </a:rPr>
+              <a:t>)</a:t>
+            </a:r>
+          </a:p>
+          <a:p>
+            <a:pPr marL="514350" indent="-457200">
               <a:lnSpc>
                 <a:spcPct val="150000"/>
               </a:lnSpc>
@@ -5433,11 +5959,11 @@
                   </a:schemeClr>
                 </a:solidFill>
               </a:rPr>
-              <a:t>Climate Change</a:t>
-            </a:r>
-          </a:p>
-          <a:p>
-            <a:pPr>
+              <a:t>Aggregate concept counts on daily basis</a:t>
+            </a:r>
+          </a:p>
+          <a:p>
+            <a:pPr marL="514350" indent="-457200">
               <a:lnSpc>
                 <a:spcPct val="150000"/>
               </a:lnSpc>
@@ -5451,81 +5977,16 @@
                   </a:schemeClr>
                 </a:solidFill>
               </a:rPr>
-              <a:t>Gay </a:t>
-            </a:r>
-          </a:p>
-          <a:p>
-            <a:pPr>
+              <a:t>Store the data</a:t>
+            </a:r>
+          </a:p>
+          <a:p>
+            <a:pPr marL="914400" lvl="1" indent="-457200">
               <a:lnSpc>
                 <a:spcPct val="150000"/>
               </a:lnSpc>
             </a:pPr>
-            <a:r>
-              <a:rPr lang="en-GB" sz="2600" dirty="0" smtClean="0">
-                <a:solidFill>
-                  <a:schemeClr val="tx1">
-                    <a:lumMod val="95000"/>
-                    <a:lumOff val="5000"/>
-                  </a:schemeClr>
-                </a:solidFill>
-              </a:rPr>
-              <a:t>Illegal Immigration</a:t>
-            </a:r>
-          </a:p>
-          <a:p>
-            <a:pPr>
-              <a:lnSpc>
-                <a:spcPct val="150000"/>
-              </a:lnSpc>
-            </a:pPr>
-            <a:r>
-              <a:rPr lang="en-GB" sz="2600" dirty="0" smtClean="0">
-                <a:solidFill>
-                  <a:schemeClr val="tx1">
-                    <a:lumMod val="95000"/>
-                    <a:lumOff val="5000"/>
-                  </a:schemeClr>
-                </a:solidFill>
-              </a:rPr>
-              <a:t>Mexico</a:t>
-            </a:r>
-          </a:p>
-          <a:p>
-            <a:pPr>
-              <a:lnSpc>
-                <a:spcPct val="150000"/>
-              </a:lnSpc>
-            </a:pPr>
-            <a:r>
-              <a:rPr lang="en-GB" sz="2600" dirty="0" smtClean="0">
-                <a:solidFill>
-                  <a:schemeClr val="tx1">
-                    <a:lumMod val="95000"/>
-                    <a:lumOff val="5000"/>
-                  </a:schemeClr>
-                </a:solidFill>
-              </a:rPr>
-              <a:t>Privacy</a:t>
-            </a:r>
-          </a:p>
-          <a:p>
-            <a:pPr>
-              <a:lnSpc>
-                <a:spcPct val="150000"/>
-              </a:lnSpc>
-            </a:pPr>
-            <a:r>
-              <a:rPr lang="en-GB" sz="2600" dirty="0" smtClean="0">
-                <a:solidFill>
-                  <a:schemeClr val="tx1">
-                    <a:lumMod val="95000"/>
-                    <a:lumOff val="5000"/>
-                  </a:schemeClr>
-                </a:solidFill>
-              </a:rPr>
-              <a:t>Wall Street</a:t>
-            </a:r>
-            <a:endParaRPr lang="en-GB" sz="2600" dirty="0">
+            <a:endParaRPr lang="en-GB" sz="2200" dirty="0">
               <a:solidFill>
                 <a:schemeClr val="tx1">
                   <a:lumMod val="95000"/>
@@ -5539,13 +6000,20 @@
     </p:spTree>
     <p:extLst>
       <p:ext uri="{BB962C8B-B14F-4D97-AF65-F5344CB8AC3E}">
-        <p14:creationId xmlns:p14="http://schemas.microsoft.com/office/powerpoint/2010/main" val="2463407678"/>
+        <p14:creationId xmlns:p14="http://schemas.microsoft.com/office/powerpoint/2010/main" val="2858121646"/>
       </p:ext>
     </p:extLst>
   </p:cSld>
   <p:clrMapOvr>
     <a:masterClrMapping/>
   </p:clrMapOvr>
+  <p:timing>
+    <p:tnLst>
+      <p:par>
+        <p:cTn id="1" dur="indefinite" restart="never" nodeType="tmRoot"/>
+      </p:par>
+    </p:tnLst>
+  </p:timing>
 </p:sld>
 </file>
 
@@ -5612,8 +6080,8 @@
         </p:blipFill>
         <p:spPr>
           <a:xfrm>
-            <a:off x="804122" y="1700808"/>
-            <a:ext cx="6816618" cy="4175917"/>
+            <a:off x="392902" y="1556792"/>
+            <a:ext cx="7639057" cy="4679750"/>
           </a:xfrm>
         </p:spPr>
       </p:pic>
@@ -5627,6 +6095,13 @@
   <p:clrMapOvr>
     <a:masterClrMapping/>
   </p:clrMapOvr>
+  <p:timing>
+    <p:tnLst>
+      <p:par>
+        <p:cTn id="1" dur="indefinite" restart="never" nodeType="tmRoot"/>
+      </p:par>
+    </p:tnLst>
+  </p:timing>
 </p:sld>
 </file>
 
@@ -5693,8 +6168,8 @@
         </p:blipFill>
         <p:spPr>
           <a:xfrm>
-            <a:off x="652173" y="1700808"/>
-            <a:ext cx="7120516" cy="4425355"/>
+            <a:off x="273095" y="1556792"/>
+            <a:ext cx="7878672" cy="4896544"/>
           </a:xfrm>
         </p:spPr>
       </p:pic>
@@ -5708,6 +6183,13 @@
   <p:clrMapOvr>
     <a:masterClrMapping/>
   </p:clrMapOvr>
+  <p:timing>
+    <p:tnLst>
+      <p:par>
+        <p:cTn id="1" dur="indefinite" restart="never" nodeType="tmRoot"/>
+      </p:par>
+    </p:tnLst>
+  </p:timing>
 </p:sld>
 </file>
 
@@ -6233,6 +6715,13 @@
   <p:clrMapOvr>
     <a:masterClrMapping/>
   </p:clrMapOvr>
+  <p:timing>
+    <p:tnLst>
+      <p:par>
+        <p:cTn id="1" dur="indefinite" restart="never" nodeType="tmRoot"/>
+      </p:par>
+    </p:tnLst>
+  </p:timing>
 </p:sld>
 </file>
 
@@ -6315,6 +6804,13 @@
   <p:clrMapOvr>
     <a:masterClrMapping/>
   </p:clrMapOvr>
+  <p:timing>
+    <p:tnLst>
+      <p:par>
+        <p:cTn id="1" dur="indefinite" restart="never" nodeType="tmRoot"/>
+      </p:par>
+    </p:tnLst>
+  </p:timing>
 </p:sld>
 </file>
 

--- a/Presentation.pptx
+++ b/Presentation.pptx
@@ -1745,6 +1745,635 @@
     <p:extLst>
       <p:ext uri="{BB962C8B-B14F-4D97-AF65-F5344CB8AC3E}">
         <p14:creationId xmlns:p14="http://schemas.microsoft.com/office/powerpoint/2010/main" val="1070749739"/>
+      </p:ext>
+    </p:extLst>
+  </p:cSld>
+  <p:clrMapOvr>
+    <a:masterClrMapping/>
+  </p:clrMapOvr>
+</p:notes>
+</file>
+
+<file path=ppt/notesSlides/notesSlide7.xml><?xml version="1.0" encoding="utf-8"?>
+<p:notes xmlns:a="http://schemas.openxmlformats.org/drawingml/2006/main" xmlns:r="http://schemas.openxmlformats.org/officeDocument/2006/relationships" xmlns:p="http://schemas.openxmlformats.org/presentationml/2006/main">
+  <p:cSld>
+    <p:spTree>
+      <p:nvGrpSpPr>
+        <p:cNvPr id="1" name=""/>
+        <p:cNvGrpSpPr/>
+        <p:nvPr/>
+      </p:nvGrpSpPr>
+      <p:grpSpPr>
+        <a:xfrm>
+          <a:off x="0" y="0"/>
+          <a:ext cx="0" cy="0"/>
+          <a:chOff x="0" y="0"/>
+          <a:chExt cx="0" cy="0"/>
+        </a:xfrm>
+      </p:grpSpPr>
+      <p:sp>
+        <p:nvSpPr>
+          <p:cNvPr id="2" name="Slide Image Placeholder 1"/>
+          <p:cNvSpPr>
+            <a:spLocks noGrp="1" noRot="1" noChangeAspect="1"/>
+          </p:cNvSpPr>
+          <p:nvPr>
+            <p:ph type="sldImg"/>
+          </p:nvPr>
+        </p:nvSpPr>
+        <p:spPr/>
+      </p:sp>
+      <p:sp>
+        <p:nvSpPr>
+          <p:cNvPr id="3" name="Notes Placeholder 2"/>
+          <p:cNvSpPr>
+            <a:spLocks noGrp="1"/>
+          </p:cNvSpPr>
+          <p:nvPr>
+            <p:ph type="body" idx="1"/>
+          </p:nvPr>
+        </p:nvSpPr>
+        <p:spPr/>
+        <p:txBody>
+          <a:bodyPr/>
+          <a:lstStyle/>
+          <a:p>
+            <a:r>
+              <a:rPr lang="en-US" sz="1200" b="0" i="0" u="none" strike="noStrike" kern="1200" baseline="0" dirty="0" smtClean="0">
+                <a:solidFill>
+                  <a:schemeClr val="tx1"/>
+                </a:solidFill>
+                <a:latin typeface="Arial" panose="020B0604020202020204" pitchFamily="34" charset="0"/>
+                <a:ea typeface="+mn-ea"/>
+                <a:cs typeface="+mn-cs"/>
+              </a:rPr>
+              <a:t>Once we obtained the number of articles that wrote about specific concept on each day we wanted</a:t>
+            </a:r>
+          </a:p>
+          <a:p>
+            <a:r>
+              <a:rPr lang="en-US" sz="1200" b="0" i="0" u="none" strike="noStrike" kern="1200" baseline="0" dirty="0" smtClean="0">
+                <a:solidFill>
+                  <a:schemeClr val="tx1"/>
+                </a:solidFill>
+                <a:latin typeface="Arial" panose="020B0604020202020204" pitchFamily="34" charset="0"/>
+                <a:ea typeface="+mn-ea"/>
+                <a:cs typeface="+mn-cs"/>
+              </a:rPr>
+              <a:t>to fit a model to this dataset to determine whether a trend was present or not. In order to achieve</a:t>
+            </a:r>
+          </a:p>
+          <a:p>
+            <a:r>
+              <a:rPr lang="en-US" sz="1200" b="0" i="0" u="none" strike="noStrike" kern="1200" baseline="0" dirty="0" smtClean="0">
+                <a:solidFill>
+                  <a:schemeClr val="tx1"/>
+                </a:solidFill>
+                <a:latin typeface="Arial" panose="020B0604020202020204" pitchFamily="34" charset="0"/>
+                <a:ea typeface="+mn-ea"/>
+                <a:cs typeface="+mn-cs"/>
+              </a:rPr>
+              <a:t>this we used linear regression for our model, which in general takes the following form</a:t>
+            </a:r>
+            <a:endParaRPr lang="en-GB" dirty="0" smtClean="0"/>
+          </a:p>
+          <a:p>
+            <a:endParaRPr lang="en-GB" dirty="0"/>
+          </a:p>
+        </p:txBody>
+      </p:sp>
+      <p:sp>
+        <p:nvSpPr>
+          <p:cNvPr id="4" name="Slide Number Placeholder 3"/>
+          <p:cNvSpPr>
+            <a:spLocks noGrp="1"/>
+          </p:cNvSpPr>
+          <p:nvPr>
+            <p:ph type="sldNum" sz="quarter" idx="10"/>
+          </p:nvPr>
+        </p:nvSpPr>
+        <p:spPr/>
+        <p:txBody>
+          <a:bodyPr/>
+          <a:lstStyle/>
+          <a:p>
+            <a:fld id="{40023F21-9FC3-4A9C-B997-65C4C5BF9AFD}" type="slidenum">
+              <a:rPr lang="en-GB" altLang="en-US" smtClean="0"/>
+              <a:pPr/>
+              <a:t>7</a:t>
+            </a:fld>
+            <a:endParaRPr lang="en-GB" altLang="en-US"/>
+          </a:p>
+        </p:txBody>
+      </p:sp>
+    </p:spTree>
+    <p:extLst>
+      <p:ext uri="{BB962C8B-B14F-4D97-AF65-F5344CB8AC3E}">
+        <p14:creationId xmlns:p14="http://schemas.microsoft.com/office/powerpoint/2010/main" val="2599106905"/>
+      </p:ext>
+    </p:extLst>
+  </p:cSld>
+  <p:clrMapOvr>
+    <a:masterClrMapping/>
+  </p:clrMapOvr>
+</p:notes>
+</file>
+
+<file path=ppt/notesSlides/notesSlide8.xml><?xml version="1.0" encoding="utf-8"?>
+<p:notes xmlns:a="http://schemas.openxmlformats.org/drawingml/2006/main" xmlns:r="http://schemas.openxmlformats.org/officeDocument/2006/relationships" xmlns:p="http://schemas.openxmlformats.org/presentationml/2006/main">
+  <p:cSld>
+    <p:spTree>
+      <p:nvGrpSpPr>
+        <p:cNvPr id="1" name=""/>
+        <p:cNvGrpSpPr/>
+        <p:nvPr/>
+      </p:nvGrpSpPr>
+      <p:grpSpPr>
+        <a:xfrm>
+          <a:off x="0" y="0"/>
+          <a:ext cx="0" cy="0"/>
+          <a:chOff x="0" y="0"/>
+          <a:chExt cx="0" cy="0"/>
+        </a:xfrm>
+      </p:grpSpPr>
+      <p:sp>
+        <p:nvSpPr>
+          <p:cNvPr id="2" name="Slide Image Placeholder 1"/>
+          <p:cNvSpPr>
+            <a:spLocks noGrp="1" noRot="1" noChangeAspect="1"/>
+          </p:cNvSpPr>
+          <p:nvPr>
+            <p:ph type="sldImg"/>
+          </p:nvPr>
+        </p:nvSpPr>
+        <p:spPr/>
+      </p:sp>
+      <p:sp>
+        <p:nvSpPr>
+          <p:cNvPr id="3" name="Notes Placeholder 2"/>
+          <p:cNvSpPr>
+            <a:spLocks noGrp="1"/>
+          </p:cNvSpPr>
+          <p:nvPr>
+            <p:ph type="body" idx="1"/>
+          </p:nvPr>
+        </p:nvSpPr>
+        <p:spPr/>
+        <p:txBody>
+          <a:bodyPr/>
+          <a:lstStyle/>
+          <a:p>
+            <a:r>
+              <a:rPr lang="en-US" sz="1200" b="0" i="0" u="none" strike="noStrike" kern="1200" baseline="0" dirty="0" smtClean="0">
+                <a:solidFill>
+                  <a:schemeClr val="tx1"/>
+                </a:solidFill>
+                <a:latin typeface="Arial" panose="020B0604020202020204" pitchFamily="34" charset="0"/>
+                <a:ea typeface="+mn-ea"/>
+                <a:cs typeface="+mn-cs"/>
+              </a:rPr>
+              <a:t>To evaluate whether the coefficient  produced by our model is statistically significant, so that we</a:t>
+            </a:r>
+          </a:p>
+          <a:p>
+            <a:r>
+              <a:rPr lang="en-US" sz="1200" b="0" i="0" u="none" strike="noStrike" kern="1200" baseline="0" dirty="0" smtClean="0">
+                <a:solidFill>
+                  <a:schemeClr val="tx1"/>
+                </a:solidFill>
+                <a:latin typeface="Arial" panose="020B0604020202020204" pitchFamily="34" charset="0"/>
+                <a:ea typeface="+mn-ea"/>
+                <a:cs typeface="+mn-cs"/>
+              </a:rPr>
+              <a:t>can reject the null hypothesis, we will use Student’s t-test [3]. The t statistic that is the result</a:t>
+            </a:r>
+          </a:p>
+          <a:p>
+            <a:r>
+              <a:rPr lang="en-US" sz="1200" b="0" i="0" u="none" strike="noStrike" kern="1200" baseline="0" dirty="0" smtClean="0">
+                <a:solidFill>
+                  <a:schemeClr val="tx1"/>
+                </a:solidFill>
+                <a:latin typeface="Arial" panose="020B0604020202020204" pitchFamily="34" charset="0"/>
+                <a:ea typeface="+mn-ea"/>
+                <a:cs typeface="+mn-cs"/>
+              </a:rPr>
+              <a:t>of the test is calculated by the formulas below.</a:t>
+            </a:r>
+          </a:p>
+          <a:p>
+            <a:endParaRPr lang="en-US" sz="1200" b="0" i="0" u="none" strike="noStrike" kern="1200" baseline="0" dirty="0" smtClean="0">
+              <a:solidFill>
+                <a:schemeClr val="tx1"/>
+              </a:solidFill>
+              <a:latin typeface="Arial" panose="020B0604020202020204" pitchFamily="34" charset="0"/>
+              <a:ea typeface="+mn-ea"/>
+              <a:cs typeface="+mn-cs"/>
+            </a:endParaRPr>
+          </a:p>
+          <a:p>
+            <a:r>
+              <a:rPr lang="en-US" sz="1200" b="0" i="0" u="none" strike="noStrike" kern="1200" baseline="0" dirty="0" smtClean="0">
+                <a:solidFill>
+                  <a:schemeClr val="tx1"/>
+                </a:solidFill>
+                <a:latin typeface="Arial" panose="020B0604020202020204" pitchFamily="34" charset="0"/>
+                <a:ea typeface="+mn-ea"/>
+                <a:cs typeface="+mn-cs"/>
+              </a:rPr>
+              <a:t>Once we have the t statistic we can easily</a:t>
+            </a:r>
+          </a:p>
+          <a:p>
+            <a:r>
+              <a:rPr lang="en-US" sz="1200" b="0" i="0" u="none" strike="noStrike" kern="1200" baseline="0" dirty="0" smtClean="0">
+                <a:solidFill>
+                  <a:schemeClr val="tx1"/>
+                </a:solidFill>
+                <a:latin typeface="Arial" panose="020B0604020202020204" pitchFamily="34" charset="0"/>
+                <a:ea typeface="+mn-ea"/>
+                <a:cs typeface="+mn-cs"/>
+              </a:rPr>
+              <a:t>determine the p-value, which would determine whether we reject the null hypothesis with predefined</a:t>
+            </a:r>
+          </a:p>
+          <a:p>
+            <a:r>
+              <a:rPr lang="en-US" sz="1200" b="0" i="0" u="none" strike="noStrike" kern="1200" baseline="0" dirty="0" smtClean="0">
+                <a:solidFill>
+                  <a:schemeClr val="tx1"/>
+                </a:solidFill>
+                <a:latin typeface="Arial" panose="020B0604020202020204" pitchFamily="34" charset="0"/>
+                <a:ea typeface="+mn-ea"/>
+                <a:cs typeface="+mn-cs"/>
+              </a:rPr>
+              <a:t>significance level of 5%. We do this by calculating the probability of the t-distribution at the value</a:t>
+            </a:r>
+          </a:p>
+          <a:p>
+            <a:r>
+              <a:rPr lang="en-US" sz="1200" b="0" i="0" u="none" strike="noStrike" kern="1200" baseline="0" dirty="0" smtClean="0">
+                <a:solidFill>
+                  <a:schemeClr val="tx1"/>
+                </a:solidFill>
+                <a:latin typeface="Arial" panose="020B0604020202020204" pitchFamily="34" charset="0"/>
+                <a:ea typeface="+mn-ea"/>
+                <a:cs typeface="+mn-cs"/>
+              </a:rPr>
+              <a:t>of the t statistics at given number of degrees of freedom. In our case the degrees of freedom</a:t>
+            </a:r>
+          </a:p>
+          <a:p>
+            <a:r>
+              <a:rPr lang="en-US" sz="1200" b="0" i="0" u="none" strike="noStrike" kern="1200" baseline="0" dirty="0" smtClean="0">
+                <a:solidFill>
+                  <a:schemeClr val="tx1"/>
+                </a:solidFill>
+                <a:latin typeface="Arial" panose="020B0604020202020204" pitchFamily="34" charset="0"/>
+                <a:ea typeface="+mn-ea"/>
+                <a:cs typeface="+mn-cs"/>
+              </a:rPr>
+              <a:t>represent the difference between the number of samples and number of variables that are not fixed</a:t>
+            </a:r>
+          </a:p>
+          <a:p>
+            <a:r>
+              <a:rPr lang="en-US" sz="1200" b="0" i="0" u="none" strike="noStrike" kern="1200" baseline="0" dirty="0" smtClean="0">
+                <a:solidFill>
+                  <a:schemeClr val="tx1"/>
+                </a:solidFill>
+                <a:latin typeface="Arial" panose="020B0604020202020204" pitchFamily="34" charset="0"/>
+                <a:ea typeface="+mn-ea"/>
+                <a:cs typeface="+mn-cs"/>
+              </a:rPr>
+              <a:t>(2), so overall we have n􀀀2 degrees of freedom.</a:t>
+            </a:r>
+            <a:endParaRPr lang="en-GB" dirty="0" smtClean="0"/>
+          </a:p>
+          <a:p>
+            <a:endParaRPr lang="en-GB" dirty="0"/>
+          </a:p>
+        </p:txBody>
+      </p:sp>
+      <p:sp>
+        <p:nvSpPr>
+          <p:cNvPr id="4" name="Slide Number Placeholder 3"/>
+          <p:cNvSpPr>
+            <a:spLocks noGrp="1"/>
+          </p:cNvSpPr>
+          <p:nvPr>
+            <p:ph type="sldNum" sz="quarter" idx="10"/>
+          </p:nvPr>
+        </p:nvSpPr>
+        <p:spPr/>
+        <p:txBody>
+          <a:bodyPr/>
+          <a:lstStyle/>
+          <a:p>
+            <a:fld id="{40023F21-9FC3-4A9C-B997-65C4C5BF9AFD}" type="slidenum">
+              <a:rPr lang="en-GB" altLang="en-US" smtClean="0"/>
+              <a:pPr/>
+              <a:t>8</a:t>
+            </a:fld>
+            <a:endParaRPr lang="en-GB" altLang="en-US"/>
+          </a:p>
+        </p:txBody>
+      </p:sp>
+    </p:spTree>
+    <p:extLst>
+      <p:ext uri="{BB962C8B-B14F-4D97-AF65-F5344CB8AC3E}">
+        <p14:creationId xmlns:p14="http://schemas.microsoft.com/office/powerpoint/2010/main" val="1782272422"/>
+      </p:ext>
+    </p:extLst>
+  </p:cSld>
+  <p:clrMapOvr>
+    <a:masterClrMapping/>
+  </p:clrMapOvr>
+</p:notes>
+</file>
+
+<file path=ppt/notesSlides/notesSlide9.xml><?xml version="1.0" encoding="utf-8"?>
+<p:notes xmlns:a="http://schemas.openxmlformats.org/drawingml/2006/main" xmlns:r="http://schemas.openxmlformats.org/officeDocument/2006/relationships" xmlns:p="http://schemas.openxmlformats.org/presentationml/2006/main">
+  <p:cSld>
+    <p:spTree>
+      <p:nvGrpSpPr>
+        <p:cNvPr id="1" name=""/>
+        <p:cNvGrpSpPr/>
+        <p:nvPr/>
+      </p:nvGrpSpPr>
+      <p:grpSpPr>
+        <a:xfrm>
+          <a:off x="0" y="0"/>
+          <a:ext cx="0" cy="0"/>
+          <a:chOff x="0" y="0"/>
+          <a:chExt cx="0" cy="0"/>
+        </a:xfrm>
+      </p:grpSpPr>
+      <p:sp>
+        <p:nvSpPr>
+          <p:cNvPr id="2" name="Slide Image Placeholder 1"/>
+          <p:cNvSpPr>
+            <a:spLocks noGrp="1" noRot="1" noChangeAspect="1"/>
+          </p:cNvSpPr>
+          <p:nvPr>
+            <p:ph type="sldImg"/>
+          </p:nvPr>
+        </p:nvSpPr>
+        <p:spPr/>
+      </p:sp>
+      <p:sp>
+        <p:nvSpPr>
+          <p:cNvPr id="3" name="Notes Placeholder 2"/>
+          <p:cNvSpPr>
+            <a:spLocks noGrp="1"/>
+          </p:cNvSpPr>
+          <p:nvPr>
+            <p:ph type="body" idx="1"/>
+          </p:nvPr>
+        </p:nvSpPr>
+        <p:spPr/>
+        <p:txBody>
+          <a:bodyPr/>
+          <a:lstStyle/>
+          <a:p>
+            <a:r>
+              <a:rPr lang="en-US" sz="1200" b="0" i="0" u="none" strike="noStrike" kern="1200" baseline="0" dirty="0" smtClean="0">
+                <a:solidFill>
+                  <a:schemeClr val="tx1"/>
+                </a:solidFill>
+                <a:latin typeface="Arial" panose="020B0604020202020204" pitchFamily="34" charset="0"/>
+                <a:ea typeface="+mn-ea"/>
+                <a:cs typeface="+mn-cs"/>
+              </a:rPr>
+              <a:t>There are several possible improvements and continuations of our work. One possible direction for</a:t>
+            </a:r>
+          </a:p>
+          <a:p>
+            <a:r>
+              <a:rPr lang="en-US" sz="1200" b="0" i="0" u="none" strike="noStrike" kern="1200" baseline="0" dirty="0" smtClean="0">
+                <a:solidFill>
+                  <a:schemeClr val="tx1"/>
+                </a:solidFill>
+                <a:latin typeface="Arial" panose="020B0604020202020204" pitchFamily="34" charset="0"/>
+                <a:ea typeface="+mn-ea"/>
+                <a:cs typeface="+mn-cs"/>
+              </a:rPr>
+              <a:t>future research would be the variation of time-series time span. In Figure 1 we can see that most</a:t>
+            </a:r>
+          </a:p>
+          <a:p>
+            <a:r>
+              <a:rPr lang="en-US" sz="1200" b="0" i="0" u="none" strike="noStrike" kern="1200" baseline="0" dirty="0" smtClean="0">
+                <a:solidFill>
+                  <a:schemeClr val="tx1"/>
+                </a:solidFill>
+                <a:latin typeface="Arial" panose="020B0604020202020204" pitchFamily="34" charset="0"/>
+                <a:ea typeface="+mn-ea"/>
+                <a:cs typeface="+mn-cs"/>
+              </a:rPr>
+              <a:t>time series’ activities started in the middle of 2015, which corresponds to Trump’s presidential</a:t>
+            </a:r>
+          </a:p>
+          <a:p>
+            <a:r>
+              <a:rPr lang="en-US" sz="1200" b="0" i="0" u="none" strike="noStrike" kern="1200" baseline="0" dirty="0" smtClean="0">
+                <a:solidFill>
+                  <a:schemeClr val="tx1"/>
+                </a:solidFill>
+                <a:latin typeface="Arial" panose="020B0604020202020204" pitchFamily="34" charset="0"/>
+                <a:ea typeface="+mn-ea"/>
+                <a:cs typeface="+mn-cs"/>
+              </a:rPr>
+              <a:t>candidacy announcement on June 16th, 2015. For that reason it might make sense to use this date</a:t>
+            </a:r>
+          </a:p>
+          <a:p>
+            <a:r>
+              <a:rPr lang="en-US" sz="1200" b="0" i="0" u="none" strike="noStrike" kern="1200" baseline="0" dirty="0" smtClean="0">
+                <a:solidFill>
+                  <a:schemeClr val="tx1"/>
+                </a:solidFill>
+                <a:latin typeface="Arial" panose="020B0604020202020204" pitchFamily="34" charset="0"/>
+                <a:ea typeface="+mn-ea"/>
+                <a:cs typeface="+mn-cs"/>
+              </a:rPr>
+              <a:t>as the starting date of our time series. We could then further divide time series into two subgroups:</a:t>
+            </a:r>
+          </a:p>
+          <a:p>
+            <a:r>
+              <a:rPr lang="en-US" sz="1200" b="0" i="0" u="none" strike="noStrike" kern="1200" baseline="0" dirty="0" smtClean="0">
+                <a:solidFill>
+                  <a:schemeClr val="tx1"/>
+                </a:solidFill>
+                <a:latin typeface="Arial" panose="020B0604020202020204" pitchFamily="34" charset="0"/>
+                <a:ea typeface="+mn-ea"/>
+                <a:cs typeface="+mn-cs"/>
+              </a:rPr>
+              <a:t>one that spans over candidacy to election day and another that spans from election day to present.</a:t>
+            </a:r>
+          </a:p>
+          <a:p>
+            <a:r>
+              <a:rPr lang="en-US" sz="1200" b="0" i="0" u="none" strike="noStrike" kern="1200" baseline="0" dirty="0" smtClean="0">
+                <a:solidFill>
+                  <a:schemeClr val="tx1"/>
+                </a:solidFill>
+                <a:latin typeface="Arial" panose="020B0604020202020204" pitchFamily="34" charset="0"/>
+                <a:ea typeface="+mn-ea"/>
+                <a:cs typeface="+mn-cs"/>
+              </a:rPr>
+              <a:t>This way we could see if there were some topics that were excessively used for campaign purposes</a:t>
+            </a:r>
+          </a:p>
+          <a:p>
+            <a:r>
+              <a:rPr lang="en-GB" sz="1200" b="0" i="0" u="none" strike="noStrike" kern="1200" baseline="0" dirty="0" smtClean="0">
+                <a:solidFill>
+                  <a:schemeClr val="tx1"/>
+                </a:solidFill>
+                <a:latin typeface="Arial" panose="020B0604020202020204" pitchFamily="34" charset="0"/>
+                <a:ea typeface="+mn-ea"/>
+                <a:cs typeface="+mn-cs"/>
+              </a:rPr>
+              <a:t>only.</a:t>
+            </a:r>
+          </a:p>
+          <a:p>
+            <a:endParaRPr lang="en-GB" sz="1200" b="0" i="0" u="none" strike="noStrike" kern="1200" baseline="0" dirty="0" smtClean="0">
+              <a:solidFill>
+                <a:schemeClr val="tx1"/>
+              </a:solidFill>
+              <a:latin typeface="Arial" panose="020B0604020202020204" pitchFamily="34" charset="0"/>
+              <a:ea typeface="+mn-ea"/>
+              <a:cs typeface="+mn-cs"/>
+            </a:endParaRPr>
+          </a:p>
+          <a:p>
+            <a:r>
+              <a:rPr lang="en-US" sz="1200" b="0" i="0" u="none" strike="noStrike" kern="1200" baseline="0" dirty="0" smtClean="0">
+                <a:solidFill>
+                  <a:schemeClr val="tx1"/>
+                </a:solidFill>
+                <a:latin typeface="Arial" panose="020B0604020202020204" pitchFamily="34" charset="0"/>
+                <a:ea typeface="+mn-ea"/>
+                <a:cs typeface="+mn-cs"/>
+              </a:rPr>
+              <a:t>We also noticed that none of the concepts had negative or no trend. One reason for that could</a:t>
+            </a:r>
+          </a:p>
+          <a:p>
+            <a:r>
+              <a:rPr lang="en-US" sz="1200" b="0" i="0" u="none" strike="noStrike" kern="1200" baseline="0" dirty="0" smtClean="0">
+                <a:solidFill>
+                  <a:schemeClr val="tx1"/>
+                </a:solidFill>
+                <a:latin typeface="Arial" panose="020B0604020202020204" pitchFamily="34" charset="0"/>
+                <a:ea typeface="+mn-ea"/>
+                <a:cs typeface="+mn-cs"/>
+              </a:rPr>
+              <a:t>be that none of the concepts that we picked is random in conjunction with Trump news. Another</a:t>
+            </a:r>
+          </a:p>
+          <a:p>
+            <a:r>
+              <a:rPr lang="en-US" sz="1200" b="0" i="0" u="none" strike="noStrike" kern="1200" baseline="0" dirty="0" smtClean="0">
+                <a:solidFill>
+                  <a:schemeClr val="tx1"/>
+                </a:solidFill>
+                <a:latin typeface="Arial" panose="020B0604020202020204" pitchFamily="34" charset="0"/>
+                <a:ea typeface="+mn-ea"/>
+                <a:cs typeface="+mn-cs"/>
+              </a:rPr>
+              <a:t>reason for that could be that the number of articles in which Trump’s name occurs in so big (it’s</a:t>
+            </a:r>
+          </a:p>
+          <a:p>
+            <a:r>
+              <a:rPr lang="en-US" sz="1200" b="0" i="0" u="none" strike="noStrike" kern="1200" baseline="0" dirty="0" smtClean="0">
+                <a:solidFill>
+                  <a:schemeClr val="tx1"/>
+                </a:solidFill>
+                <a:latin typeface="Arial" panose="020B0604020202020204" pitchFamily="34" charset="0"/>
+                <a:ea typeface="+mn-ea"/>
+                <a:cs typeface="+mn-cs"/>
+              </a:rPr>
+              <a:t>huge, it’s amazing :)) that in some of them co-appears with all sorts of "unrelated" concepts. E.g.</a:t>
+            </a:r>
+          </a:p>
+          <a:p>
+            <a:r>
+              <a:rPr lang="en-US" sz="1200" b="0" i="0" u="none" strike="noStrike" kern="1200" baseline="0" dirty="0" smtClean="0">
+                <a:solidFill>
+                  <a:schemeClr val="tx1"/>
+                </a:solidFill>
+                <a:latin typeface="Arial" panose="020B0604020202020204" pitchFamily="34" charset="0"/>
+                <a:ea typeface="+mn-ea"/>
+                <a:cs typeface="+mn-cs"/>
+              </a:rPr>
+              <a:t>if "Abortion" concept occurs in 2 out of 10 articles in one day this carries a lot more weight than</a:t>
+            </a:r>
+          </a:p>
+          <a:p>
+            <a:r>
+              <a:rPr lang="en-US" sz="1200" b="0" i="0" u="none" strike="noStrike" kern="1200" baseline="0" dirty="0" smtClean="0">
+                <a:solidFill>
+                  <a:schemeClr val="tx1"/>
+                </a:solidFill>
+                <a:latin typeface="Arial" panose="020B0604020202020204" pitchFamily="34" charset="0"/>
+                <a:ea typeface="+mn-ea"/>
+                <a:cs typeface="+mn-cs"/>
+              </a:rPr>
+              <a:t>5 occurrences out of 1000 articles. We could try to limit that effect by some kind of concept count</a:t>
+            </a:r>
+          </a:p>
+          <a:p>
+            <a:r>
+              <a:rPr lang="en-GB" sz="1200" b="0" i="0" u="none" strike="noStrike" kern="1200" baseline="0" dirty="0" smtClean="0">
+                <a:solidFill>
+                  <a:schemeClr val="tx1"/>
+                </a:solidFill>
+                <a:latin typeface="Arial" panose="020B0604020202020204" pitchFamily="34" charset="0"/>
+                <a:ea typeface="+mn-ea"/>
+                <a:cs typeface="+mn-cs"/>
+              </a:rPr>
+              <a:t>normalisation.</a:t>
+            </a:r>
+            <a:endParaRPr lang="en-GB" b="1" dirty="0" smtClean="0"/>
+          </a:p>
+          <a:p>
+            <a:endParaRPr lang="en-GB" dirty="0"/>
+          </a:p>
+        </p:txBody>
+      </p:sp>
+      <p:sp>
+        <p:nvSpPr>
+          <p:cNvPr id="4" name="Slide Number Placeholder 3"/>
+          <p:cNvSpPr>
+            <a:spLocks noGrp="1"/>
+          </p:cNvSpPr>
+          <p:nvPr>
+            <p:ph type="sldNum" sz="quarter" idx="10"/>
+          </p:nvPr>
+        </p:nvSpPr>
+        <p:spPr/>
+        <p:txBody>
+          <a:bodyPr/>
+          <a:lstStyle/>
+          <a:p>
+            <a:fld id="{40023F21-9FC3-4A9C-B997-65C4C5BF9AFD}" type="slidenum">
+              <a:rPr lang="en-GB" altLang="en-US" smtClean="0"/>
+              <a:pPr/>
+              <a:t>11</a:t>
+            </a:fld>
+            <a:endParaRPr lang="en-GB" altLang="en-US"/>
+          </a:p>
+        </p:txBody>
+      </p:sp>
+    </p:spTree>
+    <p:extLst>
+      <p:ext uri="{BB962C8B-B14F-4D97-AF65-F5344CB8AC3E}">
+        <p14:creationId xmlns:p14="http://schemas.microsoft.com/office/powerpoint/2010/main" val="501398495"/>
       </p:ext>
     </p:extLst>
   </p:cSld>
@@ -5535,18 +6164,7 @@
                   </a:schemeClr>
                 </a:solidFill>
               </a:rPr>
-              <a:t>Source: Event </a:t>
-            </a:r>
-            <a:r>
-              <a:rPr lang="en-US" altLang="en-US" sz="2600" dirty="0" smtClean="0">
-                <a:solidFill>
-                  <a:schemeClr val="tx1">
-                    <a:lumMod val="95000"/>
-                    <a:lumOff val="5000"/>
-                  </a:schemeClr>
-                </a:solidFill>
-              </a:rPr>
-              <a:t>Registry</a:t>
+              <a:t>Source: Event Registry</a:t>
             </a:r>
           </a:p>
           <a:p>
@@ -5715,27 +6333,8 @@
                   </a:schemeClr>
                 </a:solidFill>
               </a:rPr>
-              <a:t>Illegal </a:t>
-            </a:r>
-            <a:r>
-              <a:rPr lang="en-GB" sz="2600" dirty="0" smtClean="0">
-                <a:solidFill>
-                  <a:schemeClr val="tx1">
-                    <a:lumMod val="95000"/>
-                    <a:lumOff val="5000"/>
-                  </a:schemeClr>
-                </a:solidFill>
-              </a:rPr>
-              <a:t>Immigration (wall)</a:t>
-            </a:r>
-            <a:endParaRPr lang="en-GB" sz="2600" dirty="0" smtClean="0">
-              <a:solidFill>
-                <a:schemeClr val="tx1">
-                  <a:lumMod val="95000"/>
-                  <a:lumOff val="5000"/>
-                </a:schemeClr>
-              </a:solidFill>
-            </a:endParaRPr>
+              <a:t>Illegal Immigration (wall)</a:t>
+            </a:r>
           </a:p>
           <a:p>
             <a:pPr>
@@ -6233,8 +6832,8 @@
           </a:p>
         </p:txBody>
       </p:sp>
-      <mc:AlternateContent xmlns:mc="http://schemas.openxmlformats.org/markup-compatibility/2006">
-        <mc:Choice xmlns:a14="http://schemas.microsoft.com/office/drawing/2010/main" Requires="a14">
+      <mc:AlternateContent xmlns:mc="http://schemas.openxmlformats.org/markup-compatibility/2006" xmlns:a14="http://schemas.microsoft.com/office/drawing/2010/main">
+        <mc:Choice Requires="a14">
           <p:sp>
             <p:nvSpPr>
               <p:cNvPr id="3" name="Content Placeholder 2"/>
@@ -6671,7 +7270,7 @@
             </p:txBody>
           </p:sp>
         </mc:Choice>
-        <mc:Fallback>
+        <mc:Fallback xmlns="">
           <p:sp>
             <p:nvSpPr>
               <p:cNvPr id="3" name="Content Placeholder 2"/>
@@ -6684,7 +7283,7 @@
             </p:nvSpPr>
             <p:spPr>
               <a:blipFill rotWithShape="0">
-                <a:blip r:embed="rId2"/>
+                <a:blip r:embed="rId3"/>
                 <a:stretch>
                   <a:fillRect l="-1834" t="-1733"/>
                 </a:stretch>
@@ -6776,7 +7375,7 @@
           </p:nvPr>
         </p:nvPicPr>
         <p:blipFill>
-          <a:blip r:embed="rId2">
+          <a:blip r:embed="rId3">
             <a:extLst>
               <a:ext uri="{28A0092B-C50C-407E-A947-70E740481C1C}">
                 <a14:useLocalDpi xmlns:a14="http://schemas.microsoft.com/office/drawing/2010/main" val="0"/>
